--- a/Assignment1.pptx
+++ b/Assignment1.pptx
@@ -6,6 +6,13 @@
   </p:sldMasterIdLst>
   <p:sldIdLst>
     <p:sldId id="256" r:id="rId2"/>
+    <p:sldId id="257" r:id="rId3"/>
+    <p:sldId id="258" r:id="rId4"/>
+    <p:sldId id="259" r:id="rId5"/>
+    <p:sldId id="260" r:id="rId6"/>
+    <p:sldId id="261" r:id="rId7"/>
+    <p:sldId id="262" r:id="rId8"/>
+    <p:sldId id="263" r:id="rId9"/>
   </p:sldIdLst>
   <p:sldSz cx="12192000" cy="6858000"/>
   <p:notesSz cx="6858000" cy="9144000"/>
@@ -105,6 +112,2820 @@
     </a:lvl9pPr>
   </p:defaultTextStyle>
 </p:presentation>
+</file>
+
+<file path=ppt/diagrams/colors1.xml><?xml version="1.0" encoding="utf-8"?>
+<dgm:colorsDef xmlns:dgm="http://schemas.openxmlformats.org/drawingml/2006/diagram" xmlns:a="http://schemas.openxmlformats.org/drawingml/2006/main" uniqueId="urn:microsoft.com/office/officeart/2005/8/colors/accent1_2">
+  <dgm:title val=""/>
+  <dgm:desc val=""/>
+  <dgm:catLst>
+    <dgm:cat type="accent1" pri="11200"/>
+  </dgm:catLst>
+  <dgm:styleLbl name="node0">
+    <dgm:fillClrLst meth="repeat">
+      <a:schemeClr val="accent1"/>
+    </dgm:fillClrLst>
+    <dgm:linClrLst meth="repeat">
+      <a:schemeClr val="lt1"/>
+    </dgm:linClrLst>
+    <dgm:effectClrLst/>
+    <dgm:txLinClrLst/>
+    <dgm:txFillClrLst/>
+    <dgm:txEffectClrLst/>
+  </dgm:styleLbl>
+  <dgm:styleLbl name="alignNode1">
+    <dgm:fillClrLst meth="repeat">
+      <a:schemeClr val="accent1"/>
+    </dgm:fillClrLst>
+    <dgm:linClrLst meth="repeat">
+      <a:schemeClr val="accent1"/>
+    </dgm:linClrLst>
+    <dgm:effectClrLst/>
+    <dgm:txLinClrLst/>
+    <dgm:txFillClrLst/>
+    <dgm:txEffectClrLst/>
+  </dgm:styleLbl>
+  <dgm:styleLbl name="node1">
+    <dgm:fillClrLst meth="repeat">
+      <a:schemeClr val="accent1"/>
+    </dgm:fillClrLst>
+    <dgm:linClrLst meth="repeat">
+      <a:schemeClr val="lt1"/>
+    </dgm:linClrLst>
+    <dgm:effectClrLst/>
+    <dgm:txLinClrLst/>
+    <dgm:txFillClrLst/>
+    <dgm:txEffectClrLst/>
+  </dgm:styleLbl>
+  <dgm:styleLbl name="lnNode1">
+    <dgm:fillClrLst meth="repeat">
+      <a:schemeClr val="accent1"/>
+    </dgm:fillClrLst>
+    <dgm:linClrLst meth="repeat">
+      <a:schemeClr val="lt1"/>
+    </dgm:linClrLst>
+    <dgm:effectClrLst/>
+    <dgm:txLinClrLst/>
+    <dgm:txFillClrLst/>
+    <dgm:txEffectClrLst/>
+  </dgm:styleLbl>
+  <dgm:styleLbl name="vennNode1">
+    <dgm:fillClrLst meth="repeat">
+      <a:schemeClr val="accent1">
+        <a:alpha val="50000"/>
+      </a:schemeClr>
+    </dgm:fillClrLst>
+    <dgm:linClrLst meth="repeat">
+      <a:schemeClr val="lt1"/>
+    </dgm:linClrLst>
+    <dgm:effectClrLst/>
+    <dgm:txLinClrLst/>
+    <dgm:txFillClrLst/>
+    <dgm:txEffectClrLst/>
+  </dgm:styleLbl>
+  <dgm:styleLbl name="node2">
+    <dgm:fillClrLst meth="repeat">
+      <a:schemeClr val="accent1"/>
+    </dgm:fillClrLst>
+    <dgm:linClrLst meth="repeat">
+      <a:schemeClr val="lt1"/>
+    </dgm:linClrLst>
+    <dgm:effectClrLst/>
+    <dgm:txLinClrLst/>
+    <dgm:txFillClrLst/>
+    <dgm:txEffectClrLst/>
+  </dgm:styleLbl>
+  <dgm:styleLbl name="node3">
+    <dgm:fillClrLst meth="repeat">
+      <a:schemeClr val="accent1"/>
+    </dgm:fillClrLst>
+    <dgm:linClrLst meth="repeat">
+      <a:schemeClr val="lt1"/>
+    </dgm:linClrLst>
+    <dgm:effectClrLst/>
+    <dgm:txLinClrLst/>
+    <dgm:txFillClrLst/>
+    <dgm:txEffectClrLst/>
+  </dgm:styleLbl>
+  <dgm:styleLbl name="node4">
+    <dgm:fillClrLst meth="repeat">
+      <a:schemeClr val="accent1"/>
+    </dgm:fillClrLst>
+    <dgm:linClrLst meth="repeat">
+      <a:schemeClr val="lt1"/>
+    </dgm:linClrLst>
+    <dgm:effectClrLst/>
+    <dgm:txLinClrLst/>
+    <dgm:txFillClrLst/>
+    <dgm:txEffectClrLst/>
+  </dgm:styleLbl>
+  <dgm:styleLbl name="fgImgPlace1">
+    <dgm:fillClrLst meth="repeat">
+      <a:schemeClr val="accent1">
+        <a:tint val="50000"/>
+      </a:schemeClr>
+    </dgm:fillClrLst>
+    <dgm:linClrLst meth="repeat">
+      <a:schemeClr val="lt1"/>
+    </dgm:linClrLst>
+    <dgm:effectClrLst/>
+    <dgm:txLinClrLst/>
+    <dgm:txFillClrLst meth="repeat">
+      <a:schemeClr val="lt1"/>
+    </dgm:txFillClrLst>
+    <dgm:txEffectClrLst/>
+  </dgm:styleLbl>
+  <dgm:styleLbl name="alignImgPlace1">
+    <dgm:fillClrLst meth="repeat">
+      <a:schemeClr val="accent1">
+        <a:tint val="50000"/>
+      </a:schemeClr>
+    </dgm:fillClrLst>
+    <dgm:linClrLst meth="repeat">
+      <a:schemeClr val="lt1"/>
+    </dgm:linClrLst>
+    <dgm:effectClrLst/>
+    <dgm:txLinClrLst/>
+    <dgm:txFillClrLst meth="repeat">
+      <a:schemeClr val="lt1"/>
+    </dgm:txFillClrLst>
+    <dgm:txEffectClrLst/>
+  </dgm:styleLbl>
+  <dgm:styleLbl name="bgImgPlace1">
+    <dgm:fillClrLst meth="repeat">
+      <a:schemeClr val="accent1">
+        <a:tint val="50000"/>
+      </a:schemeClr>
+    </dgm:fillClrLst>
+    <dgm:linClrLst meth="repeat">
+      <a:schemeClr val="lt1"/>
+    </dgm:linClrLst>
+    <dgm:effectClrLst/>
+    <dgm:txLinClrLst/>
+    <dgm:txFillClrLst meth="repeat">
+      <a:schemeClr val="lt1"/>
+    </dgm:txFillClrLst>
+    <dgm:txEffectClrLst/>
+  </dgm:styleLbl>
+  <dgm:styleLbl name="sibTrans2D1">
+    <dgm:fillClrLst meth="repeat">
+      <a:schemeClr val="accent1">
+        <a:tint val="60000"/>
+      </a:schemeClr>
+    </dgm:fillClrLst>
+    <dgm:linClrLst meth="repeat">
+      <a:schemeClr val="accent1">
+        <a:tint val="60000"/>
+      </a:schemeClr>
+    </dgm:linClrLst>
+    <dgm:effectClrLst/>
+    <dgm:txLinClrLst/>
+    <dgm:txFillClrLst/>
+    <dgm:txEffectClrLst/>
+  </dgm:styleLbl>
+  <dgm:styleLbl name="fgSibTrans2D1">
+    <dgm:fillClrLst meth="repeat">
+      <a:schemeClr val="accent1">
+        <a:tint val="60000"/>
+      </a:schemeClr>
+    </dgm:fillClrLst>
+    <dgm:linClrLst meth="repeat">
+      <a:schemeClr val="accent1">
+        <a:tint val="60000"/>
+      </a:schemeClr>
+    </dgm:linClrLst>
+    <dgm:effectClrLst/>
+    <dgm:txLinClrLst/>
+    <dgm:txFillClrLst/>
+    <dgm:txEffectClrLst/>
+  </dgm:styleLbl>
+  <dgm:styleLbl name="bgSibTrans2D1">
+    <dgm:fillClrLst meth="repeat">
+      <a:schemeClr val="accent1">
+        <a:tint val="60000"/>
+      </a:schemeClr>
+    </dgm:fillClrLst>
+    <dgm:linClrLst meth="repeat">
+      <a:schemeClr val="accent1">
+        <a:tint val="60000"/>
+      </a:schemeClr>
+    </dgm:linClrLst>
+    <dgm:effectClrLst/>
+    <dgm:txLinClrLst/>
+    <dgm:txFillClrLst/>
+    <dgm:txEffectClrLst/>
+  </dgm:styleLbl>
+  <dgm:styleLbl name="sibTrans1D1">
+    <dgm:fillClrLst meth="repeat">
+      <a:schemeClr val="accent1"/>
+    </dgm:fillClrLst>
+    <dgm:linClrLst meth="repeat">
+      <a:schemeClr val="accent1"/>
+    </dgm:linClrLst>
+    <dgm:effectClrLst/>
+    <dgm:txLinClrLst/>
+    <dgm:txFillClrLst meth="repeat">
+      <a:schemeClr val="tx1"/>
+    </dgm:txFillClrLst>
+    <dgm:txEffectClrLst/>
+  </dgm:styleLbl>
+  <dgm:styleLbl name="callout">
+    <dgm:fillClrLst meth="repeat">
+      <a:schemeClr val="accent1"/>
+    </dgm:fillClrLst>
+    <dgm:linClrLst meth="repeat">
+      <a:schemeClr val="accent1">
+        <a:tint val="50000"/>
+      </a:schemeClr>
+    </dgm:linClrLst>
+    <dgm:effectClrLst/>
+    <dgm:txLinClrLst/>
+    <dgm:txFillClrLst meth="repeat">
+      <a:schemeClr val="tx1"/>
+    </dgm:txFillClrLst>
+    <dgm:txEffectClrLst/>
+  </dgm:styleLbl>
+  <dgm:styleLbl name="asst0">
+    <dgm:fillClrLst meth="repeat">
+      <a:schemeClr val="accent1"/>
+    </dgm:fillClrLst>
+    <dgm:linClrLst meth="repeat">
+      <a:schemeClr val="lt1"/>
+    </dgm:linClrLst>
+    <dgm:effectClrLst/>
+    <dgm:txLinClrLst/>
+    <dgm:txFillClrLst/>
+    <dgm:txEffectClrLst/>
+  </dgm:styleLbl>
+  <dgm:styleLbl name="asst1">
+    <dgm:fillClrLst meth="repeat">
+      <a:schemeClr val="accent1"/>
+    </dgm:fillClrLst>
+    <dgm:linClrLst meth="repeat">
+      <a:schemeClr val="lt1"/>
+    </dgm:linClrLst>
+    <dgm:effectClrLst/>
+    <dgm:txLinClrLst/>
+    <dgm:txFillClrLst/>
+    <dgm:txEffectClrLst/>
+  </dgm:styleLbl>
+  <dgm:styleLbl name="asst2">
+    <dgm:fillClrLst meth="repeat">
+      <a:schemeClr val="accent1"/>
+    </dgm:fillClrLst>
+    <dgm:linClrLst meth="repeat">
+      <a:schemeClr val="lt1"/>
+    </dgm:linClrLst>
+    <dgm:effectClrLst/>
+    <dgm:txLinClrLst/>
+    <dgm:txFillClrLst/>
+    <dgm:txEffectClrLst/>
+  </dgm:styleLbl>
+  <dgm:styleLbl name="asst3">
+    <dgm:fillClrLst meth="repeat">
+      <a:schemeClr val="accent1"/>
+    </dgm:fillClrLst>
+    <dgm:linClrLst meth="repeat">
+      <a:schemeClr val="lt1"/>
+    </dgm:linClrLst>
+    <dgm:effectClrLst/>
+    <dgm:txLinClrLst/>
+    <dgm:txFillClrLst/>
+    <dgm:txEffectClrLst/>
+  </dgm:styleLbl>
+  <dgm:styleLbl name="asst4">
+    <dgm:fillClrLst meth="repeat">
+      <a:schemeClr val="accent1"/>
+    </dgm:fillClrLst>
+    <dgm:linClrLst meth="repeat">
+      <a:schemeClr val="lt1"/>
+    </dgm:linClrLst>
+    <dgm:effectClrLst/>
+    <dgm:txLinClrLst/>
+    <dgm:txFillClrLst/>
+    <dgm:txEffectClrLst/>
+  </dgm:styleLbl>
+  <dgm:styleLbl name="parChTrans2D1">
+    <dgm:fillClrLst meth="repeat">
+      <a:schemeClr val="accent1">
+        <a:tint val="60000"/>
+      </a:schemeClr>
+    </dgm:fillClrLst>
+    <dgm:linClrLst meth="repeat">
+      <a:schemeClr val="accent1">
+        <a:tint val="60000"/>
+      </a:schemeClr>
+    </dgm:linClrLst>
+    <dgm:effectClrLst/>
+    <dgm:txLinClrLst/>
+    <dgm:txFillClrLst meth="repeat">
+      <a:schemeClr val="lt1"/>
+    </dgm:txFillClrLst>
+    <dgm:txEffectClrLst/>
+  </dgm:styleLbl>
+  <dgm:styleLbl name="parChTrans2D2">
+    <dgm:fillClrLst meth="repeat">
+      <a:schemeClr val="accent1"/>
+    </dgm:fillClrLst>
+    <dgm:linClrLst meth="repeat">
+      <a:schemeClr val="accent1"/>
+    </dgm:linClrLst>
+    <dgm:effectClrLst/>
+    <dgm:txLinClrLst/>
+    <dgm:txFillClrLst meth="repeat">
+      <a:schemeClr val="lt1"/>
+    </dgm:txFillClrLst>
+    <dgm:txEffectClrLst/>
+  </dgm:styleLbl>
+  <dgm:styleLbl name="parChTrans2D3">
+    <dgm:fillClrLst meth="repeat">
+      <a:schemeClr val="accent1"/>
+    </dgm:fillClrLst>
+    <dgm:linClrLst meth="repeat">
+      <a:schemeClr val="accent1"/>
+    </dgm:linClrLst>
+    <dgm:effectClrLst/>
+    <dgm:txLinClrLst/>
+    <dgm:txFillClrLst meth="repeat">
+      <a:schemeClr val="lt1"/>
+    </dgm:txFillClrLst>
+    <dgm:txEffectClrLst/>
+  </dgm:styleLbl>
+  <dgm:styleLbl name="parChTrans2D4">
+    <dgm:fillClrLst meth="repeat">
+      <a:schemeClr val="accent1"/>
+    </dgm:fillClrLst>
+    <dgm:linClrLst meth="repeat">
+      <a:schemeClr val="accent1"/>
+    </dgm:linClrLst>
+    <dgm:effectClrLst/>
+    <dgm:txLinClrLst/>
+    <dgm:txFillClrLst meth="repeat">
+      <a:schemeClr val="lt1"/>
+    </dgm:txFillClrLst>
+    <dgm:txEffectClrLst/>
+  </dgm:styleLbl>
+  <dgm:styleLbl name="parChTrans1D1">
+    <dgm:fillClrLst meth="repeat">
+      <a:schemeClr val="accent1"/>
+    </dgm:fillClrLst>
+    <dgm:linClrLst meth="repeat">
+      <a:schemeClr val="accent1">
+        <a:shade val="60000"/>
+      </a:schemeClr>
+    </dgm:linClrLst>
+    <dgm:effectClrLst/>
+    <dgm:txLinClrLst/>
+    <dgm:txFillClrLst meth="repeat">
+      <a:schemeClr val="tx1"/>
+    </dgm:txFillClrLst>
+    <dgm:txEffectClrLst/>
+  </dgm:styleLbl>
+  <dgm:styleLbl name="parChTrans1D2">
+    <dgm:fillClrLst meth="repeat">
+      <a:schemeClr val="accent1"/>
+    </dgm:fillClrLst>
+    <dgm:linClrLst meth="repeat">
+      <a:schemeClr val="accent1">
+        <a:shade val="60000"/>
+      </a:schemeClr>
+    </dgm:linClrLst>
+    <dgm:effectClrLst/>
+    <dgm:txLinClrLst/>
+    <dgm:txFillClrLst meth="repeat">
+      <a:schemeClr val="tx1"/>
+    </dgm:txFillClrLst>
+    <dgm:txEffectClrLst/>
+  </dgm:styleLbl>
+  <dgm:styleLbl name="parChTrans1D3">
+    <dgm:fillClrLst meth="repeat">
+      <a:schemeClr val="accent1"/>
+    </dgm:fillClrLst>
+    <dgm:linClrLst meth="repeat">
+      <a:schemeClr val="accent1">
+        <a:shade val="80000"/>
+      </a:schemeClr>
+    </dgm:linClrLst>
+    <dgm:effectClrLst/>
+    <dgm:txLinClrLst/>
+    <dgm:txFillClrLst meth="repeat">
+      <a:schemeClr val="tx1"/>
+    </dgm:txFillClrLst>
+    <dgm:txEffectClrLst/>
+  </dgm:styleLbl>
+  <dgm:styleLbl name="parChTrans1D4">
+    <dgm:fillClrLst meth="repeat">
+      <a:schemeClr val="accent1"/>
+    </dgm:fillClrLst>
+    <dgm:linClrLst meth="repeat">
+      <a:schemeClr val="accent1">
+        <a:shade val="80000"/>
+      </a:schemeClr>
+    </dgm:linClrLst>
+    <dgm:effectClrLst/>
+    <dgm:txLinClrLst/>
+    <dgm:txFillClrLst meth="repeat">
+      <a:schemeClr val="tx1"/>
+    </dgm:txFillClrLst>
+    <dgm:txEffectClrLst/>
+  </dgm:styleLbl>
+  <dgm:styleLbl name="fgAcc1">
+    <dgm:fillClrLst meth="repeat">
+      <a:schemeClr val="lt1">
+        <a:alpha val="90000"/>
+      </a:schemeClr>
+    </dgm:fillClrLst>
+    <dgm:linClrLst meth="repeat">
+      <a:schemeClr val="accent1"/>
+    </dgm:linClrLst>
+    <dgm:effectClrLst/>
+    <dgm:txLinClrLst/>
+    <dgm:txFillClrLst meth="repeat">
+      <a:schemeClr val="dk1"/>
+    </dgm:txFillClrLst>
+    <dgm:txEffectClrLst/>
+  </dgm:styleLbl>
+  <dgm:styleLbl name="conFgAcc1">
+    <dgm:fillClrLst meth="repeat">
+      <a:schemeClr val="lt1">
+        <a:alpha val="90000"/>
+      </a:schemeClr>
+    </dgm:fillClrLst>
+    <dgm:linClrLst meth="repeat">
+      <a:schemeClr val="accent1"/>
+    </dgm:linClrLst>
+    <dgm:effectClrLst/>
+    <dgm:txLinClrLst/>
+    <dgm:txFillClrLst meth="repeat">
+      <a:schemeClr val="dk1"/>
+    </dgm:txFillClrLst>
+    <dgm:txEffectClrLst/>
+  </dgm:styleLbl>
+  <dgm:styleLbl name="alignAcc1">
+    <dgm:fillClrLst meth="repeat">
+      <a:schemeClr val="lt1">
+        <a:alpha val="90000"/>
+      </a:schemeClr>
+    </dgm:fillClrLst>
+    <dgm:linClrLst meth="repeat">
+      <a:schemeClr val="accent1"/>
+    </dgm:linClrLst>
+    <dgm:effectClrLst/>
+    <dgm:txLinClrLst/>
+    <dgm:txFillClrLst meth="repeat">
+      <a:schemeClr val="dk1"/>
+    </dgm:txFillClrLst>
+    <dgm:txEffectClrLst/>
+  </dgm:styleLbl>
+  <dgm:styleLbl name="trAlignAcc1">
+    <dgm:fillClrLst meth="repeat">
+      <a:schemeClr val="lt1">
+        <a:alpha val="40000"/>
+      </a:schemeClr>
+    </dgm:fillClrLst>
+    <dgm:linClrLst meth="repeat">
+      <a:schemeClr val="accent1"/>
+    </dgm:linClrLst>
+    <dgm:effectClrLst/>
+    <dgm:txLinClrLst/>
+    <dgm:txFillClrLst meth="repeat">
+      <a:schemeClr val="dk1"/>
+    </dgm:txFillClrLst>
+    <dgm:txEffectClrLst/>
+  </dgm:styleLbl>
+  <dgm:styleLbl name="bgAcc1">
+    <dgm:fillClrLst meth="repeat">
+      <a:schemeClr val="lt1">
+        <a:alpha val="90000"/>
+      </a:schemeClr>
+    </dgm:fillClrLst>
+    <dgm:linClrLst meth="repeat">
+      <a:schemeClr val="accent1"/>
+    </dgm:linClrLst>
+    <dgm:effectClrLst/>
+    <dgm:txLinClrLst/>
+    <dgm:txFillClrLst meth="repeat">
+      <a:schemeClr val="dk1"/>
+    </dgm:txFillClrLst>
+    <dgm:txEffectClrLst/>
+  </dgm:styleLbl>
+  <dgm:styleLbl name="solidFgAcc1">
+    <dgm:fillClrLst meth="repeat">
+      <a:schemeClr val="lt1"/>
+    </dgm:fillClrLst>
+    <dgm:linClrLst meth="repeat">
+      <a:schemeClr val="accent1"/>
+    </dgm:linClrLst>
+    <dgm:effectClrLst/>
+    <dgm:txLinClrLst/>
+    <dgm:txFillClrLst meth="repeat">
+      <a:schemeClr val="dk1"/>
+    </dgm:txFillClrLst>
+    <dgm:txEffectClrLst/>
+  </dgm:styleLbl>
+  <dgm:styleLbl name="solidAlignAcc1">
+    <dgm:fillClrLst meth="repeat">
+      <a:schemeClr val="lt1"/>
+    </dgm:fillClrLst>
+    <dgm:linClrLst meth="repeat">
+      <a:schemeClr val="accent1"/>
+    </dgm:linClrLst>
+    <dgm:effectClrLst/>
+    <dgm:txLinClrLst/>
+    <dgm:txFillClrLst meth="repeat">
+      <a:schemeClr val="dk1"/>
+    </dgm:txFillClrLst>
+    <dgm:txEffectClrLst/>
+  </dgm:styleLbl>
+  <dgm:styleLbl name="solidBgAcc1">
+    <dgm:fillClrLst meth="repeat">
+      <a:schemeClr val="lt1"/>
+    </dgm:fillClrLst>
+    <dgm:linClrLst meth="repeat">
+      <a:schemeClr val="accent1"/>
+    </dgm:linClrLst>
+    <dgm:effectClrLst/>
+    <dgm:txLinClrLst/>
+    <dgm:txFillClrLst meth="repeat">
+      <a:schemeClr val="dk1"/>
+    </dgm:txFillClrLst>
+    <dgm:txEffectClrLst/>
+  </dgm:styleLbl>
+  <dgm:styleLbl name="fgAccFollowNode1">
+    <dgm:fillClrLst meth="repeat">
+      <a:schemeClr val="accent1">
+        <a:alpha val="90000"/>
+        <a:tint val="40000"/>
+      </a:schemeClr>
+    </dgm:fillClrLst>
+    <dgm:linClrLst meth="repeat">
+      <a:schemeClr val="accent1">
+        <a:alpha val="90000"/>
+        <a:tint val="40000"/>
+      </a:schemeClr>
+    </dgm:linClrLst>
+    <dgm:effectClrLst/>
+    <dgm:txLinClrLst/>
+    <dgm:txFillClrLst meth="repeat">
+      <a:schemeClr val="dk1"/>
+    </dgm:txFillClrLst>
+    <dgm:txEffectClrLst/>
+  </dgm:styleLbl>
+  <dgm:styleLbl name="alignAccFollowNode1">
+    <dgm:fillClrLst meth="repeat">
+      <a:schemeClr val="accent1">
+        <a:alpha val="90000"/>
+        <a:tint val="40000"/>
+      </a:schemeClr>
+    </dgm:fillClrLst>
+    <dgm:linClrLst meth="repeat">
+      <a:schemeClr val="accent1">
+        <a:alpha val="90000"/>
+        <a:tint val="40000"/>
+      </a:schemeClr>
+    </dgm:linClrLst>
+    <dgm:effectClrLst/>
+    <dgm:txLinClrLst/>
+    <dgm:txFillClrLst meth="repeat">
+      <a:schemeClr val="dk1"/>
+    </dgm:txFillClrLst>
+    <dgm:txEffectClrLst/>
+  </dgm:styleLbl>
+  <dgm:styleLbl name="bgAccFollowNode1">
+    <dgm:fillClrLst meth="repeat">
+      <a:schemeClr val="accent1">
+        <a:alpha val="90000"/>
+        <a:tint val="40000"/>
+      </a:schemeClr>
+    </dgm:fillClrLst>
+    <dgm:linClrLst meth="repeat">
+      <a:schemeClr val="accent1">
+        <a:alpha val="90000"/>
+        <a:tint val="40000"/>
+      </a:schemeClr>
+    </dgm:linClrLst>
+    <dgm:effectClrLst/>
+    <dgm:txLinClrLst/>
+    <dgm:txFillClrLst meth="repeat">
+      <a:schemeClr val="dk1"/>
+    </dgm:txFillClrLst>
+    <dgm:txEffectClrLst/>
+  </dgm:styleLbl>
+  <dgm:styleLbl name="fgAcc0">
+    <dgm:fillClrLst meth="repeat">
+      <a:schemeClr val="lt1">
+        <a:alpha val="90000"/>
+      </a:schemeClr>
+    </dgm:fillClrLst>
+    <dgm:linClrLst meth="repeat">
+      <a:schemeClr val="accent1"/>
+    </dgm:linClrLst>
+    <dgm:effectClrLst/>
+    <dgm:txLinClrLst/>
+    <dgm:txFillClrLst meth="repeat">
+      <a:schemeClr val="dk1"/>
+    </dgm:txFillClrLst>
+    <dgm:txEffectClrLst/>
+  </dgm:styleLbl>
+  <dgm:styleLbl name="fgAcc2">
+    <dgm:fillClrLst meth="repeat">
+      <a:schemeClr val="lt1">
+        <a:alpha val="90000"/>
+      </a:schemeClr>
+    </dgm:fillClrLst>
+    <dgm:linClrLst meth="repeat">
+      <a:schemeClr val="accent1"/>
+    </dgm:linClrLst>
+    <dgm:effectClrLst/>
+    <dgm:txLinClrLst/>
+    <dgm:txFillClrLst meth="repeat">
+      <a:schemeClr val="dk1"/>
+    </dgm:txFillClrLst>
+    <dgm:txEffectClrLst/>
+  </dgm:styleLbl>
+  <dgm:styleLbl name="fgAcc3">
+    <dgm:fillClrLst meth="repeat">
+      <a:schemeClr val="lt1">
+        <a:alpha val="90000"/>
+      </a:schemeClr>
+    </dgm:fillClrLst>
+    <dgm:linClrLst meth="repeat">
+      <a:schemeClr val="accent1"/>
+    </dgm:linClrLst>
+    <dgm:effectClrLst/>
+    <dgm:txLinClrLst/>
+    <dgm:txFillClrLst meth="repeat">
+      <a:schemeClr val="dk1"/>
+    </dgm:txFillClrLst>
+    <dgm:txEffectClrLst/>
+  </dgm:styleLbl>
+  <dgm:styleLbl name="fgAcc4">
+    <dgm:fillClrLst meth="repeat">
+      <a:schemeClr val="lt1">
+        <a:alpha val="90000"/>
+      </a:schemeClr>
+    </dgm:fillClrLst>
+    <dgm:linClrLst meth="repeat">
+      <a:schemeClr val="accent1"/>
+    </dgm:linClrLst>
+    <dgm:effectClrLst/>
+    <dgm:txLinClrLst/>
+    <dgm:txFillClrLst meth="repeat">
+      <a:schemeClr val="dk1"/>
+    </dgm:txFillClrLst>
+    <dgm:txEffectClrLst/>
+  </dgm:styleLbl>
+  <dgm:styleLbl name="bgShp">
+    <dgm:fillClrLst meth="repeat">
+      <a:schemeClr val="accent1">
+        <a:tint val="40000"/>
+      </a:schemeClr>
+    </dgm:fillClrLst>
+    <dgm:linClrLst meth="repeat">
+      <a:schemeClr val="accent1"/>
+    </dgm:linClrLst>
+    <dgm:effectClrLst/>
+    <dgm:txLinClrLst/>
+    <dgm:txFillClrLst meth="repeat">
+      <a:schemeClr val="dk1"/>
+    </dgm:txFillClrLst>
+    <dgm:txEffectClrLst/>
+  </dgm:styleLbl>
+  <dgm:styleLbl name="dkBgShp">
+    <dgm:fillClrLst meth="repeat">
+      <a:schemeClr val="accent1">
+        <a:shade val="80000"/>
+      </a:schemeClr>
+    </dgm:fillClrLst>
+    <dgm:linClrLst meth="repeat">
+      <a:schemeClr val="accent1"/>
+    </dgm:linClrLst>
+    <dgm:effectClrLst/>
+    <dgm:txLinClrLst/>
+    <dgm:txFillClrLst meth="repeat">
+      <a:schemeClr val="lt1"/>
+    </dgm:txFillClrLst>
+    <dgm:txEffectClrLst/>
+  </dgm:styleLbl>
+  <dgm:styleLbl name="trBgShp">
+    <dgm:fillClrLst meth="repeat">
+      <a:schemeClr val="accent1">
+        <a:tint val="50000"/>
+        <a:alpha val="40000"/>
+      </a:schemeClr>
+    </dgm:fillClrLst>
+    <dgm:linClrLst meth="repeat">
+      <a:schemeClr val="accent1"/>
+    </dgm:linClrLst>
+    <dgm:effectClrLst/>
+    <dgm:txLinClrLst/>
+    <dgm:txFillClrLst meth="repeat">
+      <a:schemeClr val="lt1"/>
+    </dgm:txFillClrLst>
+    <dgm:txEffectClrLst/>
+  </dgm:styleLbl>
+  <dgm:styleLbl name="fgShp">
+    <dgm:fillClrLst meth="repeat">
+      <a:schemeClr val="accent1">
+        <a:tint val="60000"/>
+      </a:schemeClr>
+    </dgm:fillClrLst>
+    <dgm:linClrLst meth="repeat">
+      <a:schemeClr val="lt1"/>
+    </dgm:linClrLst>
+    <dgm:effectClrLst/>
+    <dgm:txLinClrLst/>
+    <dgm:txFillClrLst meth="repeat">
+      <a:schemeClr val="dk1"/>
+    </dgm:txFillClrLst>
+    <dgm:txEffectClrLst/>
+  </dgm:styleLbl>
+  <dgm:styleLbl name="revTx">
+    <dgm:fillClrLst meth="repeat">
+      <a:schemeClr val="lt1">
+        <a:alpha val="0"/>
+      </a:schemeClr>
+    </dgm:fillClrLst>
+    <dgm:linClrLst meth="repeat">
+      <a:schemeClr val="dk1">
+        <a:alpha val="0"/>
+      </a:schemeClr>
+    </dgm:linClrLst>
+    <dgm:effectClrLst/>
+    <dgm:txLinClrLst/>
+    <dgm:txFillClrLst meth="repeat">
+      <a:schemeClr val="tx1"/>
+    </dgm:txFillClrLst>
+    <dgm:txEffectClrLst/>
+  </dgm:styleLbl>
+</dgm:colorsDef>
+</file>
+
+<file path=ppt/diagrams/data1.xml><?xml version="1.0" encoding="utf-8"?>
+<dgm:dataModel xmlns:dgm="http://schemas.openxmlformats.org/drawingml/2006/diagram" xmlns:a="http://schemas.openxmlformats.org/drawingml/2006/main">
+  <dgm:ptLst>
+    <dgm:pt modelId="{8562BEAC-9A20-46A9-8979-DEED3B4BD42C}" type="doc">
+      <dgm:prSet loTypeId="urn:microsoft.com/office/officeart/2018/5/layout/IconCircleLabelList" loCatId="icon" qsTypeId="urn:microsoft.com/office/officeart/2005/8/quickstyle/simple1" qsCatId="simple" csTypeId="urn:microsoft.com/office/officeart/2005/8/colors/accent1_2" csCatId="accent1" phldr="1"/>
+      <dgm:spPr/>
+      <dgm:t>
+        <a:bodyPr/>
+        <a:lstStyle/>
+        <a:p>
+          <a:endParaRPr lang="en-US"/>
+        </a:p>
+      </dgm:t>
+    </dgm:pt>
+    <dgm:pt modelId="{BE9B1E03-00CA-4FB5-B711-39BA554DD1AB}">
+      <dgm:prSet/>
+      <dgm:spPr/>
+      <dgm:t>
+        <a:bodyPr/>
+        <a:lstStyle/>
+        <a:p>
+          <a:pPr>
+            <a:lnSpc>
+              <a:spcPct val="100000"/>
+            </a:lnSpc>
+            <a:defRPr cap="all"/>
+          </a:pPr>
+          <a:r>
+            <a:rPr lang="en-US" dirty="0"/>
+            <a:t>Shorter lead time improves delivery speed and feedback</a:t>
+          </a:r>
+        </a:p>
+      </dgm:t>
+    </dgm:pt>
+    <dgm:pt modelId="{F41B5850-7E78-4FD2-A37A-A7AC30ED2CC1}" type="parTrans" cxnId="{30E922A9-9885-4992-ACD7-CDEEB7217A95}">
+      <dgm:prSet/>
+      <dgm:spPr/>
+      <dgm:t>
+        <a:bodyPr/>
+        <a:lstStyle/>
+        <a:p>
+          <a:endParaRPr lang="en-US"/>
+        </a:p>
+      </dgm:t>
+    </dgm:pt>
+    <dgm:pt modelId="{148F1DE7-4BC5-4F90-BB91-804162C0325E}" type="sibTrans" cxnId="{30E922A9-9885-4992-ACD7-CDEEB7217A95}">
+      <dgm:prSet/>
+      <dgm:spPr/>
+      <dgm:t>
+        <a:bodyPr/>
+        <a:lstStyle/>
+        <a:p>
+          <a:endParaRPr lang="en-US"/>
+        </a:p>
+      </dgm:t>
+    </dgm:pt>
+    <dgm:pt modelId="{D65BE383-7EA6-444E-BDA5-71004527113A}">
+      <dgm:prSet/>
+      <dgm:spPr/>
+      <dgm:t>
+        <a:bodyPr/>
+        <a:lstStyle/>
+        <a:p>
+          <a:pPr>
+            <a:lnSpc>
+              <a:spcPct val="100000"/>
+            </a:lnSpc>
+            <a:defRPr cap="all"/>
+          </a:pPr>
+          <a:r>
+            <a:rPr lang="en-US"/>
+            <a:t>DevOps helps eliminate waste and delays</a:t>
+          </a:r>
+        </a:p>
+      </dgm:t>
+    </dgm:pt>
+    <dgm:pt modelId="{DD878C11-FFFF-42F6-85A6-D0927268C063}" type="parTrans" cxnId="{9C6F9BB0-513C-4A36-9292-3524C2E41D88}">
+      <dgm:prSet/>
+      <dgm:spPr/>
+      <dgm:t>
+        <a:bodyPr/>
+        <a:lstStyle/>
+        <a:p>
+          <a:endParaRPr lang="en-US"/>
+        </a:p>
+      </dgm:t>
+    </dgm:pt>
+    <dgm:pt modelId="{A2B76CB2-C44F-496F-A9E9-AFCD392610C5}" type="sibTrans" cxnId="{9C6F9BB0-513C-4A36-9292-3524C2E41D88}">
+      <dgm:prSet/>
+      <dgm:spPr/>
+      <dgm:t>
+        <a:bodyPr/>
+        <a:lstStyle/>
+        <a:p>
+          <a:endParaRPr lang="en-US"/>
+        </a:p>
+      </dgm:t>
+    </dgm:pt>
+    <dgm:pt modelId="{1599DA66-C5DF-4E6E-99FD-D3F5EB8DC7C9}">
+      <dgm:prSet/>
+      <dgm:spPr/>
+      <dgm:t>
+        <a:bodyPr/>
+        <a:lstStyle/>
+        <a:p>
+          <a:pPr>
+            <a:lnSpc>
+              <a:spcPct val="100000"/>
+            </a:lnSpc>
+            <a:defRPr cap="all"/>
+          </a:pPr>
+          <a:r>
+            <a:rPr lang="en-US"/>
+            <a:t>Technology value stream helps visualize and optimize flow</a:t>
+          </a:r>
+        </a:p>
+      </dgm:t>
+    </dgm:pt>
+    <dgm:pt modelId="{1FD14124-268D-4379-86B9-818455B647F8}" type="parTrans" cxnId="{CDB27729-10DC-4400-BC82-3C447DCAC17A}">
+      <dgm:prSet/>
+      <dgm:spPr/>
+      <dgm:t>
+        <a:bodyPr/>
+        <a:lstStyle/>
+        <a:p>
+          <a:endParaRPr lang="en-US"/>
+        </a:p>
+      </dgm:t>
+    </dgm:pt>
+    <dgm:pt modelId="{CBB698C7-3DD7-49CD-8756-867277CE9B4C}" type="sibTrans" cxnId="{CDB27729-10DC-4400-BC82-3C447DCAC17A}">
+      <dgm:prSet/>
+      <dgm:spPr/>
+      <dgm:t>
+        <a:bodyPr/>
+        <a:lstStyle/>
+        <a:p>
+          <a:endParaRPr lang="en-US"/>
+        </a:p>
+      </dgm:t>
+    </dgm:pt>
+    <dgm:pt modelId="{9569BAF9-B310-487E-9B43-5608B578F96B}" type="pres">
+      <dgm:prSet presAssocID="{8562BEAC-9A20-46A9-8979-DEED3B4BD42C}" presName="root" presStyleCnt="0">
+        <dgm:presLayoutVars>
+          <dgm:dir/>
+          <dgm:resizeHandles val="exact"/>
+        </dgm:presLayoutVars>
+      </dgm:prSet>
+      <dgm:spPr/>
+    </dgm:pt>
+    <dgm:pt modelId="{7004847B-5C0F-44A0-BD83-FE3ADD0951A7}" type="pres">
+      <dgm:prSet presAssocID="{BE9B1E03-00CA-4FB5-B711-39BA554DD1AB}" presName="compNode" presStyleCnt="0"/>
+      <dgm:spPr/>
+    </dgm:pt>
+    <dgm:pt modelId="{A662C128-0EB2-48C5-BC98-614F145C3084}" type="pres">
+      <dgm:prSet presAssocID="{BE9B1E03-00CA-4FB5-B711-39BA554DD1AB}" presName="iconBgRect" presStyleLbl="bgShp" presStyleIdx="0" presStyleCnt="3"/>
+      <dgm:spPr/>
+    </dgm:pt>
+    <dgm:pt modelId="{406EC3C5-F436-4E16-8EF4-2D3B76CA85F5}" type="pres">
+      <dgm:prSet presAssocID="{BE9B1E03-00CA-4FB5-B711-39BA554DD1AB}" presName="iconRect" presStyleLbl="node1" presStyleIdx="0" presStyleCnt="3"/>
+      <dgm:spPr>
+        <a:blipFill>
+          <a:blip xmlns:r="http://schemas.openxmlformats.org/officeDocument/2006/relationships" r:embed="rId1">
+            <a:extLst>
+              <a:ext uri="{28A0092B-C50C-407E-A947-70E740481C1C}">
+                <a14:useLocalDpi xmlns:a14="http://schemas.microsoft.com/office/drawing/2010/main" val="0"/>
+              </a:ext>
+              <a:ext uri="{96DAC541-7B7A-43D3-8B79-37D633B846F1}">
+                <asvg:svgBlip xmlns:asvg="http://schemas.microsoft.com/office/drawing/2016/SVG/main" r:embed="rId2"/>
+              </a:ext>
+            </a:extLst>
+          </a:blip>
+          <a:stretch>
+            <a:fillRect/>
+          </a:stretch>
+        </a:blipFill>
+      </dgm:spPr>
+      <dgm:extLst>
+        <a:ext uri="{E40237B7-FDA0-4F09-8148-C483321AD2D9}">
+          <dgm14:cNvPr xmlns:dgm14="http://schemas.microsoft.com/office/drawing/2010/diagram" id="0" name="" descr="Stopwatch"/>
+        </a:ext>
+      </dgm:extLst>
+    </dgm:pt>
+    <dgm:pt modelId="{F12EA850-7F7D-4516-97D4-75F77D736556}" type="pres">
+      <dgm:prSet presAssocID="{BE9B1E03-00CA-4FB5-B711-39BA554DD1AB}" presName="spaceRect" presStyleCnt="0"/>
+      <dgm:spPr/>
+    </dgm:pt>
+    <dgm:pt modelId="{549E3AD6-B905-4A27-AD0A-AD4DF55526AA}" type="pres">
+      <dgm:prSet presAssocID="{BE9B1E03-00CA-4FB5-B711-39BA554DD1AB}" presName="textRect" presStyleLbl="revTx" presStyleIdx="0" presStyleCnt="3">
+        <dgm:presLayoutVars>
+          <dgm:chMax val="1"/>
+          <dgm:chPref val="1"/>
+        </dgm:presLayoutVars>
+      </dgm:prSet>
+      <dgm:spPr/>
+    </dgm:pt>
+    <dgm:pt modelId="{FDA3E93D-2457-421D-95F0-1BE6F217A58D}" type="pres">
+      <dgm:prSet presAssocID="{148F1DE7-4BC5-4F90-BB91-804162C0325E}" presName="sibTrans" presStyleCnt="0"/>
+      <dgm:spPr/>
+    </dgm:pt>
+    <dgm:pt modelId="{11F60B1E-A2D1-4EAC-B737-0831577F3149}" type="pres">
+      <dgm:prSet presAssocID="{D65BE383-7EA6-444E-BDA5-71004527113A}" presName="compNode" presStyleCnt="0"/>
+      <dgm:spPr/>
+    </dgm:pt>
+    <dgm:pt modelId="{13BA4714-F28F-4B99-977F-A398A5B9A22A}" type="pres">
+      <dgm:prSet presAssocID="{D65BE383-7EA6-444E-BDA5-71004527113A}" presName="iconBgRect" presStyleLbl="bgShp" presStyleIdx="1" presStyleCnt="3"/>
+      <dgm:spPr/>
+    </dgm:pt>
+    <dgm:pt modelId="{72323A65-7FDF-4C60-AE9A-E77981C2BAF5}" type="pres">
+      <dgm:prSet presAssocID="{D65BE383-7EA6-444E-BDA5-71004527113A}" presName="iconRect" presStyleLbl="node1" presStyleIdx="1" presStyleCnt="3"/>
+      <dgm:spPr>
+        <a:blipFill>
+          <a:blip xmlns:r="http://schemas.openxmlformats.org/officeDocument/2006/relationships" r:embed="rId3">
+            <a:extLst>
+              <a:ext uri="{28A0092B-C50C-407E-A947-70E740481C1C}">
+                <a14:useLocalDpi xmlns:a14="http://schemas.microsoft.com/office/drawing/2010/main" val="0"/>
+              </a:ext>
+              <a:ext uri="{96DAC541-7B7A-43D3-8B79-37D633B846F1}">
+                <asvg:svgBlip xmlns:asvg="http://schemas.microsoft.com/office/drawing/2016/SVG/main" r:embed="rId4"/>
+              </a:ext>
+            </a:extLst>
+          </a:blip>
+          <a:stretch>
+            <a:fillRect/>
+          </a:stretch>
+        </a:blipFill>
+      </dgm:spPr>
+      <dgm:extLst>
+        <a:ext uri="{E40237B7-FDA0-4F09-8148-C483321AD2D9}">
+          <dgm14:cNvPr xmlns:dgm14="http://schemas.microsoft.com/office/drawing/2010/diagram" id="0" name="" descr="Upward trend"/>
+        </a:ext>
+      </dgm:extLst>
+    </dgm:pt>
+    <dgm:pt modelId="{98A23D55-E35A-42D9-BFBB-47AA559683A6}" type="pres">
+      <dgm:prSet presAssocID="{D65BE383-7EA6-444E-BDA5-71004527113A}" presName="spaceRect" presStyleCnt="0"/>
+      <dgm:spPr/>
+    </dgm:pt>
+    <dgm:pt modelId="{E23AADCE-2976-451E-8ED6-FA3BED6D02B8}" type="pres">
+      <dgm:prSet presAssocID="{D65BE383-7EA6-444E-BDA5-71004527113A}" presName="textRect" presStyleLbl="revTx" presStyleIdx="1" presStyleCnt="3">
+        <dgm:presLayoutVars>
+          <dgm:chMax val="1"/>
+          <dgm:chPref val="1"/>
+        </dgm:presLayoutVars>
+      </dgm:prSet>
+      <dgm:spPr/>
+    </dgm:pt>
+    <dgm:pt modelId="{E7156932-BA6D-4233-93CC-2D125AE4C9BF}" type="pres">
+      <dgm:prSet presAssocID="{A2B76CB2-C44F-496F-A9E9-AFCD392610C5}" presName="sibTrans" presStyleCnt="0"/>
+      <dgm:spPr/>
+    </dgm:pt>
+    <dgm:pt modelId="{64C54684-6B06-40E0-8E17-46B527E6661B}" type="pres">
+      <dgm:prSet presAssocID="{1599DA66-C5DF-4E6E-99FD-D3F5EB8DC7C9}" presName="compNode" presStyleCnt="0"/>
+      <dgm:spPr/>
+    </dgm:pt>
+    <dgm:pt modelId="{2855C05A-E592-419E-8F66-BB134567178F}" type="pres">
+      <dgm:prSet presAssocID="{1599DA66-C5DF-4E6E-99FD-D3F5EB8DC7C9}" presName="iconBgRect" presStyleLbl="bgShp" presStyleIdx="2" presStyleCnt="3"/>
+      <dgm:spPr/>
+    </dgm:pt>
+    <dgm:pt modelId="{BB0871B4-5E37-4F42-A28C-1F9B52BA4D7E}" type="pres">
+      <dgm:prSet presAssocID="{1599DA66-C5DF-4E6E-99FD-D3F5EB8DC7C9}" presName="iconRect" presStyleLbl="node1" presStyleIdx="2" presStyleCnt="3"/>
+      <dgm:spPr>
+        <a:blipFill>
+          <a:blip xmlns:r="http://schemas.openxmlformats.org/officeDocument/2006/relationships" r:embed="rId5">
+            <a:extLst>
+              <a:ext uri="{28A0092B-C50C-407E-A947-70E740481C1C}">
+                <a14:useLocalDpi xmlns:a14="http://schemas.microsoft.com/office/drawing/2010/main" val="0"/>
+              </a:ext>
+              <a:ext uri="{96DAC541-7B7A-43D3-8B79-37D633B846F1}">
+                <asvg:svgBlip xmlns:asvg="http://schemas.microsoft.com/office/drawing/2016/SVG/main" r:embed="rId6"/>
+              </a:ext>
+            </a:extLst>
+          </a:blip>
+          <a:stretch>
+            <a:fillRect/>
+          </a:stretch>
+        </a:blipFill>
+      </dgm:spPr>
+      <dgm:extLst>
+        <a:ext uri="{E40237B7-FDA0-4F09-8148-C483321AD2D9}">
+          <dgm14:cNvPr xmlns:dgm14="http://schemas.microsoft.com/office/drawing/2010/diagram" id="0" name="" descr="Gears"/>
+        </a:ext>
+      </dgm:extLst>
+    </dgm:pt>
+    <dgm:pt modelId="{E46F71A5-8CF5-4184-8804-BF959756C52F}" type="pres">
+      <dgm:prSet presAssocID="{1599DA66-C5DF-4E6E-99FD-D3F5EB8DC7C9}" presName="spaceRect" presStyleCnt="0"/>
+      <dgm:spPr/>
+    </dgm:pt>
+    <dgm:pt modelId="{3EDABD3B-7258-4310-ACA7-AE3BC43EC518}" type="pres">
+      <dgm:prSet presAssocID="{1599DA66-C5DF-4E6E-99FD-D3F5EB8DC7C9}" presName="textRect" presStyleLbl="revTx" presStyleIdx="2" presStyleCnt="3">
+        <dgm:presLayoutVars>
+          <dgm:chMax val="1"/>
+          <dgm:chPref val="1"/>
+        </dgm:presLayoutVars>
+      </dgm:prSet>
+      <dgm:spPr/>
+    </dgm:pt>
+  </dgm:ptLst>
+  <dgm:cxnLst>
+    <dgm:cxn modelId="{CDB27729-10DC-4400-BC82-3C447DCAC17A}" srcId="{8562BEAC-9A20-46A9-8979-DEED3B4BD42C}" destId="{1599DA66-C5DF-4E6E-99FD-D3F5EB8DC7C9}" srcOrd="2" destOrd="0" parTransId="{1FD14124-268D-4379-86B9-818455B647F8}" sibTransId="{CBB698C7-3DD7-49CD-8756-867277CE9B4C}"/>
+    <dgm:cxn modelId="{B0BDC38E-CB1C-493B-8832-B25512C93CEC}" type="presOf" srcId="{1599DA66-C5DF-4E6E-99FD-D3F5EB8DC7C9}" destId="{3EDABD3B-7258-4310-ACA7-AE3BC43EC518}" srcOrd="0" destOrd="0" presId="urn:microsoft.com/office/officeart/2018/5/layout/IconCircleLabelList"/>
+    <dgm:cxn modelId="{30E922A9-9885-4992-ACD7-CDEEB7217A95}" srcId="{8562BEAC-9A20-46A9-8979-DEED3B4BD42C}" destId="{BE9B1E03-00CA-4FB5-B711-39BA554DD1AB}" srcOrd="0" destOrd="0" parTransId="{F41B5850-7E78-4FD2-A37A-A7AC30ED2CC1}" sibTransId="{148F1DE7-4BC5-4F90-BB91-804162C0325E}"/>
+    <dgm:cxn modelId="{9C6F9BB0-513C-4A36-9292-3524C2E41D88}" srcId="{8562BEAC-9A20-46A9-8979-DEED3B4BD42C}" destId="{D65BE383-7EA6-444E-BDA5-71004527113A}" srcOrd="1" destOrd="0" parTransId="{DD878C11-FFFF-42F6-85A6-D0927268C063}" sibTransId="{A2B76CB2-C44F-496F-A9E9-AFCD392610C5}"/>
+    <dgm:cxn modelId="{412B27BC-DFF2-4618-B7A3-A1C63306F4A3}" type="presOf" srcId="{8562BEAC-9A20-46A9-8979-DEED3B4BD42C}" destId="{9569BAF9-B310-487E-9B43-5608B578F96B}" srcOrd="0" destOrd="0" presId="urn:microsoft.com/office/officeart/2018/5/layout/IconCircleLabelList"/>
+    <dgm:cxn modelId="{974776CE-C74F-4AD6-BD16-865C568E751D}" type="presOf" srcId="{D65BE383-7EA6-444E-BDA5-71004527113A}" destId="{E23AADCE-2976-451E-8ED6-FA3BED6D02B8}" srcOrd="0" destOrd="0" presId="urn:microsoft.com/office/officeart/2018/5/layout/IconCircleLabelList"/>
+    <dgm:cxn modelId="{1E2E83E9-6E0F-4AAA-968E-E65D7F73B0D1}" type="presOf" srcId="{BE9B1E03-00CA-4FB5-B711-39BA554DD1AB}" destId="{549E3AD6-B905-4A27-AD0A-AD4DF55526AA}" srcOrd="0" destOrd="0" presId="urn:microsoft.com/office/officeart/2018/5/layout/IconCircleLabelList"/>
+    <dgm:cxn modelId="{D992FA92-BB01-48FD-938B-13BA84496935}" type="presParOf" srcId="{9569BAF9-B310-487E-9B43-5608B578F96B}" destId="{7004847B-5C0F-44A0-BD83-FE3ADD0951A7}" srcOrd="0" destOrd="0" presId="urn:microsoft.com/office/officeart/2018/5/layout/IconCircleLabelList"/>
+    <dgm:cxn modelId="{14B66A84-373E-4E3D-B4D6-A649F0CA1829}" type="presParOf" srcId="{7004847B-5C0F-44A0-BD83-FE3ADD0951A7}" destId="{A662C128-0EB2-48C5-BC98-614F145C3084}" srcOrd="0" destOrd="0" presId="urn:microsoft.com/office/officeart/2018/5/layout/IconCircleLabelList"/>
+    <dgm:cxn modelId="{DC8B2826-F085-410D-9EE7-3B40798A6193}" type="presParOf" srcId="{7004847B-5C0F-44A0-BD83-FE3ADD0951A7}" destId="{406EC3C5-F436-4E16-8EF4-2D3B76CA85F5}" srcOrd="1" destOrd="0" presId="urn:microsoft.com/office/officeart/2018/5/layout/IconCircleLabelList"/>
+    <dgm:cxn modelId="{874C45BD-0849-4A78-B826-686CCB847581}" type="presParOf" srcId="{7004847B-5C0F-44A0-BD83-FE3ADD0951A7}" destId="{F12EA850-7F7D-4516-97D4-75F77D736556}" srcOrd="2" destOrd="0" presId="urn:microsoft.com/office/officeart/2018/5/layout/IconCircleLabelList"/>
+    <dgm:cxn modelId="{87389A2B-400B-455D-A581-FBCF9E5CCAC9}" type="presParOf" srcId="{7004847B-5C0F-44A0-BD83-FE3ADD0951A7}" destId="{549E3AD6-B905-4A27-AD0A-AD4DF55526AA}" srcOrd="3" destOrd="0" presId="urn:microsoft.com/office/officeart/2018/5/layout/IconCircleLabelList"/>
+    <dgm:cxn modelId="{0993A0F9-B850-4B97-A477-4A39DB0C4EEF}" type="presParOf" srcId="{9569BAF9-B310-487E-9B43-5608B578F96B}" destId="{FDA3E93D-2457-421D-95F0-1BE6F217A58D}" srcOrd="1" destOrd="0" presId="urn:microsoft.com/office/officeart/2018/5/layout/IconCircleLabelList"/>
+    <dgm:cxn modelId="{9DF11F2A-42DD-45C2-ACE6-C04A942631E4}" type="presParOf" srcId="{9569BAF9-B310-487E-9B43-5608B578F96B}" destId="{11F60B1E-A2D1-4EAC-B737-0831577F3149}" srcOrd="2" destOrd="0" presId="urn:microsoft.com/office/officeart/2018/5/layout/IconCircleLabelList"/>
+    <dgm:cxn modelId="{F56BAA69-A13D-4D13-AD48-ED4A3C01C7E7}" type="presParOf" srcId="{11F60B1E-A2D1-4EAC-B737-0831577F3149}" destId="{13BA4714-F28F-4B99-977F-A398A5B9A22A}" srcOrd="0" destOrd="0" presId="urn:microsoft.com/office/officeart/2018/5/layout/IconCircleLabelList"/>
+    <dgm:cxn modelId="{D70C867D-D8B8-41B1-8584-510241DF5EDF}" type="presParOf" srcId="{11F60B1E-A2D1-4EAC-B737-0831577F3149}" destId="{72323A65-7FDF-4C60-AE9A-E77981C2BAF5}" srcOrd="1" destOrd="0" presId="urn:microsoft.com/office/officeart/2018/5/layout/IconCircleLabelList"/>
+    <dgm:cxn modelId="{A590E9A4-3897-4550-B173-0DF0E971371E}" type="presParOf" srcId="{11F60B1E-A2D1-4EAC-B737-0831577F3149}" destId="{98A23D55-E35A-42D9-BFBB-47AA559683A6}" srcOrd="2" destOrd="0" presId="urn:microsoft.com/office/officeart/2018/5/layout/IconCircleLabelList"/>
+    <dgm:cxn modelId="{C4FAF135-9C33-4BBB-A906-66ED5426F249}" type="presParOf" srcId="{11F60B1E-A2D1-4EAC-B737-0831577F3149}" destId="{E23AADCE-2976-451E-8ED6-FA3BED6D02B8}" srcOrd="3" destOrd="0" presId="urn:microsoft.com/office/officeart/2018/5/layout/IconCircleLabelList"/>
+    <dgm:cxn modelId="{3795F358-C7EA-4DE4-9EE7-805E5682DE38}" type="presParOf" srcId="{9569BAF9-B310-487E-9B43-5608B578F96B}" destId="{E7156932-BA6D-4233-93CC-2D125AE4C9BF}" srcOrd="3" destOrd="0" presId="urn:microsoft.com/office/officeart/2018/5/layout/IconCircleLabelList"/>
+    <dgm:cxn modelId="{54D91694-C907-4EF9-AD04-66F025790F99}" type="presParOf" srcId="{9569BAF9-B310-487E-9B43-5608B578F96B}" destId="{64C54684-6B06-40E0-8E17-46B527E6661B}" srcOrd="4" destOrd="0" presId="urn:microsoft.com/office/officeart/2018/5/layout/IconCircleLabelList"/>
+    <dgm:cxn modelId="{DA527C3C-1D5E-4A63-BC87-DDCEA2CB430F}" type="presParOf" srcId="{64C54684-6B06-40E0-8E17-46B527E6661B}" destId="{2855C05A-E592-419E-8F66-BB134567178F}" srcOrd="0" destOrd="0" presId="urn:microsoft.com/office/officeart/2018/5/layout/IconCircleLabelList"/>
+    <dgm:cxn modelId="{D67624A6-7610-4CE8-8239-F01B0315A2C5}" type="presParOf" srcId="{64C54684-6B06-40E0-8E17-46B527E6661B}" destId="{BB0871B4-5E37-4F42-A28C-1F9B52BA4D7E}" srcOrd="1" destOrd="0" presId="urn:microsoft.com/office/officeart/2018/5/layout/IconCircleLabelList"/>
+    <dgm:cxn modelId="{0BBE9EFD-F05C-41FC-8E85-269285C5C902}" type="presParOf" srcId="{64C54684-6B06-40E0-8E17-46B527E6661B}" destId="{E46F71A5-8CF5-4184-8804-BF959756C52F}" srcOrd="2" destOrd="0" presId="urn:microsoft.com/office/officeart/2018/5/layout/IconCircleLabelList"/>
+    <dgm:cxn modelId="{30CF5ABE-7029-43EB-8468-1C7D82C8A293}" type="presParOf" srcId="{64C54684-6B06-40E0-8E17-46B527E6661B}" destId="{3EDABD3B-7258-4310-ACA7-AE3BC43EC518}" srcOrd="3" destOrd="0" presId="urn:microsoft.com/office/officeart/2018/5/layout/IconCircleLabelList"/>
+  </dgm:cxnLst>
+  <dgm:bg/>
+  <dgm:whole/>
+  <dgm:extLst>
+    <a:ext uri="http://schemas.microsoft.com/office/drawing/2008/diagram">
+      <dsp:dataModelExt xmlns:dsp="http://schemas.microsoft.com/office/drawing/2008/diagram" relId="rId6" minVer="http://schemas.openxmlformats.org/drawingml/2006/diagram"/>
+    </a:ext>
+  </dgm:extLst>
+</dgm:dataModel>
+</file>
+
+<file path=ppt/diagrams/drawing1.xml><?xml version="1.0" encoding="utf-8"?>
+<dsp:drawing xmlns:dgm="http://schemas.openxmlformats.org/drawingml/2006/diagram" xmlns:dsp="http://schemas.microsoft.com/office/drawing/2008/diagram" xmlns:a="http://schemas.openxmlformats.org/drawingml/2006/main">
+  <dsp:spTree>
+    <dsp:nvGrpSpPr>
+      <dsp:cNvPr id="0" name=""/>
+      <dsp:cNvGrpSpPr/>
+    </dsp:nvGrpSpPr>
+    <dsp:grpSpPr/>
+    <dsp:sp modelId="{A662C128-0EB2-48C5-BC98-614F145C3084}">
+      <dsp:nvSpPr>
+        <dsp:cNvPr id="0" name=""/>
+        <dsp:cNvSpPr/>
+      </dsp:nvSpPr>
+      <dsp:spPr>
+        <a:xfrm>
+          <a:off x="679050" y="578169"/>
+          <a:ext cx="1887187" cy="1887187"/>
+        </a:xfrm>
+        <a:prstGeom prst="ellipse">
+          <a:avLst/>
+        </a:prstGeom>
+        <a:solidFill>
+          <a:schemeClr val="accent1">
+            <a:tint val="40000"/>
+            <a:hueOff val="0"/>
+            <a:satOff val="0"/>
+            <a:lumOff val="0"/>
+            <a:alphaOff val="0"/>
+          </a:schemeClr>
+        </a:solidFill>
+        <a:ln>
+          <a:noFill/>
+        </a:ln>
+        <a:effectLst/>
+      </dsp:spPr>
+      <dsp:style>
+        <a:lnRef idx="0">
+          <a:scrgbClr r="0" g="0" b="0"/>
+        </a:lnRef>
+        <a:fillRef idx="1">
+          <a:scrgbClr r="0" g="0" b="0"/>
+        </a:fillRef>
+        <a:effectRef idx="0">
+          <a:scrgbClr r="0" g="0" b="0"/>
+        </a:effectRef>
+        <a:fontRef idx="minor"/>
+      </dsp:style>
+    </dsp:sp>
+    <dsp:sp modelId="{406EC3C5-F436-4E16-8EF4-2D3B76CA85F5}">
+      <dsp:nvSpPr>
+        <dsp:cNvPr id="0" name=""/>
+        <dsp:cNvSpPr/>
+      </dsp:nvSpPr>
+      <dsp:spPr>
+        <a:xfrm>
+          <a:off x="1081237" y="980356"/>
+          <a:ext cx="1082812" cy="1082812"/>
+        </a:xfrm>
+        <a:prstGeom prst="rect">
+          <a:avLst/>
+        </a:prstGeom>
+        <a:blipFill>
+          <a:blip xmlns:r="http://schemas.openxmlformats.org/officeDocument/2006/relationships" r:embed="rId1">
+            <a:extLst>
+              <a:ext uri="{28A0092B-C50C-407E-A947-70E740481C1C}">
+                <a14:useLocalDpi xmlns:a14="http://schemas.microsoft.com/office/drawing/2010/main" val="0"/>
+              </a:ext>
+              <a:ext uri="{96DAC541-7B7A-43D3-8B79-37D633B846F1}">
+                <asvg:svgBlip xmlns:asvg="http://schemas.microsoft.com/office/drawing/2016/SVG/main" r:embed="rId2"/>
+              </a:ext>
+            </a:extLst>
+          </a:blip>
+          <a:stretch>
+            <a:fillRect/>
+          </a:stretch>
+        </a:blipFill>
+        <a:ln w="19050" cap="flat" cmpd="sng" algn="ctr">
+          <a:solidFill>
+            <a:schemeClr val="lt1">
+              <a:hueOff val="0"/>
+              <a:satOff val="0"/>
+              <a:lumOff val="0"/>
+              <a:alphaOff val="0"/>
+            </a:schemeClr>
+          </a:solidFill>
+          <a:prstDash val="solid"/>
+          <a:miter lim="800000"/>
+        </a:ln>
+        <a:effectLst/>
+      </dsp:spPr>
+      <dsp:style>
+        <a:lnRef idx="2">
+          <a:scrgbClr r="0" g="0" b="0"/>
+        </a:lnRef>
+        <a:fillRef idx="1">
+          <a:scrgbClr r="0" g="0" b="0"/>
+        </a:fillRef>
+        <a:effectRef idx="0">
+          <a:scrgbClr r="0" g="0" b="0"/>
+        </a:effectRef>
+        <a:fontRef idx="minor">
+          <a:schemeClr val="lt1"/>
+        </a:fontRef>
+      </dsp:style>
+    </dsp:sp>
+    <dsp:sp modelId="{549E3AD6-B905-4A27-AD0A-AD4DF55526AA}">
+      <dsp:nvSpPr>
+        <dsp:cNvPr id="0" name=""/>
+        <dsp:cNvSpPr/>
+      </dsp:nvSpPr>
+      <dsp:spPr>
+        <a:xfrm>
+          <a:off x="75768" y="3053169"/>
+          <a:ext cx="3093750" cy="720000"/>
+        </a:xfrm>
+        <a:prstGeom prst="rect">
+          <a:avLst/>
+        </a:prstGeom>
+        <a:noFill/>
+        <a:ln>
+          <a:noFill/>
+        </a:ln>
+        <a:effectLst/>
+      </dsp:spPr>
+      <dsp:style>
+        <a:lnRef idx="0">
+          <a:scrgbClr r="0" g="0" b="0"/>
+        </a:lnRef>
+        <a:fillRef idx="0">
+          <a:scrgbClr r="0" g="0" b="0"/>
+        </a:fillRef>
+        <a:effectRef idx="0">
+          <a:scrgbClr r="0" g="0" b="0"/>
+        </a:effectRef>
+        <a:fontRef idx="minor"/>
+      </dsp:style>
+      <dsp:txBody>
+        <a:bodyPr spcFirstLastPara="0" vert="horz" wrap="square" lIns="0" tIns="0" rIns="0" bIns="0" numCol="1" spcCol="1270" anchor="t" anchorCtr="0">
+          <a:noAutofit/>
+        </a:bodyPr>
+        <a:lstStyle/>
+        <a:p>
+          <a:pPr marL="0" lvl="0" indent="0" algn="ctr" defTabSz="666750">
+            <a:lnSpc>
+              <a:spcPct val="100000"/>
+            </a:lnSpc>
+            <a:spcBef>
+              <a:spcPct val="0"/>
+            </a:spcBef>
+            <a:spcAft>
+              <a:spcPct val="35000"/>
+            </a:spcAft>
+            <a:buNone/>
+            <a:defRPr cap="all"/>
+          </a:pPr>
+          <a:r>
+            <a:rPr lang="en-US" sz="1500" kern="1200" dirty="0"/>
+            <a:t>Shorter lead time improves delivery speed and feedback</a:t>
+          </a:r>
+        </a:p>
+      </dsp:txBody>
+      <dsp:txXfrm>
+        <a:off x="75768" y="3053169"/>
+        <a:ext cx="3093750" cy="720000"/>
+      </dsp:txXfrm>
+    </dsp:sp>
+    <dsp:sp modelId="{13BA4714-F28F-4B99-977F-A398A5B9A22A}">
+      <dsp:nvSpPr>
+        <dsp:cNvPr id="0" name=""/>
+        <dsp:cNvSpPr/>
+      </dsp:nvSpPr>
+      <dsp:spPr>
+        <a:xfrm>
+          <a:off x="4314206" y="578169"/>
+          <a:ext cx="1887187" cy="1887187"/>
+        </a:xfrm>
+        <a:prstGeom prst="ellipse">
+          <a:avLst/>
+        </a:prstGeom>
+        <a:solidFill>
+          <a:schemeClr val="accent1">
+            <a:tint val="40000"/>
+            <a:hueOff val="0"/>
+            <a:satOff val="0"/>
+            <a:lumOff val="0"/>
+            <a:alphaOff val="0"/>
+          </a:schemeClr>
+        </a:solidFill>
+        <a:ln>
+          <a:noFill/>
+        </a:ln>
+        <a:effectLst/>
+      </dsp:spPr>
+      <dsp:style>
+        <a:lnRef idx="0">
+          <a:scrgbClr r="0" g="0" b="0"/>
+        </a:lnRef>
+        <a:fillRef idx="1">
+          <a:scrgbClr r="0" g="0" b="0"/>
+        </a:fillRef>
+        <a:effectRef idx="0">
+          <a:scrgbClr r="0" g="0" b="0"/>
+        </a:effectRef>
+        <a:fontRef idx="minor"/>
+      </dsp:style>
+    </dsp:sp>
+    <dsp:sp modelId="{72323A65-7FDF-4C60-AE9A-E77981C2BAF5}">
+      <dsp:nvSpPr>
+        <dsp:cNvPr id="0" name=""/>
+        <dsp:cNvSpPr/>
+      </dsp:nvSpPr>
+      <dsp:spPr>
+        <a:xfrm>
+          <a:off x="4716393" y="980356"/>
+          <a:ext cx="1082812" cy="1082812"/>
+        </a:xfrm>
+        <a:prstGeom prst="rect">
+          <a:avLst/>
+        </a:prstGeom>
+        <a:blipFill>
+          <a:blip xmlns:r="http://schemas.openxmlformats.org/officeDocument/2006/relationships" r:embed="rId3">
+            <a:extLst>
+              <a:ext uri="{28A0092B-C50C-407E-A947-70E740481C1C}">
+                <a14:useLocalDpi xmlns:a14="http://schemas.microsoft.com/office/drawing/2010/main" val="0"/>
+              </a:ext>
+              <a:ext uri="{96DAC541-7B7A-43D3-8B79-37D633B846F1}">
+                <asvg:svgBlip xmlns:asvg="http://schemas.microsoft.com/office/drawing/2016/SVG/main" r:embed="rId4"/>
+              </a:ext>
+            </a:extLst>
+          </a:blip>
+          <a:stretch>
+            <a:fillRect/>
+          </a:stretch>
+        </a:blipFill>
+        <a:ln w="19050" cap="flat" cmpd="sng" algn="ctr">
+          <a:solidFill>
+            <a:schemeClr val="lt1">
+              <a:hueOff val="0"/>
+              <a:satOff val="0"/>
+              <a:lumOff val="0"/>
+              <a:alphaOff val="0"/>
+            </a:schemeClr>
+          </a:solidFill>
+          <a:prstDash val="solid"/>
+          <a:miter lim="800000"/>
+        </a:ln>
+        <a:effectLst/>
+      </dsp:spPr>
+      <dsp:style>
+        <a:lnRef idx="2">
+          <a:scrgbClr r="0" g="0" b="0"/>
+        </a:lnRef>
+        <a:fillRef idx="1">
+          <a:scrgbClr r="0" g="0" b="0"/>
+        </a:fillRef>
+        <a:effectRef idx="0">
+          <a:scrgbClr r="0" g="0" b="0"/>
+        </a:effectRef>
+        <a:fontRef idx="minor">
+          <a:schemeClr val="lt1"/>
+        </a:fontRef>
+      </dsp:style>
+    </dsp:sp>
+    <dsp:sp modelId="{E23AADCE-2976-451E-8ED6-FA3BED6D02B8}">
+      <dsp:nvSpPr>
+        <dsp:cNvPr id="0" name=""/>
+        <dsp:cNvSpPr/>
+      </dsp:nvSpPr>
+      <dsp:spPr>
+        <a:xfrm>
+          <a:off x="3710925" y="3053169"/>
+          <a:ext cx="3093750" cy="720000"/>
+        </a:xfrm>
+        <a:prstGeom prst="rect">
+          <a:avLst/>
+        </a:prstGeom>
+        <a:noFill/>
+        <a:ln>
+          <a:noFill/>
+        </a:ln>
+        <a:effectLst/>
+      </dsp:spPr>
+      <dsp:style>
+        <a:lnRef idx="0">
+          <a:scrgbClr r="0" g="0" b="0"/>
+        </a:lnRef>
+        <a:fillRef idx="0">
+          <a:scrgbClr r="0" g="0" b="0"/>
+        </a:fillRef>
+        <a:effectRef idx="0">
+          <a:scrgbClr r="0" g="0" b="0"/>
+        </a:effectRef>
+        <a:fontRef idx="minor"/>
+      </dsp:style>
+      <dsp:txBody>
+        <a:bodyPr spcFirstLastPara="0" vert="horz" wrap="square" lIns="0" tIns="0" rIns="0" bIns="0" numCol="1" spcCol="1270" anchor="t" anchorCtr="0">
+          <a:noAutofit/>
+        </a:bodyPr>
+        <a:lstStyle/>
+        <a:p>
+          <a:pPr marL="0" lvl="0" indent="0" algn="ctr" defTabSz="666750">
+            <a:lnSpc>
+              <a:spcPct val="100000"/>
+            </a:lnSpc>
+            <a:spcBef>
+              <a:spcPct val="0"/>
+            </a:spcBef>
+            <a:spcAft>
+              <a:spcPct val="35000"/>
+            </a:spcAft>
+            <a:buNone/>
+            <a:defRPr cap="all"/>
+          </a:pPr>
+          <a:r>
+            <a:rPr lang="en-US" sz="1500" kern="1200"/>
+            <a:t>DevOps helps eliminate waste and delays</a:t>
+          </a:r>
+        </a:p>
+      </dsp:txBody>
+      <dsp:txXfrm>
+        <a:off x="3710925" y="3053169"/>
+        <a:ext cx="3093750" cy="720000"/>
+      </dsp:txXfrm>
+    </dsp:sp>
+    <dsp:sp modelId="{2855C05A-E592-419E-8F66-BB134567178F}">
+      <dsp:nvSpPr>
+        <dsp:cNvPr id="0" name=""/>
+        <dsp:cNvSpPr/>
+      </dsp:nvSpPr>
+      <dsp:spPr>
+        <a:xfrm>
+          <a:off x="7949362" y="578169"/>
+          <a:ext cx="1887187" cy="1887187"/>
+        </a:xfrm>
+        <a:prstGeom prst="ellipse">
+          <a:avLst/>
+        </a:prstGeom>
+        <a:solidFill>
+          <a:schemeClr val="accent1">
+            <a:tint val="40000"/>
+            <a:hueOff val="0"/>
+            <a:satOff val="0"/>
+            <a:lumOff val="0"/>
+            <a:alphaOff val="0"/>
+          </a:schemeClr>
+        </a:solidFill>
+        <a:ln>
+          <a:noFill/>
+        </a:ln>
+        <a:effectLst/>
+      </dsp:spPr>
+      <dsp:style>
+        <a:lnRef idx="0">
+          <a:scrgbClr r="0" g="0" b="0"/>
+        </a:lnRef>
+        <a:fillRef idx="1">
+          <a:scrgbClr r="0" g="0" b="0"/>
+        </a:fillRef>
+        <a:effectRef idx="0">
+          <a:scrgbClr r="0" g="0" b="0"/>
+        </a:effectRef>
+        <a:fontRef idx="minor"/>
+      </dsp:style>
+    </dsp:sp>
+    <dsp:sp modelId="{BB0871B4-5E37-4F42-A28C-1F9B52BA4D7E}">
+      <dsp:nvSpPr>
+        <dsp:cNvPr id="0" name=""/>
+        <dsp:cNvSpPr/>
+      </dsp:nvSpPr>
+      <dsp:spPr>
+        <a:xfrm>
+          <a:off x="8351550" y="980356"/>
+          <a:ext cx="1082812" cy="1082812"/>
+        </a:xfrm>
+        <a:prstGeom prst="rect">
+          <a:avLst/>
+        </a:prstGeom>
+        <a:blipFill>
+          <a:blip xmlns:r="http://schemas.openxmlformats.org/officeDocument/2006/relationships" r:embed="rId5">
+            <a:extLst>
+              <a:ext uri="{28A0092B-C50C-407E-A947-70E740481C1C}">
+                <a14:useLocalDpi xmlns:a14="http://schemas.microsoft.com/office/drawing/2010/main" val="0"/>
+              </a:ext>
+              <a:ext uri="{96DAC541-7B7A-43D3-8B79-37D633B846F1}">
+                <asvg:svgBlip xmlns:asvg="http://schemas.microsoft.com/office/drawing/2016/SVG/main" r:embed="rId6"/>
+              </a:ext>
+            </a:extLst>
+          </a:blip>
+          <a:stretch>
+            <a:fillRect/>
+          </a:stretch>
+        </a:blipFill>
+        <a:ln w="19050" cap="flat" cmpd="sng" algn="ctr">
+          <a:solidFill>
+            <a:schemeClr val="lt1">
+              <a:hueOff val="0"/>
+              <a:satOff val="0"/>
+              <a:lumOff val="0"/>
+              <a:alphaOff val="0"/>
+            </a:schemeClr>
+          </a:solidFill>
+          <a:prstDash val="solid"/>
+          <a:miter lim="800000"/>
+        </a:ln>
+        <a:effectLst/>
+      </dsp:spPr>
+      <dsp:style>
+        <a:lnRef idx="2">
+          <a:scrgbClr r="0" g="0" b="0"/>
+        </a:lnRef>
+        <a:fillRef idx="1">
+          <a:scrgbClr r="0" g="0" b="0"/>
+        </a:fillRef>
+        <a:effectRef idx="0">
+          <a:scrgbClr r="0" g="0" b="0"/>
+        </a:effectRef>
+        <a:fontRef idx="minor">
+          <a:schemeClr val="lt1"/>
+        </a:fontRef>
+      </dsp:style>
+    </dsp:sp>
+    <dsp:sp modelId="{3EDABD3B-7258-4310-ACA7-AE3BC43EC518}">
+      <dsp:nvSpPr>
+        <dsp:cNvPr id="0" name=""/>
+        <dsp:cNvSpPr/>
+      </dsp:nvSpPr>
+      <dsp:spPr>
+        <a:xfrm>
+          <a:off x="7346081" y="3053169"/>
+          <a:ext cx="3093750" cy="720000"/>
+        </a:xfrm>
+        <a:prstGeom prst="rect">
+          <a:avLst/>
+        </a:prstGeom>
+        <a:noFill/>
+        <a:ln>
+          <a:noFill/>
+        </a:ln>
+        <a:effectLst/>
+      </dsp:spPr>
+      <dsp:style>
+        <a:lnRef idx="0">
+          <a:scrgbClr r="0" g="0" b="0"/>
+        </a:lnRef>
+        <a:fillRef idx="0">
+          <a:scrgbClr r="0" g="0" b="0"/>
+        </a:fillRef>
+        <a:effectRef idx="0">
+          <a:scrgbClr r="0" g="0" b="0"/>
+        </a:effectRef>
+        <a:fontRef idx="minor"/>
+      </dsp:style>
+      <dsp:txBody>
+        <a:bodyPr spcFirstLastPara="0" vert="horz" wrap="square" lIns="0" tIns="0" rIns="0" bIns="0" numCol="1" spcCol="1270" anchor="t" anchorCtr="0">
+          <a:noAutofit/>
+        </a:bodyPr>
+        <a:lstStyle/>
+        <a:p>
+          <a:pPr marL="0" lvl="0" indent="0" algn="ctr" defTabSz="666750">
+            <a:lnSpc>
+              <a:spcPct val="100000"/>
+            </a:lnSpc>
+            <a:spcBef>
+              <a:spcPct val="0"/>
+            </a:spcBef>
+            <a:spcAft>
+              <a:spcPct val="35000"/>
+            </a:spcAft>
+            <a:buNone/>
+            <a:defRPr cap="all"/>
+          </a:pPr>
+          <a:r>
+            <a:rPr lang="en-US" sz="1500" kern="1200"/>
+            <a:t>Technology value stream helps visualize and optimize flow</a:t>
+          </a:r>
+        </a:p>
+      </dsp:txBody>
+      <dsp:txXfrm>
+        <a:off x="7346081" y="3053169"/>
+        <a:ext cx="3093750" cy="720000"/>
+      </dsp:txXfrm>
+    </dsp:sp>
+  </dsp:spTree>
+</dsp:drawing>
+</file>
+
+<file path=ppt/diagrams/layout1.xml><?xml version="1.0" encoding="utf-8"?>
+<dgm:layoutDef xmlns:dgm="http://schemas.openxmlformats.org/drawingml/2006/diagram" xmlns:a="http://schemas.openxmlformats.org/drawingml/2006/main" uniqueId="urn:microsoft.com/office/officeart/2018/5/layout/IconCircleLabelList">
+  <dgm:title val="Icon Circle Label List"/>
+  <dgm:desc val="Use to show non-sequential or grouped chunks of information accompanied by a related visuals. Works best with icons or small pictures with short text captions."/>
+  <dgm:catLst>
+    <dgm:cat type="icon" pri="500"/>
+  </dgm:catLst>
+  <dgm:sampData useDef="1">
+    <dgm:dataModel>
+      <dgm:ptLst/>
+      <dgm:bg/>
+      <dgm:whole/>
+    </dgm:dataModel>
+  </dgm:sampData>
+  <dgm:styleData useDef="1">
+    <dgm:dataModel>
+      <dgm:ptLst/>
+      <dgm:bg/>
+      <dgm:whole/>
+    </dgm:dataModel>
+  </dgm:styleData>
+  <dgm:clrData useDef="1">
+    <dgm:dataModel>
+      <dgm:ptLst/>
+      <dgm:bg/>
+      <dgm:whole/>
+    </dgm:dataModel>
+  </dgm:clrData>
+  <dgm:layoutNode name="root">
+    <dgm:varLst>
+      <dgm:dir/>
+      <dgm:resizeHandles val="exact"/>
+    </dgm:varLst>
+    <dgm:choose name="Name0">
+      <dgm:if name="Name1" axis="self" func="var" arg="dir" op="equ" val="norm">
+        <dgm:alg type="snake">
+          <dgm:param type="grDir" val="tL"/>
+          <dgm:param type="flowDir" val="row"/>
+          <dgm:param type="contDir" val="sameDir"/>
+          <dgm:param type="off" val="ctr"/>
+          <dgm:param type="vertAlign" val="mid"/>
+          <dgm:param type="horzAlign" val="ctr"/>
+        </dgm:alg>
+      </dgm:if>
+      <dgm:else name="Name2">
+        <dgm:alg type="snake">
+          <dgm:param type="grDir" val="tR"/>
+          <dgm:param type="flowDir" val="row"/>
+          <dgm:param type="contDir" val="sameDir"/>
+          <dgm:param type="off" val="ctr"/>
+          <dgm:param type="vertAlign" val="mid"/>
+          <dgm:param type="horzAlign" val="ctr"/>
+        </dgm:alg>
+      </dgm:else>
+    </dgm:choose>
+    <dgm:shape xmlns:r="http://schemas.openxmlformats.org/officeDocument/2006/relationships" r:blip="">
+      <dgm:adjLst/>
+    </dgm:shape>
+    <dgm:presOf/>
+    <dgm:choose name="Name3">
+      <dgm:if name="Name4" axis="ch" ptType="node" func="cnt" op="lte" val="2">
+        <dgm:constrLst>
+          <dgm:constr type="h" for="ch" forName="compNode" refType="h" fact="0.4"/>
+          <dgm:constr type="w" for="ch" forName="compNode" val="100"/>
+          <dgm:constr type="w" for="ch" forName="sibTrans" refType="w" refFor="ch" refForName="compNode" fact="0.175"/>
+          <dgm:constr type="sp" refType="w" refFor="ch" refForName="compNode" op="equ" fact="0.25"/>
+          <dgm:constr type="primFontSz" for="des" ptType="node" op="equ" val="44"/>
+          <dgm:constr type="h" for="des" forName="compNode" op="equ"/>
+          <dgm:constr type="h" for="des" forName="textRect" op="equ"/>
+        </dgm:constrLst>
+      </dgm:if>
+      <dgm:if name="Name5" axis="ch" ptType="node" func="cnt" op="lte" val="3">
+        <dgm:constrLst>
+          <dgm:constr type="h" for="ch" forName="compNode" refType="h" fact="0.4"/>
+          <dgm:constr type="w" for="ch" forName="compNode" val="100"/>
+          <dgm:constr type="w" for="ch" forName="sibTrans" refType="w" refFor="ch" refForName="compNode" fact="0.175"/>
+          <dgm:constr type="sp" refType="w" refFor="ch" refForName="compNode" op="equ" fact="0.25"/>
+          <dgm:constr type="primFontSz" for="des" ptType="node" op="equ" val="40"/>
+          <dgm:constr type="h" for="des" forName="compNode" op="equ"/>
+          <dgm:constr type="h" for="des" forName="textRect" op="equ"/>
+        </dgm:constrLst>
+      </dgm:if>
+      <dgm:if name="Name6" axis="ch" ptType="node" func="cnt" op="lte" val="4">
+        <dgm:constrLst>
+          <dgm:constr type="h" for="ch" forName="compNode" refType="h" fact="0.4"/>
+          <dgm:constr type="w" for="ch" forName="compNode" refType="w"/>
+          <dgm:constr type="w" for="ch" forName="sibTrans" refType="w" refFor="ch" refForName="compNode" fact="0.175"/>
+          <dgm:constr type="sp" refType="w" refFor="ch" refForName="compNode" op="equ" fact="0.25"/>
+          <dgm:constr type="primFontSz" for="des" ptType="node" op="equ" val="32"/>
+          <dgm:constr type="h" for="des" forName="compNode" op="equ"/>
+          <dgm:constr type="h" for="des" forName="textRect" op="equ"/>
+        </dgm:constrLst>
+      </dgm:if>
+      <dgm:else name="Name7">
+        <dgm:constrLst>
+          <dgm:constr type="h" for="ch" forName="compNode" refType="h" fact="0.4"/>
+          <dgm:constr type="w" for="ch" forName="compNode" refType="w"/>
+          <dgm:constr type="w" for="ch" forName="sibTrans" refType="w" refFor="ch" refForName="compNode" fact="0.175"/>
+          <dgm:constr type="sp" refType="w" refFor="ch" refForName="compNode" op="equ" fact="0.25"/>
+          <dgm:constr type="primFontSz" for="des" ptType="node" op="equ" val="24"/>
+          <dgm:constr type="h" for="des" forName="compNode" op="equ"/>
+          <dgm:constr type="h" for="des" forName="textRect" op="equ"/>
+        </dgm:constrLst>
+      </dgm:else>
+    </dgm:choose>
+    <dgm:ruleLst>
+      <dgm:rule type="w" for="ch" forName="compNode" val="50" fact="NaN" max="NaN"/>
+    </dgm:ruleLst>
+    <dgm:forEach name="Name8" axis="ch" ptType="node">
+      <dgm:layoutNode name="compNode">
+        <dgm:alg type="composite"/>
+        <dgm:shape xmlns:r="http://schemas.openxmlformats.org/officeDocument/2006/relationships" r:blip="">
+          <dgm:adjLst/>
+        </dgm:shape>
+        <dgm:presOf axis="self"/>
+        <dgm:constrLst>
+          <dgm:constr type="w" for="ch" forName="iconBgRect" refType="w" fact="0.61"/>
+          <dgm:constr type="h" for="ch" forName="iconBgRect" refType="w" refFor="ch" refForName="iconBgRect"/>
+          <dgm:constr type="t" for="ch" forName="iconBgRect"/>
+          <dgm:constr type="ctrX" for="ch" forName="iconBgRect" refType="w" fact="0.5"/>
+          <dgm:constr type="w" for="ch" forName="iconRect" refType="w" fact="0.35"/>
+          <dgm:constr type="h" for="ch" forName="iconRect" refType="w" refFor="ch" refForName="iconRect"/>
+          <dgm:constr type="ctrX" for="ch" forName="iconRect" refType="ctrX" refFor="ch" refForName="iconBgRect"/>
+          <dgm:constr type="ctrY" for="ch" forName="iconRect" refType="ctrY" refFor="ch" refForName="iconBgRect"/>
+          <dgm:constr type="h" for="ch" forName="spaceRect" refType="w" fact="0.19"/>
+          <dgm:constr type="w" for="ch" forName="spaceRect" refType="w"/>
+          <dgm:constr type="l" for="ch" forName="spaceRect"/>
+          <dgm:constr type="t" for="ch" forName="spaceRect" refType="b" refFor="ch" refForName="iconBgRect"/>
+          <dgm:constr type="h" for="ch" forName="textRect" val="20"/>
+          <dgm:constr type="w" for="ch" forName="textRect" refType="w"/>
+          <dgm:constr type="l" for="ch" forName="textRect"/>
+          <dgm:constr type="t" for="ch" forName="textRect" refType="b" refFor="ch" refForName="spaceRect"/>
+        </dgm:constrLst>
+        <dgm:ruleLst>
+          <dgm:rule type="h" val="INF" fact="NaN" max="NaN"/>
+        </dgm:ruleLst>
+        <dgm:layoutNode name="iconBgRect" styleLbl="bgShp">
+          <dgm:alg type="sp"/>
+          <dgm:shape xmlns:r="http://schemas.openxmlformats.org/officeDocument/2006/relationships" type="ellipse" r:blip="">
+            <dgm:adjLst/>
+          </dgm:shape>
+          <dgm:presOf/>
+          <dgm:constrLst/>
+          <dgm:ruleLst/>
+        </dgm:layoutNode>
+        <dgm:layoutNode name="iconRect" styleLbl="node1">
+          <dgm:alg type="sp"/>
+          <dgm:shape xmlns:r="http://schemas.openxmlformats.org/officeDocument/2006/relationships" type="rect" r:blip="" blipPhldr="1">
+            <dgm:adjLst/>
+          </dgm:shape>
+          <dgm:presOf/>
+          <dgm:constrLst/>
+          <dgm:ruleLst/>
+        </dgm:layoutNode>
+        <dgm:layoutNode name="spaceRect">
+          <dgm:alg type="sp"/>
+          <dgm:shape xmlns:r="http://schemas.openxmlformats.org/officeDocument/2006/relationships" r:blip="">
+            <dgm:adjLst/>
+          </dgm:shape>
+          <dgm:presOf/>
+          <dgm:constrLst/>
+          <dgm:ruleLst/>
+        </dgm:layoutNode>
+        <dgm:layoutNode name="textRect" styleLbl="revTx">
+          <dgm:varLst>
+            <dgm:chMax val="1"/>
+            <dgm:chPref val="1"/>
+          </dgm:varLst>
+          <dgm:alg type="tx">
+            <dgm:param type="txAnchorVert" val="t"/>
+          </dgm:alg>
+          <dgm:shape xmlns:r="http://schemas.openxmlformats.org/officeDocument/2006/relationships" type="rect" r:blip="">
+            <dgm:adjLst/>
+          </dgm:shape>
+          <dgm:presOf axis="self" ptType="node"/>
+          <dgm:constrLst>
+            <dgm:constr type="lMarg"/>
+            <dgm:constr type="rMarg"/>
+            <dgm:constr type="tMarg"/>
+            <dgm:constr type="bMarg"/>
+          </dgm:constrLst>
+          <dgm:ruleLst>
+            <dgm:rule type="primFontSz" val="11" fact="NaN" max="NaN"/>
+            <dgm:rule type="h" val="INF" fact="NaN" max="NaN"/>
+          </dgm:ruleLst>
+        </dgm:layoutNode>
+      </dgm:layoutNode>
+      <dgm:forEach name="Name9" axis="followSib" ptType="sibTrans" cnt="1">
+        <dgm:layoutNode name="sibTrans">
+          <dgm:alg type="sp"/>
+          <dgm:shape xmlns:r="http://schemas.openxmlformats.org/officeDocument/2006/relationships" r:blip="">
+            <dgm:adjLst/>
+          </dgm:shape>
+          <dgm:presOf axis="self"/>
+          <dgm:constrLst/>
+          <dgm:ruleLst/>
+        </dgm:layoutNode>
+      </dgm:forEach>
+    </dgm:forEach>
+  </dgm:layoutNode>
+  <dgm:extLst>
+    <a:ext uri="{68A01E43-0DF5-4B5B-8FA6-DAF915123BFB}">
+      <dgm1612:lstStyle xmlns:dgm1612="http://schemas.microsoft.com/office/drawing/2016/12/diagram">
+        <a:lvl1pPr>
+          <a:lnSpc>
+            <a:spcPct val="100000"/>
+          </a:lnSpc>
+          <a:defRPr cap="all"/>
+        </a:lvl1pPr>
+      </dgm1612:lstStyle>
+    </a:ext>
+  </dgm:extLst>
+</dgm:layoutDef>
+</file>
+
+<file path=ppt/diagrams/quickStyle1.xml><?xml version="1.0" encoding="utf-8"?>
+<dgm:styleDef xmlns:dgm="http://schemas.openxmlformats.org/drawingml/2006/diagram" xmlns:a="http://schemas.openxmlformats.org/drawingml/2006/main" uniqueId="urn:microsoft.com/office/officeart/2005/8/quickstyle/simple1">
+  <dgm:title val=""/>
+  <dgm:desc val=""/>
+  <dgm:catLst>
+    <dgm:cat type="simple" pri="10100"/>
+  </dgm:catLst>
+  <dgm:scene3d>
+    <a:camera prst="orthographicFront"/>
+    <a:lightRig rig="threePt" dir="t"/>
+  </dgm:scene3d>
+  <dgm:styleLbl name="node0">
+    <dgm:scene3d>
+      <a:camera prst="orthographicFront"/>
+      <a:lightRig rig="threePt" dir="t"/>
+    </dgm:scene3d>
+    <dgm:sp3d/>
+    <dgm:txPr/>
+    <dgm:style>
+      <a:lnRef idx="2">
+        <a:scrgbClr r="0" g="0" b="0"/>
+      </a:lnRef>
+      <a:fillRef idx="1">
+        <a:scrgbClr r="0" g="0" b="0"/>
+      </a:fillRef>
+      <a:effectRef idx="0">
+        <a:scrgbClr r="0" g="0" b="0"/>
+      </a:effectRef>
+      <a:fontRef idx="minor">
+        <a:schemeClr val="lt1"/>
+      </a:fontRef>
+    </dgm:style>
+  </dgm:styleLbl>
+  <dgm:styleLbl name="lnNode1">
+    <dgm:scene3d>
+      <a:camera prst="orthographicFront"/>
+      <a:lightRig rig="threePt" dir="t"/>
+    </dgm:scene3d>
+    <dgm:sp3d/>
+    <dgm:txPr/>
+    <dgm:style>
+      <a:lnRef idx="2">
+        <a:scrgbClr r="0" g="0" b="0"/>
+      </a:lnRef>
+      <a:fillRef idx="1">
+        <a:scrgbClr r="0" g="0" b="0"/>
+      </a:fillRef>
+      <a:effectRef idx="0">
+        <a:scrgbClr r="0" g="0" b="0"/>
+      </a:effectRef>
+      <a:fontRef idx="minor">
+        <a:schemeClr val="lt1"/>
+      </a:fontRef>
+    </dgm:style>
+  </dgm:styleLbl>
+  <dgm:styleLbl name="vennNode1">
+    <dgm:scene3d>
+      <a:camera prst="orthographicFront"/>
+      <a:lightRig rig="threePt" dir="t"/>
+    </dgm:scene3d>
+    <dgm:sp3d/>
+    <dgm:txPr/>
+    <dgm:style>
+      <a:lnRef idx="2">
+        <a:scrgbClr r="0" g="0" b="0"/>
+      </a:lnRef>
+      <a:fillRef idx="1">
+        <a:scrgbClr r="0" g="0" b="0"/>
+      </a:fillRef>
+      <a:effectRef idx="0">
+        <a:scrgbClr r="0" g="0" b="0"/>
+      </a:effectRef>
+      <a:fontRef idx="minor">
+        <a:schemeClr val="tx1"/>
+      </a:fontRef>
+    </dgm:style>
+  </dgm:styleLbl>
+  <dgm:styleLbl name="alignNode1">
+    <dgm:scene3d>
+      <a:camera prst="orthographicFront"/>
+      <a:lightRig rig="threePt" dir="t"/>
+    </dgm:scene3d>
+    <dgm:sp3d/>
+    <dgm:txPr/>
+    <dgm:style>
+      <a:lnRef idx="2">
+        <a:scrgbClr r="0" g="0" b="0"/>
+      </a:lnRef>
+      <a:fillRef idx="1">
+        <a:scrgbClr r="0" g="0" b="0"/>
+      </a:fillRef>
+      <a:effectRef idx="0">
+        <a:scrgbClr r="0" g="0" b="0"/>
+      </a:effectRef>
+      <a:fontRef idx="minor">
+        <a:schemeClr val="lt1"/>
+      </a:fontRef>
+    </dgm:style>
+  </dgm:styleLbl>
+  <dgm:styleLbl name="node1">
+    <dgm:scene3d>
+      <a:camera prst="orthographicFront"/>
+      <a:lightRig rig="threePt" dir="t"/>
+    </dgm:scene3d>
+    <dgm:sp3d/>
+    <dgm:txPr/>
+    <dgm:style>
+      <a:lnRef idx="2">
+        <a:scrgbClr r="0" g="0" b="0"/>
+      </a:lnRef>
+      <a:fillRef idx="1">
+        <a:scrgbClr r="0" g="0" b="0"/>
+      </a:fillRef>
+      <a:effectRef idx="0">
+        <a:scrgbClr r="0" g="0" b="0"/>
+      </a:effectRef>
+      <a:fontRef idx="minor">
+        <a:schemeClr val="lt1"/>
+      </a:fontRef>
+    </dgm:style>
+  </dgm:styleLbl>
+  <dgm:styleLbl name="node2">
+    <dgm:scene3d>
+      <a:camera prst="orthographicFront"/>
+      <a:lightRig rig="threePt" dir="t"/>
+    </dgm:scene3d>
+    <dgm:sp3d/>
+    <dgm:txPr/>
+    <dgm:style>
+      <a:lnRef idx="2">
+        <a:scrgbClr r="0" g="0" b="0"/>
+      </a:lnRef>
+      <a:fillRef idx="1">
+        <a:scrgbClr r="0" g="0" b="0"/>
+      </a:fillRef>
+      <a:effectRef idx="0">
+        <a:scrgbClr r="0" g="0" b="0"/>
+      </a:effectRef>
+      <a:fontRef idx="minor">
+        <a:schemeClr val="lt1"/>
+      </a:fontRef>
+    </dgm:style>
+  </dgm:styleLbl>
+  <dgm:styleLbl name="node3">
+    <dgm:scene3d>
+      <a:camera prst="orthographicFront"/>
+      <a:lightRig rig="threePt" dir="t"/>
+    </dgm:scene3d>
+    <dgm:sp3d/>
+    <dgm:txPr/>
+    <dgm:style>
+      <a:lnRef idx="2">
+        <a:scrgbClr r="0" g="0" b="0"/>
+      </a:lnRef>
+      <a:fillRef idx="1">
+        <a:scrgbClr r="0" g="0" b="0"/>
+      </a:fillRef>
+      <a:effectRef idx="0">
+        <a:scrgbClr r="0" g="0" b="0"/>
+      </a:effectRef>
+      <a:fontRef idx="minor">
+        <a:schemeClr val="lt1"/>
+      </a:fontRef>
+    </dgm:style>
+  </dgm:styleLbl>
+  <dgm:styleLbl name="node4">
+    <dgm:scene3d>
+      <a:camera prst="orthographicFront"/>
+      <a:lightRig rig="threePt" dir="t"/>
+    </dgm:scene3d>
+    <dgm:sp3d/>
+    <dgm:txPr/>
+    <dgm:style>
+      <a:lnRef idx="2">
+        <a:scrgbClr r="0" g="0" b="0"/>
+      </a:lnRef>
+      <a:fillRef idx="1">
+        <a:scrgbClr r="0" g="0" b="0"/>
+      </a:fillRef>
+      <a:effectRef idx="0">
+        <a:scrgbClr r="0" g="0" b="0"/>
+      </a:effectRef>
+      <a:fontRef idx="minor">
+        <a:schemeClr val="lt1"/>
+      </a:fontRef>
+    </dgm:style>
+  </dgm:styleLbl>
+  <dgm:styleLbl name="fgImgPlace1">
+    <dgm:scene3d>
+      <a:camera prst="orthographicFront"/>
+      <a:lightRig rig="threePt" dir="t"/>
+    </dgm:scene3d>
+    <dgm:sp3d/>
+    <dgm:txPr/>
+    <dgm:style>
+      <a:lnRef idx="2">
+        <a:scrgbClr r="0" g="0" b="0"/>
+      </a:lnRef>
+      <a:fillRef idx="1">
+        <a:scrgbClr r="0" g="0" b="0"/>
+      </a:fillRef>
+      <a:effectRef idx="0">
+        <a:scrgbClr r="0" g="0" b="0"/>
+      </a:effectRef>
+      <a:fontRef idx="minor"/>
+    </dgm:style>
+  </dgm:styleLbl>
+  <dgm:styleLbl name="alignImgPlace1">
+    <dgm:scene3d>
+      <a:camera prst="orthographicFront"/>
+      <a:lightRig rig="threePt" dir="t"/>
+    </dgm:scene3d>
+    <dgm:sp3d/>
+    <dgm:txPr/>
+    <dgm:style>
+      <a:lnRef idx="2">
+        <a:scrgbClr r="0" g="0" b="0"/>
+      </a:lnRef>
+      <a:fillRef idx="1">
+        <a:scrgbClr r="0" g="0" b="0"/>
+      </a:fillRef>
+      <a:effectRef idx="0">
+        <a:scrgbClr r="0" g="0" b="0"/>
+      </a:effectRef>
+      <a:fontRef idx="minor"/>
+    </dgm:style>
+  </dgm:styleLbl>
+  <dgm:styleLbl name="bgImgPlace1">
+    <dgm:scene3d>
+      <a:camera prst="orthographicFront"/>
+      <a:lightRig rig="threePt" dir="t"/>
+    </dgm:scene3d>
+    <dgm:sp3d/>
+    <dgm:txPr/>
+    <dgm:style>
+      <a:lnRef idx="2">
+        <a:scrgbClr r="0" g="0" b="0"/>
+      </a:lnRef>
+      <a:fillRef idx="1">
+        <a:scrgbClr r="0" g="0" b="0"/>
+      </a:fillRef>
+      <a:effectRef idx="0">
+        <a:scrgbClr r="0" g="0" b="0"/>
+      </a:effectRef>
+      <a:fontRef idx="minor"/>
+    </dgm:style>
+  </dgm:styleLbl>
+  <dgm:styleLbl name="sibTrans2D1">
+    <dgm:scene3d>
+      <a:camera prst="orthographicFront"/>
+      <a:lightRig rig="threePt" dir="t"/>
+    </dgm:scene3d>
+    <dgm:sp3d/>
+    <dgm:txPr/>
+    <dgm:style>
+      <a:lnRef idx="0">
+        <a:scrgbClr r="0" g="0" b="0"/>
+      </a:lnRef>
+      <a:fillRef idx="1">
+        <a:scrgbClr r="0" g="0" b="0"/>
+      </a:fillRef>
+      <a:effectRef idx="0">
+        <a:scrgbClr r="0" g="0" b="0"/>
+      </a:effectRef>
+      <a:fontRef idx="minor">
+        <a:schemeClr val="lt1"/>
+      </a:fontRef>
+    </dgm:style>
+  </dgm:styleLbl>
+  <dgm:styleLbl name="fgSibTrans2D1">
+    <dgm:scene3d>
+      <a:camera prst="orthographicFront"/>
+      <a:lightRig rig="threePt" dir="t"/>
+    </dgm:scene3d>
+    <dgm:sp3d/>
+    <dgm:txPr/>
+    <dgm:style>
+      <a:lnRef idx="0">
+        <a:scrgbClr r="0" g="0" b="0"/>
+      </a:lnRef>
+      <a:fillRef idx="1">
+        <a:scrgbClr r="0" g="0" b="0"/>
+      </a:fillRef>
+      <a:effectRef idx="0">
+        <a:scrgbClr r="0" g="0" b="0"/>
+      </a:effectRef>
+      <a:fontRef idx="minor">
+        <a:schemeClr val="lt1"/>
+      </a:fontRef>
+    </dgm:style>
+  </dgm:styleLbl>
+  <dgm:styleLbl name="bgSibTrans2D1">
+    <dgm:scene3d>
+      <a:camera prst="orthographicFront"/>
+      <a:lightRig rig="threePt" dir="t"/>
+    </dgm:scene3d>
+    <dgm:sp3d/>
+    <dgm:txPr/>
+    <dgm:style>
+      <a:lnRef idx="0">
+        <a:scrgbClr r="0" g="0" b="0"/>
+      </a:lnRef>
+      <a:fillRef idx="1">
+        <a:scrgbClr r="0" g="0" b="0"/>
+      </a:fillRef>
+      <a:effectRef idx="0">
+        <a:scrgbClr r="0" g="0" b="0"/>
+      </a:effectRef>
+      <a:fontRef idx="minor">
+        <a:schemeClr val="lt1"/>
+      </a:fontRef>
+    </dgm:style>
+  </dgm:styleLbl>
+  <dgm:styleLbl name="sibTrans1D1">
+    <dgm:scene3d>
+      <a:camera prst="orthographicFront"/>
+      <a:lightRig rig="threePt" dir="t"/>
+    </dgm:scene3d>
+    <dgm:sp3d/>
+    <dgm:txPr/>
+    <dgm:style>
+      <a:lnRef idx="1">
+        <a:scrgbClr r="0" g="0" b="0"/>
+      </a:lnRef>
+      <a:fillRef idx="0">
+        <a:scrgbClr r="0" g="0" b="0"/>
+      </a:fillRef>
+      <a:effectRef idx="0">
+        <a:scrgbClr r="0" g="0" b="0"/>
+      </a:effectRef>
+      <a:fontRef idx="minor"/>
+    </dgm:style>
+  </dgm:styleLbl>
+  <dgm:styleLbl name="callout">
+    <dgm:scene3d>
+      <a:camera prst="orthographicFront"/>
+      <a:lightRig rig="threePt" dir="t"/>
+    </dgm:scene3d>
+    <dgm:sp3d/>
+    <dgm:txPr/>
+    <dgm:style>
+      <a:lnRef idx="2">
+        <a:scrgbClr r="0" g="0" b="0"/>
+      </a:lnRef>
+      <a:fillRef idx="1">
+        <a:scrgbClr r="0" g="0" b="0"/>
+      </a:fillRef>
+      <a:effectRef idx="0">
+        <a:scrgbClr r="0" g="0" b="0"/>
+      </a:effectRef>
+      <a:fontRef idx="minor"/>
+    </dgm:style>
+  </dgm:styleLbl>
+  <dgm:styleLbl name="asst0">
+    <dgm:scene3d>
+      <a:camera prst="orthographicFront"/>
+      <a:lightRig rig="threePt" dir="t"/>
+    </dgm:scene3d>
+    <dgm:sp3d/>
+    <dgm:txPr/>
+    <dgm:style>
+      <a:lnRef idx="2">
+        <a:scrgbClr r="0" g="0" b="0"/>
+      </a:lnRef>
+      <a:fillRef idx="1">
+        <a:scrgbClr r="0" g="0" b="0"/>
+      </a:fillRef>
+      <a:effectRef idx="0">
+        <a:scrgbClr r="0" g="0" b="0"/>
+      </a:effectRef>
+      <a:fontRef idx="minor">
+        <a:schemeClr val="lt1"/>
+      </a:fontRef>
+    </dgm:style>
+  </dgm:styleLbl>
+  <dgm:styleLbl name="asst1">
+    <dgm:scene3d>
+      <a:camera prst="orthographicFront"/>
+      <a:lightRig rig="threePt" dir="t"/>
+    </dgm:scene3d>
+    <dgm:sp3d/>
+    <dgm:txPr/>
+    <dgm:style>
+      <a:lnRef idx="2">
+        <a:scrgbClr r="0" g="0" b="0"/>
+      </a:lnRef>
+      <a:fillRef idx="1">
+        <a:scrgbClr r="0" g="0" b="0"/>
+      </a:fillRef>
+      <a:effectRef idx="0">
+        <a:scrgbClr r="0" g="0" b="0"/>
+      </a:effectRef>
+      <a:fontRef idx="minor">
+        <a:schemeClr val="lt1"/>
+      </a:fontRef>
+    </dgm:style>
+  </dgm:styleLbl>
+  <dgm:styleLbl name="asst2">
+    <dgm:scene3d>
+      <a:camera prst="orthographicFront"/>
+      <a:lightRig rig="threePt" dir="t"/>
+    </dgm:scene3d>
+    <dgm:sp3d/>
+    <dgm:txPr/>
+    <dgm:style>
+      <a:lnRef idx="2">
+        <a:scrgbClr r="0" g="0" b="0"/>
+      </a:lnRef>
+      <a:fillRef idx="1">
+        <a:scrgbClr r="0" g="0" b="0"/>
+      </a:fillRef>
+      <a:effectRef idx="0">
+        <a:scrgbClr r="0" g="0" b="0"/>
+      </a:effectRef>
+      <a:fontRef idx="minor">
+        <a:schemeClr val="lt1"/>
+      </a:fontRef>
+    </dgm:style>
+  </dgm:styleLbl>
+  <dgm:styleLbl name="asst3">
+    <dgm:scene3d>
+      <a:camera prst="orthographicFront"/>
+      <a:lightRig rig="threePt" dir="t"/>
+    </dgm:scene3d>
+    <dgm:sp3d/>
+    <dgm:txPr/>
+    <dgm:style>
+      <a:lnRef idx="2">
+        <a:scrgbClr r="0" g="0" b="0"/>
+      </a:lnRef>
+      <a:fillRef idx="1">
+        <a:scrgbClr r="0" g="0" b="0"/>
+      </a:fillRef>
+      <a:effectRef idx="0">
+        <a:scrgbClr r="0" g="0" b="0"/>
+      </a:effectRef>
+      <a:fontRef idx="minor">
+        <a:schemeClr val="lt1"/>
+      </a:fontRef>
+    </dgm:style>
+  </dgm:styleLbl>
+  <dgm:styleLbl name="asst4">
+    <dgm:scene3d>
+      <a:camera prst="orthographicFront"/>
+      <a:lightRig rig="threePt" dir="t"/>
+    </dgm:scene3d>
+    <dgm:sp3d/>
+    <dgm:txPr/>
+    <dgm:style>
+      <a:lnRef idx="2">
+        <a:scrgbClr r="0" g="0" b="0"/>
+      </a:lnRef>
+      <a:fillRef idx="1">
+        <a:scrgbClr r="0" g="0" b="0"/>
+      </a:fillRef>
+      <a:effectRef idx="0">
+        <a:scrgbClr r="0" g="0" b="0"/>
+      </a:effectRef>
+      <a:fontRef idx="minor">
+        <a:schemeClr val="lt1"/>
+      </a:fontRef>
+    </dgm:style>
+  </dgm:styleLbl>
+  <dgm:styleLbl name="parChTrans2D1">
+    <dgm:scene3d>
+      <a:camera prst="orthographicFront"/>
+      <a:lightRig rig="threePt" dir="t"/>
+    </dgm:scene3d>
+    <dgm:sp3d/>
+    <dgm:txPr/>
+    <dgm:style>
+      <a:lnRef idx="2">
+        <a:scrgbClr r="0" g="0" b="0"/>
+      </a:lnRef>
+      <a:fillRef idx="1">
+        <a:scrgbClr r="0" g="0" b="0"/>
+      </a:fillRef>
+      <a:effectRef idx="0">
+        <a:scrgbClr r="0" g="0" b="0"/>
+      </a:effectRef>
+      <a:fontRef idx="minor">
+        <a:schemeClr val="lt1"/>
+      </a:fontRef>
+    </dgm:style>
+  </dgm:styleLbl>
+  <dgm:styleLbl name="parChTrans2D2">
+    <dgm:scene3d>
+      <a:camera prst="orthographicFront"/>
+      <a:lightRig rig="threePt" dir="t"/>
+    </dgm:scene3d>
+    <dgm:sp3d/>
+    <dgm:txPr/>
+    <dgm:style>
+      <a:lnRef idx="2">
+        <a:scrgbClr r="0" g="0" b="0"/>
+      </a:lnRef>
+      <a:fillRef idx="1">
+        <a:scrgbClr r="0" g="0" b="0"/>
+      </a:fillRef>
+      <a:effectRef idx="0">
+        <a:scrgbClr r="0" g="0" b="0"/>
+      </a:effectRef>
+      <a:fontRef idx="minor">
+        <a:schemeClr val="lt1"/>
+      </a:fontRef>
+    </dgm:style>
+  </dgm:styleLbl>
+  <dgm:styleLbl name="parChTrans2D3">
+    <dgm:scene3d>
+      <a:camera prst="orthographicFront"/>
+      <a:lightRig rig="threePt" dir="t"/>
+    </dgm:scene3d>
+    <dgm:sp3d/>
+    <dgm:txPr/>
+    <dgm:style>
+      <a:lnRef idx="2">
+        <a:scrgbClr r="0" g="0" b="0"/>
+      </a:lnRef>
+      <a:fillRef idx="1">
+        <a:scrgbClr r="0" g="0" b="0"/>
+      </a:fillRef>
+      <a:effectRef idx="0">
+        <a:scrgbClr r="0" g="0" b="0"/>
+      </a:effectRef>
+      <a:fontRef idx="minor">
+        <a:schemeClr val="lt1"/>
+      </a:fontRef>
+    </dgm:style>
+  </dgm:styleLbl>
+  <dgm:styleLbl name="parChTrans2D4">
+    <dgm:scene3d>
+      <a:camera prst="orthographicFront"/>
+      <a:lightRig rig="threePt" dir="t"/>
+    </dgm:scene3d>
+    <dgm:sp3d/>
+    <dgm:txPr/>
+    <dgm:style>
+      <a:lnRef idx="2">
+        <a:scrgbClr r="0" g="0" b="0"/>
+      </a:lnRef>
+      <a:fillRef idx="1">
+        <a:scrgbClr r="0" g="0" b="0"/>
+      </a:fillRef>
+      <a:effectRef idx="0">
+        <a:scrgbClr r="0" g="0" b="0"/>
+      </a:effectRef>
+      <a:fontRef idx="minor">
+        <a:schemeClr val="lt1"/>
+      </a:fontRef>
+    </dgm:style>
+  </dgm:styleLbl>
+  <dgm:styleLbl name="parChTrans1D1">
+    <dgm:scene3d>
+      <a:camera prst="orthographicFront"/>
+      <a:lightRig rig="threePt" dir="t"/>
+    </dgm:scene3d>
+    <dgm:sp3d/>
+    <dgm:txPr/>
+    <dgm:style>
+      <a:lnRef idx="2">
+        <a:scrgbClr r="0" g="0" b="0"/>
+      </a:lnRef>
+      <a:fillRef idx="0">
+        <a:scrgbClr r="0" g="0" b="0"/>
+      </a:fillRef>
+      <a:effectRef idx="0">
+        <a:scrgbClr r="0" g="0" b="0"/>
+      </a:effectRef>
+      <a:fontRef idx="minor"/>
+    </dgm:style>
+  </dgm:styleLbl>
+  <dgm:styleLbl name="parChTrans1D2">
+    <dgm:scene3d>
+      <a:camera prst="orthographicFront"/>
+      <a:lightRig rig="threePt" dir="t"/>
+    </dgm:scene3d>
+    <dgm:sp3d/>
+    <dgm:txPr/>
+    <dgm:style>
+      <a:lnRef idx="2">
+        <a:scrgbClr r="0" g="0" b="0"/>
+      </a:lnRef>
+      <a:fillRef idx="0">
+        <a:scrgbClr r="0" g="0" b="0"/>
+      </a:fillRef>
+      <a:effectRef idx="0">
+        <a:scrgbClr r="0" g="0" b="0"/>
+      </a:effectRef>
+      <a:fontRef idx="minor"/>
+    </dgm:style>
+  </dgm:styleLbl>
+  <dgm:styleLbl name="parChTrans1D3">
+    <dgm:scene3d>
+      <a:camera prst="orthographicFront"/>
+      <a:lightRig rig="threePt" dir="t"/>
+    </dgm:scene3d>
+    <dgm:sp3d/>
+    <dgm:txPr/>
+    <dgm:style>
+      <a:lnRef idx="2">
+        <a:scrgbClr r="0" g="0" b="0"/>
+      </a:lnRef>
+      <a:fillRef idx="0">
+        <a:scrgbClr r="0" g="0" b="0"/>
+      </a:fillRef>
+      <a:effectRef idx="0">
+        <a:scrgbClr r="0" g="0" b="0"/>
+      </a:effectRef>
+      <a:fontRef idx="minor"/>
+    </dgm:style>
+  </dgm:styleLbl>
+  <dgm:styleLbl name="parChTrans1D4">
+    <dgm:scene3d>
+      <a:camera prst="orthographicFront"/>
+      <a:lightRig rig="threePt" dir="t"/>
+    </dgm:scene3d>
+    <dgm:sp3d/>
+    <dgm:txPr/>
+    <dgm:style>
+      <a:lnRef idx="2">
+        <a:scrgbClr r="0" g="0" b="0"/>
+      </a:lnRef>
+      <a:fillRef idx="0">
+        <a:scrgbClr r="0" g="0" b="0"/>
+      </a:fillRef>
+      <a:effectRef idx="0">
+        <a:scrgbClr r="0" g="0" b="0"/>
+      </a:effectRef>
+      <a:fontRef idx="minor"/>
+    </dgm:style>
+  </dgm:styleLbl>
+  <dgm:styleLbl name="fgAcc1">
+    <dgm:scene3d>
+      <a:camera prst="orthographicFront"/>
+      <a:lightRig rig="threePt" dir="t"/>
+    </dgm:scene3d>
+    <dgm:sp3d/>
+    <dgm:txPr/>
+    <dgm:style>
+      <a:lnRef idx="2">
+        <a:scrgbClr r="0" g="0" b="0"/>
+      </a:lnRef>
+      <a:fillRef idx="1">
+        <a:scrgbClr r="0" g="0" b="0"/>
+      </a:fillRef>
+      <a:effectRef idx="0">
+        <a:scrgbClr r="0" g="0" b="0"/>
+      </a:effectRef>
+      <a:fontRef idx="minor"/>
+    </dgm:style>
+  </dgm:styleLbl>
+  <dgm:styleLbl name="conFgAcc1">
+    <dgm:scene3d>
+      <a:camera prst="orthographicFront"/>
+      <a:lightRig rig="threePt" dir="t"/>
+    </dgm:scene3d>
+    <dgm:sp3d/>
+    <dgm:txPr/>
+    <dgm:style>
+      <a:lnRef idx="2">
+        <a:scrgbClr r="0" g="0" b="0"/>
+      </a:lnRef>
+      <a:fillRef idx="1">
+        <a:scrgbClr r="0" g="0" b="0"/>
+      </a:fillRef>
+      <a:effectRef idx="0">
+        <a:scrgbClr r="0" g="0" b="0"/>
+      </a:effectRef>
+      <a:fontRef idx="minor"/>
+    </dgm:style>
+  </dgm:styleLbl>
+  <dgm:styleLbl name="alignAcc1">
+    <dgm:scene3d>
+      <a:camera prst="orthographicFront"/>
+      <a:lightRig rig="threePt" dir="t"/>
+    </dgm:scene3d>
+    <dgm:sp3d/>
+    <dgm:txPr/>
+    <dgm:style>
+      <a:lnRef idx="2">
+        <a:scrgbClr r="0" g="0" b="0"/>
+      </a:lnRef>
+      <a:fillRef idx="1">
+        <a:scrgbClr r="0" g="0" b="0"/>
+      </a:fillRef>
+      <a:effectRef idx="0">
+        <a:scrgbClr r="0" g="0" b="0"/>
+      </a:effectRef>
+      <a:fontRef idx="minor"/>
+    </dgm:style>
+  </dgm:styleLbl>
+  <dgm:styleLbl name="trAlignAcc1">
+    <dgm:scene3d>
+      <a:camera prst="orthographicFront"/>
+      <a:lightRig rig="threePt" dir="t"/>
+    </dgm:scene3d>
+    <dgm:sp3d/>
+    <dgm:txPr/>
+    <dgm:style>
+      <a:lnRef idx="1">
+        <a:scrgbClr r="0" g="0" b="0"/>
+      </a:lnRef>
+      <a:fillRef idx="1">
+        <a:scrgbClr r="0" g="0" b="0"/>
+      </a:fillRef>
+      <a:effectRef idx="0">
+        <a:scrgbClr r="0" g="0" b="0"/>
+      </a:effectRef>
+      <a:fontRef idx="minor"/>
+    </dgm:style>
+  </dgm:styleLbl>
+  <dgm:styleLbl name="bgAcc1">
+    <dgm:scene3d>
+      <a:camera prst="orthographicFront"/>
+      <a:lightRig rig="threePt" dir="t"/>
+    </dgm:scene3d>
+    <dgm:sp3d/>
+    <dgm:txPr/>
+    <dgm:style>
+      <a:lnRef idx="2">
+        <a:scrgbClr r="0" g="0" b="0"/>
+      </a:lnRef>
+      <a:fillRef idx="1">
+        <a:scrgbClr r="0" g="0" b="0"/>
+      </a:fillRef>
+      <a:effectRef idx="0">
+        <a:scrgbClr r="0" g="0" b="0"/>
+      </a:effectRef>
+      <a:fontRef idx="minor"/>
+    </dgm:style>
+  </dgm:styleLbl>
+  <dgm:styleLbl name="solidFgAcc1">
+    <dgm:scene3d>
+      <a:camera prst="orthographicFront"/>
+      <a:lightRig rig="threePt" dir="t"/>
+    </dgm:scene3d>
+    <dgm:sp3d/>
+    <dgm:txPr/>
+    <dgm:style>
+      <a:lnRef idx="2">
+        <a:scrgbClr r="0" g="0" b="0"/>
+      </a:lnRef>
+      <a:fillRef idx="1">
+        <a:scrgbClr r="0" g="0" b="0"/>
+      </a:fillRef>
+      <a:effectRef idx="0">
+        <a:scrgbClr r="0" g="0" b="0"/>
+      </a:effectRef>
+      <a:fontRef idx="minor"/>
+    </dgm:style>
+  </dgm:styleLbl>
+  <dgm:styleLbl name="solidAlignAcc1">
+    <dgm:scene3d>
+      <a:camera prst="orthographicFront"/>
+      <a:lightRig rig="threePt" dir="t"/>
+    </dgm:scene3d>
+    <dgm:sp3d/>
+    <dgm:txPr/>
+    <dgm:style>
+      <a:lnRef idx="2">
+        <a:scrgbClr r="0" g="0" b="0"/>
+      </a:lnRef>
+      <a:fillRef idx="1">
+        <a:scrgbClr r="0" g="0" b="0"/>
+      </a:fillRef>
+      <a:effectRef idx="0">
+        <a:scrgbClr r="0" g="0" b="0"/>
+      </a:effectRef>
+      <a:fontRef idx="minor"/>
+    </dgm:style>
+  </dgm:styleLbl>
+  <dgm:styleLbl name="solidBgAcc1">
+    <dgm:scene3d>
+      <a:camera prst="orthographicFront"/>
+      <a:lightRig rig="threePt" dir="t"/>
+    </dgm:scene3d>
+    <dgm:sp3d/>
+    <dgm:txPr/>
+    <dgm:style>
+      <a:lnRef idx="2">
+        <a:scrgbClr r="0" g="0" b="0"/>
+      </a:lnRef>
+      <a:fillRef idx="1">
+        <a:scrgbClr r="0" g="0" b="0"/>
+      </a:fillRef>
+      <a:effectRef idx="0">
+        <a:scrgbClr r="0" g="0" b="0"/>
+      </a:effectRef>
+      <a:fontRef idx="minor"/>
+    </dgm:style>
+  </dgm:styleLbl>
+  <dgm:styleLbl name="fgAccFollowNode1">
+    <dgm:scene3d>
+      <a:camera prst="orthographicFront"/>
+      <a:lightRig rig="threePt" dir="t"/>
+    </dgm:scene3d>
+    <dgm:sp3d/>
+    <dgm:txPr/>
+    <dgm:style>
+      <a:lnRef idx="2">
+        <a:scrgbClr r="0" g="0" b="0"/>
+      </a:lnRef>
+      <a:fillRef idx="1">
+        <a:scrgbClr r="0" g="0" b="0"/>
+      </a:fillRef>
+      <a:effectRef idx="0">
+        <a:scrgbClr r="0" g="0" b="0"/>
+      </a:effectRef>
+      <a:fontRef idx="minor"/>
+    </dgm:style>
+  </dgm:styleLbl>
+  <dgm:styleLbl name="alignAccFollowNode1">
+    <dgm:scene3d>
+      <a:camera prst="orthographicFront"/>
+      <a:lightRig rig="threePt" dir="t"/>
+    </dgm:scene3d>
+    <dgm:sp3d/>
+    <dgm:txPr/>
+    <dgm:style>
+      <a:lnRef idx="2">
+        <a:scrgbClr r="0" g="0" b="0"/>
+      </a:lnRef>
+      <a:fillRef idx="1">
+        <a:scrgbClr r="0" g="0" b="0"/>
+      </a:fillRef>
+      <a:effectRef idx="0">
+        <a:scrgbClr r="0" g="0" b="0"/>
+      </a:effectRef>
+      <a:fontRef idx="minor"/>
+    </dgm:style>
+  </dgm:styleLbl>
+  <dgm:styleLbl name="bgAccFollowNode1">
+    <dgm:scene3d>
+      <a:camera prst="orthographicFront"/>
+      <a:lightRig rig="threePt" dir="t"/>
+    </dgm:scene3d>
+    <dgm:sp3d/>
+    <dgm:txPr/>
+    <dgm:style>
+      <a:lnRef idx="2">
+        <a:scrgbClr r="0" g="0" b="0"/>
+      </a:lnRef>
+      <a:fillRef idx="1">
+        <a:scrgbClr r="0" g="0" b="0"/>
+      </a:fillRef>
+      <a:effectRef idx="0">
+        <a:scrgbClr r="0" g="0" b="0"/>
+      </a:effectRef>
+      <a:fontRef idx="minor"/>
+    </dgm:style>
+  </dgm:styleLbl>
+  <dgm:styleLbl name="fgAcc0">
+    <dgm:scene3d>
+      <a:camera prst="orthographicFront"/>
+      <a:lightRig rig="threePt" dir="t"/>
+    </dgm:scene3d>
+    <dgm:sp3d/>
+    <dgm:txPr/>
+    <dgm:style>
+      <a:lnRef idx="2">
+        <a:scrgbClr r="0" g="0" b="0"/>
+      </a:lnRef>
+      <a:fillRef idx="1">
+        <a:scrgbClr r="0" g="0" b="0"/>
+      </a:fillRef>
+      <a:effectRef idx="0">
+        <a:scrgbClr r="0" g="0" b="0"/>
+      </a:effectRef>
+      <a:fontRef idx="minor"/>
+    </dgm:style>
+  </dgm:styleLbl>
+  <dgm:styleLbl name="fgAcc2">
+    <dgm:scene3d>
+      <a:camera prst="orthographicFront"/>
+      <a:lightRig rig="threePt" dir="t"/>
+    </dgm:scene3d>
+    <dgm:sp3d/>
+    <dgm:txPr/>
+    <dgm:style>
+      <a:lnRef idx="2">
+        <a:scrgbClr r="0" g="0" b="0"/>
+      </a:lnRef>
+      <a:fillRef idx="1">
+        <a:scrgbClr r="0" g="0" b="0"/>
+      </a:fillRef>
+      <a:effectRef idx="0">
+        <a:scrgbClr r="0" g="0" b="0"/>
+      </a:effectRef>
+      <a:fontRef idx="minor"/>
+    </dgm:style>
+  </dgm:styleLbl>
+  <dgm:styleLbl name="fgAcc3">
+    <dgm:scene3d>
+      <a:camera prst="orthographicFront"/>
+      <a:lightRig rig="threePt" dir="t"/>
+    </dgm:scene3d>
+    <dgm:sp3d/>
+    <dgm:txPr/>
+    <dgm:style>
+      <a:lnRef idx="2">
+        <a:scrgbClr r="0" g="0" b="0"/>
+      </a:lnRef>
+      <a:fillRef idx="1">
+        <a:scrgbClr r="0" g="0" b="0"/>
+      </a:fillRef>
+      <a:effectRef idx="0">
+        <a:scrgbClr r="0" g="0" b="0"/>
+      </a:effectRef>
+      <a:fontRef idx="minor"/>
+    </dgm:style>
+  </dgm:styleLbl>
+  <dgm:styleLbl name="fgAcc4">
+    <dgm:scene3d>
+      <a:camera prst="orthographicFront"/>
+      <a:lightRig rig="threePt" dir="t"/>
+    </dgm:scene3d>
+    <dgm:sp3d/>
+    <dgm:txPr/>
+    <dgm:style>
+      <a:lnRef idx="2">
+        <a:scrgbClr r="0" g="0" b="0"/>
+      </a:lnRef>
+      <a:fillRef idx="1">
+        <a:scrgbClr r="0" g="0" b="0"/>
+      </a:fillRef>
+      <a:effectRef idx="0">
+        <a:scrgbClr r="0" g="0" b="0"/>
+      </a:effectRef>
+      <a:fontRef idx="minor"/>
+    </dgm:style>
+  </dgm:styleLbl>
+  <dgm:styleLbl name="bgShp">
+    <dgm:scene3d>
+      <a:camera prst="orthographicFront"/>
+      <a:lightRig rig="threePt" dir="t"/>
+    </dgm:scene3d>
+    <dgm:sp3d/>
+    <dgm:txPr/>
+    <dgm:style>
+      <a:lnRef idx="0">
+        <a:scrgbClr r="0" g="0" b="0"/>
+      </a:lnRef>
+      <a:fillRef idx="1">
+        <a:scrgbClr r="0" g="0" b="0"/>
+      </a:fillRef>
+      <a:effectRef idx="0">
+        <a:scrgbClr r="0" g="0" b="0"/>
+      </a:effectRef>
+      <a:fontRef idx="minor"/>
+    </dgm:style>
+  </dgm:styleLbl>
+  <dgm:styleLbl name="dkBgShp">
+    <dgm:scene3d>
+      <a:camera prst="orthographicFront"/>
+      <a:lightRig rig="threePt" dir="t"/>
+    </dgm:scene3d>
+    <dgm:sp3d/>
+    <dgm:txPr/>
+    <dgm:style>
+      <a:lnRef idx="0">
+        <a:scrgbClr r="0" g="0" b="0"/>
+      </a:lnRef>
+      <a:fillRef idx="1">
+        <a:scrgbClr r="0" g="0" b="0"/>
+      </a:fillRef>
+      <a:effectRef idx="0">
+        <a:scrgbClr r="0" g="0" b="0"/>
+      </a:effectRef>
+      <a:fontRef idx="minor"/>
+    </dgm:style>
+  </dgm:styleLbl>
+  <dgm:styleLbl name="trBgShp">
+    <dgm:scene3d>
+      <a:camera prst="orthographicFront"/>
+      <a:lightRig rig="threePt" dir="t"/>
+    </dgm:scene3d>
+    <dgm:sp3d/>
+    <dgm:txPr/>
+    <dgm:style>
+      <a:lnRef idx="0">
+        <a:scrgbClr r="0" g="0" b="0"/>
+      </a:lnRef>
+      <a:fillRef idx="1">
+        <a:scrgbClr r="0" g="0" b="0"/>
+      </a:fillRef>
+      <a:effectRef idx="0">
+        <a:scrgbClr r="0" g="0" b="0"/>
+      </a:effectRef>
+      <a:fontRef idx="minor"/>
+    </dgm:style>
+  </dgm:styleLbl>
+  <dgm:styleLbl name="fgShp">
+    <dgm:scene3d>
+      <a:camera prst="orthographicFront"/>
+      <a:lightRig rig="threePt" dir="t"/>
+    </dgm:scene3d>
+    <dgm:sp3d/>
+    <dgm:txPr/>
+    <dgm:style>
+      <a:lnRef idx="2">
+        <a:scrgbClr r="0" g="0" b="0"/>
+      </a:lnRef>
+      <a:fillRef idx="1">
+        <a:scrgbClr r="0" g="0" b="0"/>
+      </a:fillRef>
+      <a:effectRef idx="0">
+        <a:scrgbClr r="0" g="0" b="0"/>
+      </a:effectRef>
+      <a:fontRef idx="minor"/>
+    </dgm:style>
+  </dgm:styleLbl>
+  <dgm:styleLbl name="revTx">
+    <dgm:scene3d>
+      <a:camera prst="orthographicFront"/>
+      <a:lightRig rig="threePt" dir="t"/>
+    </dgm:scene3d>
+    <dgm:sp3d/>
+    <dgm:txPr/>
+    <dgm:style>
+      <a:lnRef idx="0">
+        <a:scrgbClr r="0" g="0" b="0"/>
+      </a:lnRef>
+      <a:fillRef idx="0">
+        <a:scrgbClr r="0" g="0" b="0"/>
+      </a:fillRef>
+      <a:effectRef idx="0">
+        <a:scrgbClr r="0" g="0" b="0"/>
+      </a:effectRef>
+      <a:fontRef idx="minor"/>
+    </dgm:style>
+  </dgm:styleLbl>
+</dgm:styleDef>
 </file>
 
 <file path=ppt/slideLayouts/slideLayout1.xml><?xml version="1.0" encoding="utf-8"?>
@@ -3307,6 +6128,1174 @@
 <file path=ppt/slides/slide1.xml><?xml version="1.0" encoding="utf-8"?>
 <p:sld xmlns:a="http://schemas.openxmlformats.org/drawingml/2006/main" xmlns:r="http://schemas.openxmlformats.org/officeDocument/2006/relationships" xmlns:p="http://schemas.openxmlformats.org/presentationml/2006/main">
   <p:cSld>
+    <p:bg>
+      <p:bgPr>
+        <a:solidFill>
+          <a:schemeClr val="bg1"/>
+        </a:solidFill>
+        <a:effectLst/>
+      </p:bgPr>
+    </p:bg>
+    <p:spTree>
+      <p:nvGrpSpPr>
+        <p:cNvPr id="1" name=""/>
+        <p:cNvGrpSpPr/>
+        <p:nvPr/>
+      </p:nvGrpSpPr>
+      <p:grpSpPr>
+        <a:xfrm>
+          <a:off x="0" y="0"/>
+          <a:ext cx="0" cy="0"/>
+          <a:chOff x="0" y="0"/>
+          <a:chExt cx="0" cy="0"/>
+        </a:xfrm>
+      </p:grpSpPr>
+      <p:sp>
+        <p:nvSpPr>
+          <p:cNvPr id="16" name="Rectangle 15">
+            <a:extLst>
+              <a:ext uri="{FF2B5EF4-FFF2-40B4-BE49-F238E27FC236}">
+                <a16:creationId xmlns:a16="http://schemas.microsoft.com/office/drawing/2014/main" id="{F4155C20-3F0E-4576-8A0B-C345B62312DA}"/>
+              </a:ext>
+              <a:ext uri="{C183D7F6-B498-43B3-948B-1728B52AA6E4}">
+                <adec:decorative xmlns:adec="http://schemas.microsoft.com/office/drawing/2017/decorative" val="1"/>
+              </a:ext>
+            </a:extLst>
+          </p:cNvPr>
+          <p:cNvSpPr>
+            <a:spLocks noGrp="1" noRot="1" noChangeAspect="1" noMove="1" noResize="1" noEditPoints="1" noAdjustHandles="1" noChangeArrowheads="1" noChangeShapeType="1" noTextEdit="1"/>
+          </p:cNvSpPr>
+          <p:nvPr>
+            <p:extLst>
+              <p:ext uri="{386F3935-93C4-4BCD-93E2-E3B085C9AB24}">
+                <p16:designElem xmlns:p16="http://schemas.microsoft.com/office/powerpoint/2015/main" val="1"/>
+              </p:ext>
+            </p:extLst>
+          </p:nvPr>
+        </p:nvSpPr>
+        <p:spPr>
+          <a:xfrm>
+            <a:off x="0" y="0"/>
+            <a:ext cx="12192000" cy="6858000"/>
+          </a:xfrm>
+          <a:prstGeom prst="rect">
+            <a:avLst/>
+          </a:prstGeom>
+          <a:gradFill flip="none" rotWithShape="1">
+            <a:gsLst>
+              <a:gs pos="0">
+                <a:schemeClr val="accent1"/>
+              </a:gs>
+              <a:gs pos="100000">
+                <a:schemeClr val="accent2"/>
+              </a:gs>
+            </a:gsLst>
+            <a:lin ang="2700000" scaled="1"/>
+            <a:tileRect/>
+          </a:gradFill>
+          <a:ln>
+            <a:noFill/>
+          </a:ln>
+        </p:spPr>
+        <p:style>
+          <a:lnRef idx="2">
+            <a:schemeClr val="accent1">
+              <a:shade val="50000"/>
+            </a:schemeClr>
+          </a:lnRef>
+          <a:fillRef idx="1">
+            <a:schemeClr val="accent1"/>
+          </a:fillRef>
+          <a:effectRef idx="0">
+            <a:schemeClr val="accent1"/>
+          </a:effectRef>
+          <a:fontRef idx="minor">
+            <a:schemeClr val="lt1"/>
+          </a:fontRef>
+        </p:style>
+        <p:txBody>
+          <a:bodyPr rtlCol="0" anchor="ctr"/>
+          <a:lstStyle/>
+          <a:p>
+            <a:pPr algn="ctr"/>
+            <a:endParaRPr lang="en-US">
+              <a:solidFill>
+                <a:srgbClr val="FFFFFF"/>
+              </a:solidFill>
+            </a:endParaRPr>
+          </a:p>
+        </p:txBody>
+      </p:sp>
+      <p:sp>
+        <p:nvSpPr>
+          <p:cNvPr id="2" name="Title 1">
+            <a:extLst>
+              <a:ext uri="{FF2B5EF4-FFF2-40B4-BE49-F238E27FC236}">
+                <a16:creationId xmlns:a16="http://schemas.microsoft.com/office/drawing/2014/main" id="{E3F9880C-F72F-9E6E-31F7-48D71C030F0A}"/>
+              </a:ext>
+            </a:extLst>
+          </p:cNvPr>
+          <p:cNvSpPr>
+            <a:spLocks noGrp="1"/>
+          </p:cNvSpPr>
+          <p:nvPr>
+            <p:ph type="ctrTitle"/>
+          </p:nvPr>
+        </p:nvSpPr>
+        <p:spPr>
+          <a:xfrm>
+            <a:off x="466730" y="1598246"/>
+            <a:ext cx="4554659" cy="5034817"/>
+          </a:xfrm>
+        </p:spPr>
+        <p:txBody>
+          <a:bodyPr vert="horz" lIns="91440" tIns="45720" rIns="91440" bIns="45720" rtlCol="0" anchor="t">
+            <a:normAutofit/>
+          </a:bodyPr>
+          <a:lstStyle/>
+          <a:p>
+            <a:pPr algn="l"/>
+            <a:r>
+              <a:rPr lang="en-US" sz="7400" kern="1200">
+                <a:solidFill>
+                  <a:srgbClr val="FFFFFF"/>
+                </a:solidFill>
+                <a:latin typeface="+mj-lt"/>
+                <a:ea typeface="+mj-ea"/>
+                <a:cs typeface="+mj-cs"/>
+              </a:rPr>
+              <a:t>The Technology Value Stream</a:t>
+            </a:r>
+          </a:p>
+        </p:txBody>
+      </p:sp>
+      <p:sp>
+        <p:nvSpPr>
+          <p:cNvPr id="3" name="Subtitle 2">
+            <a:extLst>
+              <a:ext uri="{FF2B5EF4-FFF2-40B4-BE49-F238E27FC236}">
+                <a16:creationId xmlns:a16="http://schemas.microsoft.com/office/drawing/2014/main" id="{A5D84224-D1D6-4E0E-4D26-ACE504663647}"/>
+              </a:ext>
+            </a:extLst>
+          </p:cNvPr>
+          <p:cNvSpPr>
+            <a:spLocks noGrp="1"/>
+          </p:cNvSpPr>
+          <p:nvPr>
+            <p:ph type="subTitle" idx="1"/>
+          </p:nvPr>
+        </p:nvSpPr>
+        <p:spPr>
+          <a:xfrm>
+            <a:off x="5792994" y="1590840"/>
+            <a:ext cx="5010506" cy="5007531"/>
+          </a:xfrm>
+        </p:spPr>
+        <p:txBody>
+          <a:bodyPr vert="horz" lIns="91440" tIns="45720" rIns="91440" bIns="45720" rtlCol="0">
+            <a:normAutofit/>
+          </a:bodyPr>
+          <a:lstStyle/>
+          <a:p>
+            <a:pPr algn="l"/>
+            <a:r>
+              <a:rPr lang="en-US" sz="4400" dirty="0">
+                <a:solidFill>
+                  <a:srgbClr val="FFFFFF"/>
+                </a:solidFill>
+              </a:rPr>
+              <a:t>Lead Time, DevOps Challenges, and Solutions</a:t>
+            </a:r>
+          </a:p>
+        </p:txBody>
+      </p:sp>
+      <p:cxnSp>
+        <p:nvCxnSpPr>
+          <p:cNvPr id="18" name="Straight Connector 17">
+            <a:extLst>
+              <a:ext uri="{FF2B5EF4-FFF2-40B4-BE49-F238E27FC236}">
+                <a16:creationId xmlns:a16="http://schemas.microsoft.com/office/drawing/2014/main" id="{56020367-4FD5-4596-8E10-C5F095CD8DBF}"/>
+              </a:ext>
+              <a:ext uri="{C183D7F6-B498-43B3-948B-1728B52AA6E4}">
+                <adec:decorative xmlns:adec="http://schemas.microsoft.com/office/drawing/2017/decorative" val="1"/>
+              </a:ext>
+            </a:extLst>
+          </p:cNvPr>
+          <p:cNvCxnSpPr>
+            <a:cxnSpLocks noGrp="1" noRot="1" noChangeAspect="1" noMove="1" noResize="1" noEditPoints="1" noAdjustHandles="1" noChangeArrowheads="1" noChangeShapeType="1"/>
+          </p:cNvCxnSpPr>
+          <p:nvPr>
+            <p:extLst>
+              <p:ext uri="{386F3935-93C4-4BCD-93E2-E3B085C9AB24}">
+                <p16:designElem xmlns:p16="http://schemas.microsoft.com/office/powerpoint/2015/main" val="1"/>
+              </p:ext>
+            </p:extLst>
+          </p:nvPr>
+        </p:nvCxnSpPr>
+        <p:spPr>
+          <a:xfrm>
+            <a:off x="5447322" y="1589368"/>
+            <a:ext cx="0" cy="5259754"/>
+          </a:xfrm>
+          <a:prstGeom prst="line">
+            <a:avLst/>
+          </a:prstGeom>
+          <a:ln w="25400" cap="sq">
+            <a:solidFill>
+              <a:srgbClr val="FFFFFF"/>
+            </a:solidFill>
+            <a:bevel/>
+          </a:ln>
+        </p:spPr>
+        <p:style>
+          <a:lnRef idx="1">
+            <a:schemeClr val="accent1"/>
+          </a:lnRef>
+          <a:fillRef idx="0">
+            <a:schemeClr val="accent1"/>
+          </a:fillRef>
+          <a:effectRef idx="0">
+            <a:schemeClr val="accent1"/>
+          </a:effectRef>
+          <a:fontRef idx="minor">
+            <a:schemeClr val="tx1"/>
+          </a:fontRef>
+        </p:style>
+      </p:cxnSp>
+      <p:sp>
+        <p:nvSpPr>
+          <p:cNvPr id="20" name="Graphic 21">
+            <a:extLst>
+              <a:ext uri="{FF2B5EF4-FFF2-40B4-BE49-F238E27FC236}">
+                <a16:creationId xmlns:a16="http://schemas.microsoft.com/office/drawing/2014/main" id="{0BAEB82B-9A6B-4982-B56B-7529C6EA9A95}"/>
+              </a:ext>
+              <a:ext uri="{C183D7F6-B498-43B3-948B-1728B52AA6E4}">
+                <adec:decorative xmlns:adec="http://schemas.microsoft.com/office/drawing/2017/decorative" val="1"/>
+              </a:ext>
+            </a:extLst>
+          </p:cNvPr>
+          <p:cNvSpPr>
+            <a:spLocks noGrp="1" noRot="1" noChangeAspect="1" noMove="1" noResize="1" noEditPoints="1" noAdjustHandles="1" noChangeArrowheads="1" noChangeShapeType="1" noTextEdit="1"/>
+          </p:cNvSpPr>
+          <p:nvPr>
+            <p:extLst>
+              <p:ext uri="{386F3935-93C4-4BCD-93E2-E3B085C9AB24}">
+                <p16:designElem xmlns:p16="http://schemas.microsoft.com/office/powerpoint/2015/main" val="1"/>
+              </p:ext>
+            </p:extLst>
+          </p:nvPr>
+        </p:nvSpPr>
+        <p:spPr>
+          <a:xfrm>
+            <a:off x="11023128" y="1731109"/>
+            <a:ext cx="139039" cy="136646"/>
+          </a:xfrm>
+          <a:custGeom>
+            <a:avLst/>
+            <a:gdLst>
+              <a:gd name="connsiteX0" fmla="*/ 129602 w 139039"/>
+              <a:gd name="connsiteY0" fmla="*/ 59048 h 136646"/>
+              <a:gd name="connsiteX1" fmla="*/ 78957 w 139039"/>
+              <a:gd name="connsiteY1" fmla="*/ 59048 h 136646"/>
+              <a:gd name="connsiteX2" fmla="*/ 78957 w 139039"/>
+              <a:gd name="connsiteY2" fmla="*/ 9275 h 136646"/>
+              <a:gd name="connsiteX3" fmla="*/ 69520 w 139039"/>
+              <a:gd name="connsiteY3" fmla="*/ 0 h 136646"/>
+              <a:gd name="connsiteX4" fmla="*/ 60082 w 139039"/>
+              <a:gd name="connsiteY4" fmla="*/ 9275 h 136646"/>
+              <a:gd name="connsiteX5" fmla="*/ 60082 w 139039"/>
+              <a:gd name="connsiteY5" fmla="*/ 59048 h 136646"/>
+              <a:gd name="connsiteX6" fmla="*/ 9437 w 139039"/>
+              <a:gd name="connsiteY6" fmla="*/ 59048 h 136646"/>
+              <a:gd name="connsiteX7" fmla="*/ 0 w 139039"/>
+              <a:gd name="connsiteY7" fmla="*/ 68323 h 136646"/>
+              <a:gd name="connsiteX8" fmla="*/ 9437 w 139039"/>
+              <a:gd name="connsiteY8" fmla="*/ 77598 h 136646"/>
+              <a:gd name="connsiteX9" fmla="*/ 60082 w 139039"/>
+              <a:gd name="connsiteY9" fmla="*/ 77598 h 136646"/>
+              <a:gd name="connsiteX10" fmla="*/ 60082 w 139039"/>
+              <a:gd name="connsiteY10" fmla="*/ 127371 h 136646"/>
+              <a:gd name="connsiteX11" fmla="*/ 69520 w 139039"/>
+              <a:gd name="connsiteY11" fmla="*/ 136646 h 136646"/>
+              <a:gd name="connsiteX12" fmla="*/ 78957 w 139039"/>
+              <a:gd name="connsiteY12" fmla="*/ 127371 h 136646"/>
+              <a:gd name="connsiteX13" fmla="*/ 78957 w 139039"/>
+              <a:gd name="connsiteY13" fmla="*/ 77598 h 136646"/>
+              <a:gd name="connsiteX14" fmla="*/ 129602 w 139039"/>
+              <a:gd name="connsiteY14" fmla="*/ 77598 h 136646"/>
+              <a:gd name="connsiteX15" fmla="*/ 139039 w 139039"/>
+              <a:gd name="connsiteY15" fmla="*/ 68323 h 136646"/>
+              <a:gd name="connsiteX16" fmla="*/ 129602 w 139039"/>
+              <a:gd name="connsiteY16" fmla="*/ 59048 h 136646"/>
+            </a:gdLst>
+            <a:ahLst/>
+            <a:cxnLst>
+              <a:cxn ang="0">
+                <a:pos x="connsiteX0" y="connsiteY0"/>
+              </a:cxn>
+              <a:cxn ang="0">
+                <a:pos x="connsiteX1" y="connsiteY1"/>
+              </a:cxn>
+              <a:cxn ang="0">
+                <a:pos x="connsiteX2" y="connsiteY2"/>
+              </a:cxn>
+              <a:cxn ang="0">
+                <a:pos x="connsiteX3" y="connsiteY3"/>
+              </a:cxn>
+              <a:cxn ang="0">
+                <a:pos x="connsiteX4" y="connsiteY4"/>
+              </a:cxn>
+              <a:cxn ang="0">
+                <a:pos x="connsiteX5" y="connsiteY5"/>
+              </a:cxn>
+              <a:cxn ang="0">
+                <a:pos x="connsiteX6" y="connsiteY6"/>
+              </a:cxn>
+              <a:cxn ang="0">
+                <a:pos x="connsiteX7" y="connsiteY7"/>
+              </a:cxn>
+              <a:cxn ang="0">
+                <a:pos x="connsiteX8" y="connsiteY8"/>
+              </a:cxn>
+              <a:cxn ang="0">
+                <a:pos x="connsiteX9" y="connsiteY9"/>
+              </a:cxn>
+              <a:cxn ang="0">
+                <a:pos x="connsiteX10" y="connsiteY10"/>
+              </a:cxn>
+              <a:cxn ang="0">
+                <a:pos x="connsiteX11" y="connsiteY11"/>
+              </a:cxn>
+              <a:cxn ang="0">
+                <a:pos x="connsiteX12" y="connsiteY12"/>
+              </a:cxn>
+              <a:cxn ang="0">
+                <a:pos x="connsiteX13" y="connsiteY13"/>
+              </a:cxn>
+              <a:cxn ang="0">
+                <a:pos x="connsiteX14" y="connsiteY14"/>
+              </a:cxn>
+              <a:cxn ang="0">
+                <a:pos x="connsiteX15" y="connsiteY15"/>
+              </a:cxn>
+              <a:cxn ang="0">
+                <a:pos x="connsiteX16" y="connsiteY16"/>
+              </a:cxn>
+            </a:cxnLst>
+            <a:rect l="l" t="t" r="r" b="b"/>
+            <a:pathLst>
+              <a:path w="139039" h="136646">
+                <a:moveTo>
+                  <a:pt x="129602" y="59048"/>
+                </a:moveTo>
+                <a:lnTo>
+                  <a:pt x="78957" y="59048"/>
+                </a:lnTo>
+                <a:lnTo>
+                  <a:pt x="78957" y="9275"/>
+                </a:lnTo>
+                <a:cubicBezTo>
+                  <a:pt x="78957" y="4152"/>
+                  <a:pt x="74731" y="0"/>
+                  <a:pt x="69520" y="0"/>
+                </a:cubicBezTo>
+                <a:cubicBezTo>
+                  <a:pt x="64308" y="0"/>
+                  <a:pt x="60082" y="4152"/>
+                  <a:pt x="60082" y="9275"/>
+                </a:cubicBezTo>
+                <a:lnTo>
+                  <a:pt x="60082" y="59048"/>
+                </a:lnTo>
+                <a:lnTo>
+                  <a:pt x="9437" y="59048"/>
+                </a:lnTo>
+                <a:cubicBezTo>
+                  <a:pt x="4225" y="59048"/>
+                  <a:pt x="0" y="63201"/>
+                  <a:pt x="0" y="68323"/>
+                </a:cubicBezTo>
+                <a:cubicBezTo>
+                  <a:pt x="0" y="73445"/>
+                  <a:pt x="4225" y="77598"/>
+                  <a:pt x="9437" y="77598"/>
+                </a:cubicBezTo>
+                <a:lnTo>
+                  <a:pt x="60082" y="77598"/>
+                </a:lnTo>
+                <a:lnTo>
+                  <a:pt x="60082" y="127371"/>
+                </a:lnTo>
+                <a:cubicBezTo>
+                  <a:pt x="60082" y="132493"/>
+                  <a:pt x="64308" y="136646"/>
+                  <a:pt x="69520" y="136646"/>
+                </a:cubicBezTo>
+                <a:cubicBezTo>
+                  <a:pt x="74731" y="136646"/>
+                  <a:pt x="78957" y="132493"/>
+                  <a:pt x="78957" y="127371"/>
+                </a:cubicBezTo>
+                <a:lnTo>
+                  <a:pt x="78957" y="77598"/>
+                </a:lnTo>
+                <a:lnTo>
+                  <a:pt x="129602" y="77598"/>
+                </a:lnTo>
+                <a:cubicBezTo>
+                  <a:pt x="134814" y="77598"/>
+                  <a:pt x="139039" y="73445"/>
+                  <a:pt x="139039" y="68323"/>
+                </a:cubicBezTo>
+                <a:cubicBezTo>
+                  <a:pt x="139039" y="63201"/>
+                  <a:pt x="134814" y="59048"/>
+                  <a:pt x="129602" y="59048"/>
+                </a:cubicBezTo>
+                <a:close/>
+              </a:path>
+            </a:pathLst>
+          </a:custGeom>
+          <a:solidFill>
+            <a:srgbClr val="FFFFFF"/>
+          </a:solidFill>
+          <a:ln w="603" cap="flat">
+            <a:noFill/>
+            <a:prstDash val="solid"/>
+            <a:miter/>
+          </a:ln>
+        </p:spPr>
+        <p:txBody>
+          <a:bodyPr rtlCol="0" anchor="ctr"/>
+          <a:lstStyle/>
+          <a:p>
+            <a:endParaRPr lang="en-US">
+              <a:solidFill>
+                <a:srgbClr val="FFFFFF"/>
+              </a:solidFill>
+            </a:endParaRPr>
+          </a:p>
+        </p:txBody>
+      </p:sp>
+      <p:sp>
+        <p:nvSpPr>
+          <p:cNvPr id="22" name="Graphic 17">
+            <a:extLst>
+              <a:ext uri="{FF2B5EF4-FFF2-40B4-BE49-F238E27FC236}">
+                <a16:creationId xmlns:a16="http://schemas.microsoft.com/office/drawing/2014/main" id="{FC71CE45-EECF-4555-AD4B-1B3D0D5D1540}"/>
+              </a:ext>
+              <a:ext uri="{C183D7F6-B498-43B3-948B-1728B52AA6E4}">
+                <adec:decorative xmlns:adec="http://schemas.microsoft.com/office/drawing/2017/decorative" val="1"/>
+              </a:ext>
+            </a:extLst>
+          </p:cNvPr>
+          <p:cNvSpPr>
+            <a:spLocks noGrp="1" noRot="1" noChangeAspect="1" noMove="1" noResize="1" noEditPoints="1" noAdjustHandles="1" noChangeArrowheads="1" noChangeShapeType="1" noTextEdit="1"/>
+          </p:cNvSpPr>
+          <p:nvPr>
+            <p:extLst>
+              <p:ext uri="{386F3935-93C4-4BCD-93E2-E3B085C9AB24}">
+                <p16:designElem xmlns:p16="http://schemas.microsoft.com/office/powerpoint/2015/main" val="1"/>
+              </p:ext>
+            </p:extLst>
+          </p:nvPr>
+        </p:nvSpPr>
+        <p:spPr>
+          <a:xfrm>
+            <a:off x="11381908" y="1956458"/>
+            <a:ext cx="91138" cy="89570"/>
+          </a:xfrm>
+          <a:custGeom>
+            <a:avLst/>
+            <a:gdLst>
+              <a:gd name="connsiteX0" fmla="*/ 91138 w 91138"/>
+              <a:gd name="connsiteY0" fmla="*/ 44785 h 89570"/>
+              <a:gd name="connsiteX1" fmla="*/ 45569 w 91138"/>
+              <a:gd name="connsiteY1" fmla="*/ 89570 h 89570"/>
+              <a:gd name="connsiteX2" fmla="*/ 0 w 91138"/>
+              <a:gd name="connsiteY2" fmla="*/ 44785 h 89570"/>
+              <a:gd name="connsiteX3" fmla="*/ 45569 w 91138"/>
+              <a:gd name="connsiteY3" fmla="*/ 0 h 89570"/>
+              <a:gd name="connsiteX4" fmla="*/ 91138 w 91138"/>
+              <a:gd name="connsiteY4" fmla="*/ 44785 h 89570"/>
+            </a:gdLst>
+            <a:ahLst/>
+            <a:cxnLst>
+              <a:cxn ang="0">
+                <a:pos x="connsiteX0" y="connsiteY0"/>
+              </a:cxn>
+              <a:cxn ang="0">
+                <a:pos x="connsiteX1" y="connsiteY1"/>
+              </a:cxn>
+              <a:cxn ang="0">
+                <a:pos x="connsiteX2" y="connsiteY2"/>
+              </a:cxn>
+              <a:cxn ang="0">
+                <a:pos x="connsiteX3" y="connsiteY3"/>
+              </a:cxn>
+              <a:cxn ang="0">
+                <a:pos x="connsiteX4" y="connsiteY4"/>
+              </a:cxn>
+            </a:cxnLst>
+            <a:rect l="l" t="t" r="r" b="b"/>
+            <a:pathLst>
+              <a:path w="91138" h="89570">
+                <a:moveTo>
+                  <a:pt x="91138" y="44785"/>
+                </a:moveTo>
+                <a:cubicBezTo>
+                  <a:pt x="91138" y="69519"/>
+                  <a:pt x="70736" y="89570"/>
+                  <a:pt x="45569" y="89570"/>
+                </a:cubicBezTo>
+                <a:cubicBezTo>
+                  <a:pt x="20402" y="89570"/>
+                  <a:pt x="0" y="69519"/>
+                  <a:pt x="0" y="44785"/>
+                </a:cubicBezTo>
+                <a:cubicBezTo>
+                  <a:pt x="0" y="20051"/>
+                  <a:pt x="20402" y="0"/>
+                  <a:pt x="45569" y="0"/>
+                </a:cubicBezTo>
+                <a:cubicBezTo>
+                  <a:pt x="70736" y="0"/>
+                  <a:pt x="91138" y="20051"/>
+                  <a:pt x="91138" y="44785"/>
+                </a:cubicBezTo>
+                <a:close/>
+              </a:path>
+            </a:pathLst>
+          </a:custGeom>
+          <a:solidFill>
+            <a:srgbClr val="FFFFFF"/>
+          </a:solidFill>
+          <a:ln w="422" cap="flat">
+            <a:noFill/>
+            <a:prstDash val="solid"/>
+            <a:miter/>
+          </a:ln>
+        </p:spPr>
+        <p:txBody>
+          <a:bodyPr rtlCol="0" anchor="ctr"/>
+          <a:lstStyle/>
+          <a:p>
+            <a:endParaRPr lang="en-US">
+              <a:solidFill>
+                <a:srgbClr val="FFFFFF"/>
+              </a:solidFill>
+            </a:endParaRPr>
+          </a:p>
+        </p:txBody>
+      </p:sp>
+      <p:sp>
+        <p:nvSpPr>
+          <p:cNvPr id="24" name="Graphic 22">
+            <a:extLst>
+              <a:ext uri="{FF2B5EF4-FFF2-40B4-BE49-F238E27FC236}">
+                <a16:creationId xmlns:a16="http://schemas.microsoft.com/office/drawing/2014/main" id="{53AA89D1-0C70-46BB-8E35-5722A4B18A78}"/>
+              </a:ext>
+              <a:ext uri="{C183D7F6-B498-43B3-948B-1728B52AA6E4}">
+                <adec:decorative xmlns:adec="http://schemas.microsoft.com/office/drawing/2017/decorative" val="1"/>
+              </a:ext>
+            </a:extLst>
+          </p:cNvPr>
+          <p:cNvSpPr>
+            <a:spLocks noGrp="1" noRot="1" noChangeAspect="1" noMove="1" noResize="1" noEditPoints="1" noAdjustHandles="1" noChangeArrowheads="1" noChangeShapeType="1" noTextEdit="1"/>
+          </p:cNvSpPr>
+          <p:nvPr>
+            <p:extLst>
+              <p:ext uri="{386F3935-93C4-4BCD-93E2-E3B085C9AB24}">
+                <p16:designElem xmlns:p16="http://schemas.microsoft.com/office/powerpoint/2015/main" val="1"/>
+              </p:ext>
+            </p:extLst>
+          </p:nvPr>
+        </p:nvSpPr>
+        <p:spPr>
+          <a:xfrm>
+            <a:off x="11007588" y="2177021"/>
+            <a:ext cx="127714" cy="125516"/>
+          </a:xfrm>
+          <a:custGeom>
+            <a:avLst/>
+            <a:gdLst>
+              <a:gd name="connsiteX0" fmla="*/ 63857 w 127714"/>
+              <a:gd name="connsiteY0" fmla="*/ 18549 h 125516"/>
+              <a:gd name="connsiteX1" fmla="*/ 108840 w 127714"/>
+              <a:gd name="connsiteY1" fmla="*/ 62758 h 125516"/>
+              <a:gd name="connsiteX2" fmla="*/ 63857 w 127714"/>
+              <a:gd name="connsiteY2" fmla="*/ 106967 h 125516"/>
+              <a:gd name="connsiteX3" fmla="*/ 18874 w 127714"/>
+              <a:gd name="connsiteY3" fmla="*/ 62758 h 125516"/>
+              <a:gd name="connsiteX4" fmla="*/ 63857 w 127714"/>
+              <a:gd name="connsiteY4" fmla="*/ 18549 h 125516"/>
+              <a:gd name="connsiteX5" fmla="*/ 63857 w 127714"/>
+              <a:gd name="connsiteY5" fmla="*/ 0 h 125516"/>
+              <a:gd name="connsiteX6" fmla="*/ 0 w 127714"/>
+              <a:gd name="connsiteY6" fmla="*/ 62758 h 125516"/>
+              <a:gd name="connsiteX7" fmla="*/ 63857 w 127714"/>
+              <a:gd name="connsiteY7" fmla="*/ 125516 h 125516"/>
+              <a:gd name="connsiteX8" fmla="*/ 127714 w 127714"/>
+              <a:gd name="connsiteY8" fmla="*/ 62758 h 125516"/>
+              <a:gd name="connsiteX9" fmla="*/ 63857 w 127714"/>
+              <a:gd name="connsiteY9" fmla="*/ 0 h 125516"/>
+            </a:gdLst>
+            <a:ahLst/>
+            <a:cxnLst>
+              <a:cxn ang="0">
+                <a:pos x="connsiteX0" y="connsiteY0"/>
+              </a:cxn>
+              <a:cxn ang="0">
+                <a:pos x="connsiteX1" y="connsiteY1"/>
+              </a:cxn>
+              <a:cxn ang="0">
+                <a:pos x="connsiteX2" y="connsiteY2"/>
+              </a:cxn>
+              <a:cxn ang="0">
+                <a:pos x="connsiteX3" y="connsiteY3"/>
+              </a:cxn>
+              <a:cxn ang="0">
+                <a:pos x="connsiteX4" y="connsiteY4"/>
+              </a:cxn>
+              <a:cxn ang="0">
+                <a:pos x="connsiteX5" y="connsiteY5"/>
+              </a:cxn>
+              <a:cxn ang="0">
+                <a:pos x="connsiteX6" y="connsiteY6"/>
+              </a:cxn>
+              <a:cxn ang="0">
+                <a:pos x="connsiteX7" y="connsiteY7"/>
+              </a:cxn>
+              <a:cxn ang="0">
+                <a:pos x="connsiteX8" y="connsiteY8"/>
+              </a:cxn>
+              <a:cxn ang="0">
+                <a:pos x="connsiteX9" y="connsiteY9"/>
+              </a:cxn>
+            </a:cxnLst>
+            <a:rect l="l" t="t" r="r" b="b"/>
+            <a:pathLst>
+              <a:path w="127714" h="125516">
+                <a:moveTo>
+                  <a:pt x="63857" y="18549"/>
+                </a:moveTo>
+                <a:cubicBezTo>
+                  <a:pt x="88700" y="18549"/>
+                  <a:pt x="108840" y="38342"/>
+                  <a:pt x="108840" y="62758"/>
+                </a:cubicBezTo>
+                <a:cubicBezTo>
+                  <a:pt x="108840" y="87174"/>
+                  <a:pt x="88700" y="106967"/>
+                  <a:pt x="63857" y="106967"/>
+                </a:cubicBezTo>
+                <a:cubicBezTo>
+                  <a:pt x="39014" y="106967"/>
+                  <a:pt x="18874" y="87174"/>
+                  <a:pt x="18874" y="62758"/>
+                </a:cubicBezTo>
+                <a:cubicBezTo>
+                  <a:pt x="18898" y="38352"/>
+                  <a:pt x="39024" y="18573"/>
+                  <a:pt x="63857" y="18549"/>
+                </a:cubicBezTo>
+                <a:moveTo>
+                  <a:pt x="63857" y="0"/>
+                </a:moveTo>
+                <a:cubicBezTo>
+                  <a:pt x="28590" y="0"/>
+                  <a:pt x="0" y="28098"/>
+                  <a:pt x="0" y="62758"/>
+                </a:cubicBezTo>
+                <a:cubicBezTo>
+                  <a:pt x="0" y="97418"/>
+                  <a:pt x="28590" y="125516"/>
+                  <a:pt x="63857" y="125516"/>
+                </a:cubicBezTo>
+                <a:cubicBezTo>
+                  <a:pt x="99124" y="125516"/>
+                  <a:pt x="127714" y="97418"/>
+                  <a:pt x="127714" y="62758"/>
+                </a:cubicBezTo>
+                <a:cubicBezTo>
+                  <a:pt x="127714" y="28098"/>
+                  <a:pt x="99124" y="0"/>
+                  <a:pt x="63857" y="0"/>
+                </a:cubicBezTo>
+                <a:close/>
+              </a:path>
+            </a:pathLst>
+          </a:custGeom>
+          <a:solidFill>
+            <a:srgbClr val="FFFFFF"/>
+          </a:solidFill>
+          <a:ln w="610" cap="flat">
+            <a:noFill/>
+            <a:prstDash val="solid"/>
+            <a:miter/>
+          </a:ln>
+        </p:spPr>
+        <p:txBody>
+          <a:bodyPr rtlCol="0" anchor="ctr"/>
+          <a:lstStyle/>
+          <a:p>
+            <a:endParaRPr lang="en-US">
+              <a:solidFill>
+                <a:srgbClr val="FFFFFF"/>
+              </a:solidFill>
+            </a:endParaRPr>
+          </a:p>
+        </p:txBody>
+      </p:sp>
+      <p:sp>
+        <p:nvSpPr>
+          <p:cNvPr id="6" name="TextBox 5">
+            <a:extLst>
+              <a:ext uri="{FF2B5EF4-FFF2-40B4-BE49-F238E27FC236}">
+                <a16:creationId xmlns:a16="http://schemas.microsoft.com/office/drawing/2014/main" id="{CCEDD229-0B75-5C5C-3EAB-8886B4A3D37A}"/>
+              </a:ext>
+            </a:extLst>
+          </p:cNvPr>
+          <p:cNvSpPr txBox="1"/>
+          <p:nvPr/>
+        </p:nvSpPr>
+        <p:spPr>
+          <a:xfrm>
+            <a:off x="5792994" y="5639753"/>
+            <a:ext cx="2085015" cy="1348061"/>
+          </a:xfrm>
+          <a:prstGeom prst="rect">
+            <a:avLst/>
+          </a:prstGeom>
+          <a:noFill/>
+        </p:spPr>
+        <p:txBody>
+          <a:bodyPr wrap="square" rtlCol="0">
+            <a:spAutoFit/>
+          </a:bodyPr>
+          <a:lstStyle/>
+          <a:p>
+            <a:pPr>
+              <a:lnSpc>
+                <a:spcPct val="90000"/>
+              </a:lnSpc>
+              <a:spcAft>
+                <a:spcPts val="600"/>
+              </a:spcAft>
+            </a:pPr>
+            <a:r>
+              <a:rPr lang="en-US" sz="1800" dirty="0">
+                <a:solidFill>
+                  <a:schemeClr val="bg1"/>
+                </a:solidFill>
+              </a:rPr>
+              <a:t>Kevin Ramirez</a:t>
+            </a:r>
+          </a:p>
+          <a:p>
+            <a:pPr>
+              <a:lnSpc>
+                <a:spcPct val="90000"/>
+              </a:lnSpc>
+              <a:spcAft>
+                <a:spcPts val="600"/>
+              </a:spcAft>
+            </a:pPr>
+            <a:r>
+              <a:rPr lang="en-US" sz="1800" dirty="0">
+                <a:solidFill>
+                  <a:schemeClr val="bg1"/>
+                </a:solidFill>
+              </a:rPr>
+              <a:t>March 22, 2025</a:t>
+            </a:r>
+          </a:p>
+          <a:p>
+            <a:pPr>
+              <a:lnSpc>
+                <a:spcPct val="90000"/>
+              </a:lnSpc>
+              <a:spcAft>
+                <a:spcPts val="600"/>
+              </a:spcAft>
+            </a:pPr>
+            <a:r>
+              <a:rPr lang="en-US" sz="1800" dirty="0">
+                <a:solidFill>
+                  <a:schemeClr val="bg1"/>
+                </a:solidFill>
+              </a:rPr>
+              <a:t>CSD 380</a:t>
+            </a:r>
+          </a:p>
+          <a:p>
+            <a:endParaRPr lang="en-US" dirty="0"/>
+          </a:p>
+        </p:txBody>
+      </p:sp>
+    </p:spTree>
+    <p:extLst>
+      <p:ext uri="{BB962C8B-B14F-4D97-AF65-F5344CB8AC3E}">
+        <p14:creationId xmlns:p14="http://schemas.microsoft.com/office/powerpoint/2010/main" val="3131292791"/>
+      </p:ext>
+    </p:extLst>
+  </p:cSld>
+  <p:clrMapOvr>
+    <a:masterClrMapping/>
+  </p:clrMapOvr>
+  <p:timing>
+    <p:tnLst>
+      <p:par>
+        <p:cTn id="1" dur="indefinite" restart="never" nodeType="tmRoot">
+          <p:childTnLst>
+            <p:seq concurrent="1" nextAc="seek">
+              <p:cTn id="2" dur="indefinite" nodeType="mainSeq">
+                <p:childTnLst>
+                  <p:par>
+                    <p:cTn id="3" fill="hold">
+                      <p:stCondLst>
+                        <p:cond delay="indefinite"/>
+                        <p:cond evt="onBegin" delay="0">
+                          <p:tn val="2"/>
+                        </p:cond>
+                      </p:stCondLst>
+                      <p:childTnLst>
+                        <p:par>
+                          <p:cTn id="4" fill="hold">
+                            <p:stCondLst>
+                              <p:cond delay="0"/>
+                            </p:stCondLst>
+                            <p:childTnLst>
+                              <p:par>
+                                <p:cTn id="5" presetID="10" presetClass="entr" presetSubtype="0" fill="hold" grpId="0" nodeType="withEffect">
+                                  <p:stCondLst>
+                                    <p:cond delay="500"/>
+                                  </p:stCondLst>
+                                  <p:iterate type="wd">
+                                    <p:tmPct val="15000"/>
+                                  </p:iterate>
+                                  <p:childTnLst>
+                                    <p:set>
+                                      <p:cBhvr>
+                                        <p:cTn id="6" dur="1" fill="hold">
+                                          <p:stCondLst>
+                                            <p:cond delay="0"/>
+                                          </p:stCondLst>
+                                        </p:cTn>
+                                        <p:tgtEl>
+                                          <p:spTgt spid="2"/>
+                                        </p:tgtEl>
+                                        <p:attrNameLst>
+                                          <p:attrName>style.visibility</p:attrName>
+                                        </p:attrNameLst>
+                                      </p:cBhvr>
+                                      <p:to>
+                                        <p:strVal val="visible"/>
+                                      </p:to>
+                                    </p:set>
+                                    <p:animEffect transition="in" filter="fade">
+                                      <p:cBhvr>
+                                        <p:cTn id="7" dur="1000"/>
+                                        <p:tgtEl>
+                                          <p:spTgt spid="2"/>
+                                        </p:tgtEl>
+                                      </p:cBhvr>
+                                    </p:animEffect>
+                                  </p:childTnLst>
+                                </p:cTn>
+                              </p:par>
+                              <p:par>
+                                <p:cTn id="8" presetID="10" presetClass="entr" presetSubtype="0" fill="hold" grpId="0" nodeType="withEffect">
+                                  <p:stCondLst>
+                                    <p:cond delay="1000"/>
+                                  </p:stCondLst>
+                                  <p:iterate type="wd">
+                                    <p:tmPct val="15000"/>
+                                  </p:iterate>
+                                  <p:childTnLst>
+                                    <p:set>
+                                      <p:cBhvr>
+                                        <p:cTn id="9" dur="1" fill="hold">
+                                          <p:stCondLst>
+                                            <p:cond delay="0"/>
+                                          </p:stCondLst>
+                                        </p:cTn>
+                                        <p:tgtEl>
+                                          <p:spTgt spid="3">
+                                            <p:txEl>
+                                              <p:pRg st="0" end="0"/>
+                                            </p:txEl>
+                                          </p:spTgt>
+                                        </p:tgtEl>
+                                        <p:attrNameLst>
+                                          <p:attrName>style.visibility</p:attrName>
+                                        </p:attrNameLst>
+                                      </p:cBhvr>
+                                      <p:to>
+                                        <p:strVal val="visible"/>
+                                      </p:to>
+                                    </p:set>
+                                    <p:animEffect transition="in" filter="fade">
+                                      <p:cBhvr>
+                                        <p:cTn id="10" dur="1000"/>
+                                        <p:tgtEl>
+                                          <p:spTgt spid="3">
+                                            <p:txEl>
+                                              <p:pRg st="0" end="0"/>
+                                            </p:txEl>
+                                          </p:spTgt>
+                                        </p:tgtEl>
+                                      </p:cBhvr>
+                                    </p:animEffect>
+                                  </p:childTnLst>
+                                </p:cTn>
+                              </p:par>
+                            </p:childTnLst>
+                          </p:cTn>
+                        </p:par>
+                      </p:childTnLst>
+                    </p:cTn>
+                  </p:par>
+                </p:childTnLst>
+              </p:cTn>
+              <p:prevCondLst>
+                <p:cond evt="onPrev" delay="0">
+                  <p:tgtEl>
+                    <p:sldTgt/>
+                  </p:tgtEl>
+                </p:cond>
+              </p:prevCondLst>
+              <p:nextCondLst>
+                <p:cond evt="onNext" delay="0">
+                  <p:tgtEl>
+                    <p:sldTgt/>
+                  </p:tgtEl>
+                </p:cond>
+              </p:nextCondLst>
+            </p:seq>
+          </p:childTnLst>
+        </p:cTn>
+      </p:par>
+    </p:tnLst>
+    <p:bldLst>
+      <p:bldP spid="2" grpId="0"/>
+      <p:bldP spid="3" grpId="0" build="p"/>
+    </p:bldLst>
+  </p:timing>
+</p:sld>
+</file>
+
+<file path=ppt/slides/slide2.xml><?xml version="1.0" encoding="utf-8"?>
+<p:sld xmlns:a="http://schemas.openxmlformats.org/drawingml/2006/main" xmlns:r="http://schemas.openxmlformats.org/officeDocument/2006/relationships" xmlns:p="http://schemas.openxmlformats.org/presentationml/2006/main">
+  <p:cSld>
+    <p:bg>
+      <p:bgPr>
+        <a:solidFill>
+          <a:schemeClr val="bg1"/>
+        </a:solidFill>
+        <a:effectLst/>
+      </p:bgPr>
+    </p:bg>
+    <p:spTree>
+      <p:nvGrpSpPr>
+        <p:cNvPr id="1" name=""/>
+        <p:cNvGrpSpPr/>
+        <p:nvPr/>
+      </p:nvGrpSpPr>
+      <p:grpSpPr>
+        <a:xfrm>
+          <a:off x="0" y="0"/>
+          <a:ext cx="0" cy="0"/>
+          <a:chOff x="0" y="0"/>
+          <a:chExt cx="0" cy="0"/>
+        </a:xfrm>
+      </p:grpSpPr>
+      <p:sp useBgFill="1">
+        <p:nvSpPr>
+          <p:cNvPr id="10" name="Rectangle 9">
+            <a:extLst>
+              <a:ext uri="{FF2B5EF4-FFF2-40B4-BE49-F238E27FC236}">
+                <a16:creationId xmlns:a16="http://schemas.microsoft.com/office/drawing/2014/main" id="{1A95671B-3CC6-4792-9114-B74FAEA224E6}"/>
+              </a:ext>
+              <a:ext uri="{C183D7F6-B498-43B3-948B-1728B52AA6E4}">
+                <adec:decorative xmlns:adec="http://schemas.microsoft.com/office/drawing/2017/decorative" val="1"/>
+              </a:ext>
+            </a:extLst>
+          </p:cNvPr>
+          <p:cNvSpPr>
+            <a:spLocks noGrp="1" noRot="1" noChangeAspect="1" noMove="1" noResize="1" noEditPoints="1" noAdjustHandles="1" noChangeArrowheads="1" noChangeShapeType="1" noTextEdit="1"/>
+          </p:cNvSpPr>
+          <p:nvPr>
+            <p:extLst>
+              <p:ext uri="{386F3935-93C4-4BCD-93E2-E3B085C9AB24}">
+                <p16:designElem xmlns:p16="http://schemas.microsoft.com/office/powerpoint/2015/main" val="1"/>
+              </p:ext>
+            </p:extLst>
+          </p:nvPr>
+        </p:nvSpPr>
+        <p:spPr>
+          <a:xfrm>
+            <a:off x="0" y="0"/>
+            <a:ext cx="12188952" cy="6858000"/>
+          </a:xfrm>
+          <a:prstGeom prst="rect">
+            <a:avLst/>
+          </a:prstGeom>
+          <a:ln>
+            <a:noFill/>
+          </a:ln>
+        </p:spPr>
+        <p:style>
+          <a:lnRef idx="2">
+            <a:schemeClr val="accent1">
+              <a:shade val="50000"/>
+            </a:schemeClr>
+          </a:lnRef>
+          <a:fillRef idx="1">
+            <a:schemeClr val="accent1"/>
+          </a:fillRef>
+          <a:effectRef idx="0">
+            <a:schemeClr val="accent1"/>
+          </a:effectRef>
+          <a:fontRef idx="minor">
+            <a:schemeClr val="lt1"/>
+          </a:fontRef>
+        </p:style>
+        <p:txBody>
+          <a:bodyPr rtlCol="0" anchor="ctr"/>
+          <a:lstStyle/>
+          <a:p>
+            <a:pPr algn="ctr"/>
+            <a:endParaRPr lang="en-US"/>
+          </a:p>
+        </p:txBody>
+      </p:sp>
+      <p:sp>
+        <p:nvSpPr>
+          <p:cNvPr id="2" name="Title 1">
+            <a:extLst>
+              <a:ext uri="{FF2B5EF4-FFF2-40B4-BE49-F238E27FC236}">
+                <a16:creationId xmlns:a16="http://schemas.microsoft.com/office/drawing/2014/main" id="{B6E6DC49-ED25-4982-27B6-6B80ABACEAE4}"/>
+              </a:ext>
+            </a:extLst>
+          </p:cNvPr>
+          <p:cNvSpPr>
+            <a:spLocks noGrp="1"/>
+          </p:cNvSpPr>
+          <p:nvPr>
+            <p:ph type="title"/>
+          </p:nvPr>
+        </p:nvSpPr>
+        <p:spPr>
+          <a:xfrm>
+            <a:off x="1008184" y="174032"/>
+            <a:ext cx="10175631" cy="1111843"/>
+          </a:xfrm>
+        </p:spPr>
+        <p:txBody>
+          <a:bodyPr anchor="ctr">
+            <a:normAutofit/>
+          </a:bodyPr>
+          <a:lstStyle/>
+          <a:p>
+            <a:pPr algn="ctr"/>
+            <a:r>
+              <a:rPr lang="en-US" sz="4000"/>
+              <a:t>What is the Technology Value Stream?</a:t>
+            </a:r>
+          </a:p>
+        </p:txBody>
+      </p:sp>
+      <p:sp>
+        <p:nvSpPr>
+          <p:cNvPr id="3" name="Content Placeholder 2">
+            <a:extLst>
+              <a:ext uri="{FF2B5EF4-FFF2-40B4-BE49-F238E27FC236}">
+                <a16:creationId xmlns:a16="http://schemas.microsoft.com/office/drawing/2014/main" id="{7585D5B1-2DAD-8AF6-1AB6-919FD450FBB7}"/>
+              </a:ext>
+            </a:extLst>
+          </p:cNvPr>
+          <p:cNvSpPr>
+            <a:spLocks noGrp="1"/>
+          </p:cNvSpPr>
+          <p:nvPr>
+            <p:ph idx="1"/>
+          </p:nvPr>
+        </p:nvSpPr>
+        <p:spPr>
+          <a:xfrm>
+            <a:off x="1008184" y="1459907"/>
+            <a:ext cx="10175630" cy="767904"/>
+          </a:xfrm>
+        </p:spPr>
+        <p:txBody>
+          <a:bodyPr anchor="ctr">
+            <a:normAutofit/>
+          </a:bodyPr>
+          <a:lstStyle/>
+          <a:p>
+            <a:pPr algn="ctr"/>
+            <a:r>
+              <a:rPr lang="en-US" sz="2000"/>
+              <a:t>A sequence of activities, processes, and tools that are needed to convert a business idea into a technology-enabled solution. </a:t>
+            </a:r>
+          </a:p>
+        </p:txBody>
+      </p:sp>
+      <p:pic>
+        <p:nvPicPr>
+          <p:cNvPr id="5" name="Picture 4" descr="A diagram of a process&#10;&#10;Description automatically generated">
+            <a:extLst>
+              <a:ext uri="{FF2B5EF4-FFF2-40B4-BE49-F238E27FC236}">
+                <a16:creationId xmlns:a16="http://schemas.microsoft.com/office/drawing/2014/main" id="{377DD6E2-B876-A114-8A34-F28EEEDA60EF}"/>
+              </a:ext>
+            </a:extLst>
+          </p:cNvPr>
+          <p:cNvPicPr>
+            <a:picLocks noChangeAspect="1"/>
+          </p:cNvPicPr>
+          <p:nvPr/>
+        </p:nvPicPr>
+        <p:blipFill>
+          <a:blip r:embed="rId2"/>
+          <a:stretch>
+            <a:fillRect/>
+          </a:stretch>
+        </p:blipFill>
+        <p:spPr>
+          <a:xfrm>
+            <a:off x="1868609" y="2405149"/>
+            <a:ext cx="8448684" cy="3899393"/>
+          </a:xfrm>
+          <a:prstGeom prst="rect">
+            <a:avLst/>
+          </a:prstGeom>
+        </p:spPr>
+      </p:pic>
+    </p:spTree>
+    <p:extLst>
+      <p:ext uri="{BB962C8B-B14F-4D97-AF65-F5344CB8AC3E}">
+        <p14:creationId xmlns:p14="http://schemas.microsoft.com/office/powerpoint/2010/main" val="3840867618"/>
+      </p:ext>
+    </p:extLst>
+  </p:cSld>
+  <p:clrMapOvr>
+    <a:masterClrMapping/>
+  </p:clrMapOvr>
+</p:sld>
+</file>
+
+<file path=ppt/slides/slide3.xml><?xml version="1.0" encoding="utf-8"?>
+<p:sld xmlns:a="http://schemas.openxmlformats.org/drawingml/2006/main" xmlns:r="http://schemas.openxmlformats.org/officeDocument/2006/relationships" xmlns:p="http://schemas.openxmlformats.org/presentationml/2006/main">
+  <p:cSld>
+    <p:bg>
+      <p:bgPr>
+        <a:solidFill>
+          <a:schemeClr val="bg1"/>
+        </a:solidFill>
+        <a:effectLst/>
+      </p:bgPr>
+    </p:bg>
     <p:spTree>
       <p:nvGrpSpPr>
         <p:cNvPr id="1" name=""/>
@@ -3326,7 +7315,7 @@
           <p:cNvPr id="2" name="Title 1">
             <a:extLst>
               <a:ext uri="{FF2B5EF4-FFF2-40B4-BE49-F238E27FC236}">
-                <a16:creationId xmlns:a16="http://schemas.microsoft.com/office/drawing/2014/main" id="{E3F9880C-F72F-9E6E-31F7-48D71C030F0A}"/>
+                <a16:creationId xmlns:a16="http://schemas.microsoft.com/office/drawing/2014/main" id="{FFD367F9-8E98-A879-07F7-B0380982C218}"/>
               </a:ext>
             </a:extLst>
           </p:cNvPr>
@@ -3334,7 +7323,1277 @@
             <a:spLocks noGrp="1"/>
           </p:cNvSpPr>
           <p:nvPr>
-            <p:ph type="ctrTitle"/>
+            <p:ph type="title"/>
+          </p:nvPr>
+        </p:nvSpPr>
+        <p:spPr>
+          <a:xfrm>
+            <a:off x="5868557" y="1138036"/>
+            <a:ext cx="5444382" cy="1402470"/>
+          </a:xfrm>
+        </p:spPr>
+        <p:txBody>
+          <a:bodyPr anchor="t">
+            <a:normAutofit/>
+          </a:bodyPr>
+          <a:lstStyle/>
+          <a:p>
+            <a:r>
+              <a:rPr lang="en-US" sz="3200"/>
+              <a:t>Lead Time vs. Processing Time</a:t>
+            </a:r>
+          </a:p>
+        </p:txBody>
+      </p:sp>
+      <p:pic>
+        <p:nvPicPr>
+          <p:cNvPr id="5" name="Picture 4" descr="Hourglass and a calendar">
+            <a:extLst>
+              <a:ext uri="{FF2B5EF4-FFF2-40B4-BE49-F238E27FC236}">
+                <a16:creationId xmlns:a16="http://schemas.microsoft.com/office/drawing/2014/main" id="{469BF900-38A5-28DE-FB89-9BBA7119D38D}"/>
+              </a:ext>
+            </a:extLst>
+          </p:cNvPr>
+          <p:cNvPicPr>
+            <a:picLocks noChangeAspect="1"/>
+          </p:cNvPicPr>
+          <p:nvPr/>
+        </p:nvPicPr>
+        <p:blipFill>
+          <a:blip r:embed="rId2"/>
+          <a:srcRect l="47726" r="1950" b="2"/>
+          <a:stretch/>
+        </p:blipFill>
+        <p:spPr>
+          <a:xfrm>
+            <a:off x="-1" y="10"/>
+            <a:ext cx="5151179" cy="6857990"/>
+          </a:xfrm>
+          <a:prstGeom prst="rect">
+            <a:avLst/>
+          </a:prstGeom>
+        </p:spPr>
+      </p:pic>
+      <p:cxnSp>
+        <p:nvCxnSpPr>
+          <p:cNvPr id="9" name="Straight Connector 8">
+            <a:extLst>
+              <a:ext uri="{FF2B5EF4-FFF2-40B4-BE49-F238E27FC236}">
+                <a16:creationId xmlns:a16="http://schemas.microsoft.com/office/drawing/2014/main" id="{1503BFE4-729B-D9D0-C17B-501E6AF1127A}"/>
+              </a:ext>
+              <a:ext uri="{C183D7F6-B498-43B3-948B-1728B52AA6E4}">
+                <adec:decorative xmlns:adec="http://schemas.microsoft.com/office/drawing/2017/decorative" val="1"/>
+              </a:ext>
+            </a:extLst>
+          </p:cNvPr>
+          <p:cNvCxnSpPr>
+            <a:cxnSpLocks noGrp="1" noRot="1" noChangeAspect="1" noMove="1" noResize="1" noEditPoints="1" noAdjustHandles="1" noChangeArrowheads="1" noChangeShapeType="1"/>
+          </p:cNvCxnSpPr>
+          <p:nvPr>
+            <p:extLst>
+              <p:ext uri="{386F3935-93C4-4BCD-93E2-E3B085C9AB24}">
+                <p16:designElem xmlns:p16="http://schemas.microsoft.com/office/powerpoint/2015/main" val="1"/>
+              </p:ext>
+            </p:extLst>
+          </p:nvPr>
+        </p:nvCxnSpPr>
+        <p:spPr>
+          <a:xfrm>
+            <a:off x="5971697" y="871146"/>
+            <a:ext cx="736939" cy="0"/>
+          </a:xfrm>
+          <a:prstGeom prst="line">
+            <a:avLst/>
+          </a:prstGeom>
+          <a:ln w="57150">
+            <a:solidFill>
+              <a:schemeClr val="accent4"/>
+            </a:solidFill>
+          </a:ln>
+        </p:spPr>
+        <p:style>
+          <a:lnRef idx="1">
+            <a:schemeClr val="accent1"/>
+          </a:lnRef>
+          <a:fillRef idx="0">
+            <a:schemeClr val="accent1"/>
+          </a:fillRef>
+          <a:effectRef idx="0">
+            <a:schemeClr val="accent1"/>
+          </a:effectRef>
+          <a:fontRef idx="minor">
+            <a:schemeClr val="tx1"/>
+          </a:fontRef>
+        </p:style>
+      </p:cxnSp>
+      <p:sp>
+        <p:nvSpPr>
+          <p:cNvPr id="3" name="Content Placeholder 2">
+            <a:extLst>
+              <a:ext uri="{FF2B5EF4-FFF2-40B4-BE49-F238E27FC236}">
+                <a16:creationId xmlns:a16="http://schemas.microsoft.com/office/drawing/2014/main" id="{CEA8D700-8E9B-CDE7-A607-0ADE0EFDD1D6}"/>
+              </a:ext>
+            </a:extLst>
+          </p:cNvPr>
+          <p:cNvSpPr>
+            <a:spLocks noGrp="1"/>
+          </p:cNvSpPr>
+          <p:nvPr>
+            <p:ph idx="1"/>
+          </p:nvPr>
+        </p:nvSpPr>
+        <p:spPr>
+          <a:xfrm>
+            <a:off x="5868557" y="2551176"/>
+            <a:ext cx="5444382" cy="3591207"/>
+          </a:xfrm>
+        </p:spPr>
+        <p:txBody>
+          <a:bodyPr>
+            <a:normAutofit/>
+          </a:bodyPr>
+          <a:lstStyle/>
+          <a:p>
+            <a:pPr marL="0" indent="0">
+              <a:buNone/>
+            </a:pPr>
+            <a:r>
+              <a:rPr lang="en-US" sz="2000" b="1" dirty="0"/>
+              <a:t>Lead Time:</a:t>
+            </a:r>
+            <a:r>
+              <a:rPr lang="en-US" sz="2000" dirty="0"/>
+              <a:t> Total time from request to delivery</a:t>
+            </a:r>
+          </a:p>
+          <a:p>
+            <a:pPr marL="0" indent="0">
+              <a:buNone/>
+            </a:pPr>
+            <a:r>
+              <a:rPr lang="en-US" sz="2000" b="1" dirty="0"/>
+              <a:t>Processing Time:</a:t>
+            </a:r>
+            <a:r>
+              <a:rPr lang="en-US" sz="2000" dirty="0"/>
+              <a:t> Time actively spent working on a task</a:t>
+            </a:r>
+          </a:p>
+          <a:p>
+            <a:r>
+              <a:rPr lang="en-US" sz="2000" dirty="0"/>
+              <a:t>Example: 10 days lead time, 2 days actual work = 8 days waiting</a:t>
+            </a:r>
+          </a:p>
+        </p:txBody>
+      </p:sp>
+    </p:spTree>
+    <p:extLst>
+      <p:ext uri="{BB962C8B-B14F-4D97-AF65-F5344CB8AC3E}">
+        <p14:creationId xmlns:p14="http://schemas.microsoft.com/office/powerpoint/2010/main" val="238023822"/>
+      </p:ext>
+    </p:extLst>
+  </p:cSld>
+  <p:clrMapOvr>
+    <a:masterClrMapping/>
+  </p:clrMapOvr>
+</p:sld>
+</file>
+
+<file path=ppt/slides/slide4.xml><?xml version="1.0" encoding="utf-8"?>
+<p:sld xmlns:a="http://schemas.openxmlformats.org/drawingml/2006/main" xmlns:r="http://schemas.openxmlformats.org/officeDocument/2006/relationships" xmlns:p="http://schemas.openxmlformats.org/presentationml/2006/main">
+  <p:cSld>
+    <p:bg>
+      <p:bgPr>
+        <a:solidFill>
+          <a:schemeClr val="bg1"/>
+        </a:solidFill>
+        <a:effectLst/>
+      </p:bgPr>
+    </p:bg>
+    <p:spTree>
+      <p:nvGrpSpPr>
+        <p:cNvPr id="1" name=""/>
+        <p:cNvGrpSpPr/>
+        <p:nvPr/>
+      </p:nvGrpSpPr>
+      <p:grpSpPr>
+        <a:xfrm>
+          <a:off x="0" y="0"/>
+          <a:ext cx="0" cy="0"/>
+          <a:chOff x="0" y="0"/>
+          <a:chExt cx="0" cy="0"/>
+        </a:xfrm>
+      </p:grpSpPr>
+      <p:sp useBgFill="1">
+        <p:nvSpPr>
+          <p:cNvPr id="11" name="Rectangle 10">
+            <a:extLst>
+              <a:ext uri="{FF2B5EF4-FFF2-40B4-BE49-F238E27FC236}">
+                <a16:creationId xmlns:a16="http://schemas.microsoft.com/office/drawing/2014/main" id="{66E48AFA-8884-4F68-A44F-D2C1E8609C5A}"/>
+              </a:ext>
+              <a:ext uri="{C183D7F6-B498-43B3-948B-1728B52AA6E4}">
+                <adec:decorative xmlns:adec="http://schemas.microsoft.com/office/drawing/2017/decorative" val="1"/>
+              </a:ext>
+            </a:extLst>
+          </p:cNvPr>
+          <p:cNvSpPr>
+            <a:spLocks noGrp="1" noRot="1" noChangeAspect="1" noMove="1" noResize="1" noEditPoints="1" noAdjustHandles="1" noChangeArrowheads="1" noChangeShapeType="1" noTextEdit="1"/>
+          </p:cNvSpPr>
+          <p:nvPr>
+            <p:extLst>
+              <p:ext uri="{386F3935-93C4-4BCD-93E2-E3B085C9AB24}">
+                <p16:designElem xmlns:p16="http://schemas.microsoft.com/office/powerpoint/2015/main" val="1"/>
+              </p:ext>
+            </p:extLst>
+          </p:nvPr>
+        </p:nvSpPr>
+        <p:spPr bwMode="white">
+          <a:xfrm>
+            <a:off x="0" y="0"/>
+            <a:ext cx="12192000" cy="6858000"/>
+          </a:xfrm>
+          <a:prstGeom prst="rect">
+            <a:avLst/>
+          </a:prstGeom>
+          <a:ln>
+            <a:noFill/>
+          </a:ln>
+        </p:spPr>
+        <p:style>
+          <a:lnRef idx="2">
+            <a:schemeClr val="accent1">
+              <a:shade val="50000"/>
+            </a:schemeClr>
+          </a:lnRef>
+          <a:fillRef idx="1">
+            <a:schemeClr val="accent1"/>
+          </a:fillRef>
+          <a:effectRef idx="0">
+            <a:schemeClr val="accent1"/>
+          </a:effectRef>
+          <a:fontRef idx="minor">
+            <a:schemeClr val="lt1"/>
+          </a:fontRef>
+        </p:style>
+        <p:txBody>
+          <a:bodyPr rtlCol="0" anchor="ctr"/>
+          <a:lstStyle>
+            <a:defPPr>
+              <a:defRPr lang="en-US"/>
+            </a:defPPr>
+            <a:lvl1pPr marL="0" algn="l" defTabSz="914400" rtl="0" eaLnBrk="1" latinLnBrk="0" hangingPunct="1">
+              <a:defRPr sz="1800" kern="1200">
+                <a:solidFill>
+                  <a:schemeClr val="lt1"/>
+                </a:solidFill>
+                <a:latin typeface="+mn-lt"/>
+                <a:ea typeface="+mn-ea"/>
+                <a:cs typeface="+mn-cs"/>
+              </a:defRPr>
+            </a:lvl1pPr>
+            <a:lvl2pPr marL="457200" algn="l" defTabSz="914400" rtl="0" eaLnBrk="1" latinLnBrk="0" hangingPunct="1">
+              <a:defRPr sz="1800" kern="1200">
+                <a:solidFill>
+                  <a:schemeClr val="lt1"/>
+                </a:solidFill>
+                <a:latin typeface="+mn-lt"/>
+                <a:ea typeface="+mn-ea"/>
+                <a:cs typeface="+mn-cs"/>
+              </a:defRPr>
+            </a:lvl2pPr>
+            <a:lvl3pPr marL="914400" algn="l" defTabSz="914400" rtl="0" eaLnBrk="1" latinLnBrk="0" hangingPunct="1">
+              <a:defRPr sz="1800" kern="1200">
+                <a:solidFill>
+                  <a:schemeClr val="lt1"/>
+                </a:solidFill>
+                <a:latin typeface="+mn-lt"/>
+                <a:ea typeface="+mn-ea"/>
+                <a:cs typeface="+mn-cs"/>
+              </a:defRPr>
+            </a:lvl3pPr>
+            <a:lvl4pPr marL="1371600" algn="l" defTabSz="914400" rtl="0" eaLnBrk="1" latinLnBrk="0" hangingPunct="1">
+              <a:defRPr sz="1800" kern="1200">
+                <a:solidFill>
+                  <a:schemeClr val="lt1"/>
+                </a:solidFill>
+                <a:latin typeface="+mn-lt"/>
+                <a:ea typeface="+mn-ea"/>
+                <a:cs typeface="+mn-cs"/>
+              </a:defRPr>
+            </a:lvl4pPr>
+            <a:lvl5pPr marL="1828800" algn="l" defTabSz="914400" rtl="0" eaLnBrk="1" latinLnBrk="0" hangingPunct="1">
+              <a:defRPr sz="1800" kern="1200">
+                <a:solidFill>
+                  <a:schemeClr val="lt1"/>
+                </a:solidFill>
+                <a:latin typeface="+mn-lt"/>
+                <a:ea typeface="+mn-ea"/>
+                <a:cs typeface="+mn-cs"/>
+              </a:defRPr>
+            </a:lvl5pPr>
+            <a:lvl6pPr marL="2286000" algn="l" defTabSz="914400" rtl="0" eaLnBrk="1" latinLnBrk="0" hangingPunct="1">
+              <a:defRPr sz="1800" kern="1200">
+                <a:solidFill>
+                  <a:schemeClr val="lt1"/>
+                </a:solidFill>
+                <a:latin typeface="+mn-lt"/>
+                <a:ea typeface="+mn-ea"/>
+                <a:cs typeface="+mn-cs"/>
+              </a:defRPr>
+            </a:lvl6pPr>
+            <a:lvl7pPr marL="2743200" algn="l" defTabSz="914400" rtl="0" eaLnBrk="1" latinLnBrk="0" hangingPunct="1">
+              <a:defRPr sz="1800" kern="1200">
+                <a:solidFill>
+                  <a:schemeClr val="lt1"/>
+                </a:solidFill>
+                <a:latin typeface="+mn-lt"/>
+                <a:ea typeface="+mn-ea"/>
+                <a:cs typeface="+mn-cs"/>
+              </a:defRPr>
+            </a:lvl7pPr>
+            <a:lvl8pPr marL="3200400" algn="l" defTabSz="914400" rtl="0" eaLnBrk="1" latinLnBrk="0" hangingPunct="1">
+              <a:defRPr sz="1800" kern="1200">
+                <a:solidFill>
+                  <a:schemeClr val="lt1"/>
+                </a:solidFill>
+                <a:latin typeface="+mn-lt"/>
+                <a:ea typeface="+mn-ea"/>
+                <a:cs typeface="+mn-cs"/>
+              </a:defRPr>
+            </a:lvl8pPr>
+            <a:lvl9pPr marL="3657600" algn="l" defTabSz="914400" rtl="0" eaLnBrk="1" latinLnBrk="0" hangingPunct="1">
+              <a:defRPr sz="1800" kern="1200">
+                <a:solidFill>
+                  <a:schemeClr val="lt1"/>
+                </a:solidFill>
+                <a:latin typeface="+mn-lt"/>
+                <a:ea typeface="+mn-ea"/>
+                <a:cs typeface="+mn-cs"/>
+              </a:defRPr>
+            </a:lvl9pPr>
+          </a:lstStyle>
+          <a:p>
+            <a:pPr algn="ctr"/>
+            <a:endParaRPr lang="en-US"/>
+          </a:p>
+        </p:txBody>
+      </p:sp>
+      <p:sp>
+        <p:nvSpPr>
+          <p:cNvPr id="2" name="Title 1">
+            <a:extLst>
+              <a:ext uri="{FF2B5EF4-FFF2-40B4-BE49-F238E27FC236}">
+                <a16:creationId xmlns:a16="http://schemas.microsoft.com/office/drawing/2014/main" id="{34B0D99C-8078-6E48-D861-ED1270C12618}"/>
+              </a:ext>
+            </a:extLst>
+          </p:cNvPr>
+          <p:cNvSpPr>
+            <a:spLocks noGrp="1"/>
+          </p:cNvSpPr>
+          <p:nvPr>
+            <p:ph type="title"/>
+          </p:nvPr>
+        </p:nvSpPr>
+        <p:spPr>
+          <a:xfrm>
+            <a:off x="838201" y="3998018"/>
+            <a:ext cx="3981854" cy="2216513"/>
+          </a:xfrm>
+        </p:spPr>
+        <p:txBody>
+          <a:bodyPr vert="horz" lIns="91440" tIns="45720" rIns="91440" bIns="45720" rtlCol="0" anchor="ctr">
+            <a:normAutofit/>
+          </a:bodyPr>
+          <a:lstStyle/>
+          <a:p>
+            <a:r>
+              <a:rPr lang="en-US" kern="1200" dirty="0">
+                <a:solidFill>
+                  <a:schemeClr val="tx1"/>
+                </a:solidFill>
+                <a:latin typeface="+mj-lt"/>
+                <a:ea typeface="+mj-ea"/>
+                <a:cs typeface="+mj-cs"/>
+              </a:rPr>
+              <a:t>The Common Problem: Long Lead Times</a:t>
+            </a:r>
+          </a:p>
+        </p:txBody>
+      </p:sp>
+      <p:sp>
+        <p:nvSpPr>
+          <p:cNvPr id="13" name="Arc 12">
+            <a:extLst>
+              <a:ext uri="{FF2B5EF4-FFF2-40B4-BE49-F238E27FC236}">
+                <a16:creationId xmlns:a16="http://schemas.microsoft.com/office/drawing/2014/main" id="{969D19A6-08CB-498C-93EC-3FFB021FC68A}"/>
+              </a:ext>
+              <a:ext uri="{C183D7F6-B498-43B3-948B-1728B52AA6E4}">
+                <adec:decorative xmlns:adec="http://schemas.microsoft.com/office/drawing/2017/decorative" val="1"/>
+              </a:ext>
+            </a:extLst>
+          </p:cNvPr>
+          <p:cNvSpPr>
+            <a:spLocks noGrp="1" noRot="1" noChangeAspect="1" noMove="1" noResize="1" noEditPoints="1" noAdjustHandles="1" noChangeArrowheads="1" noChangeShapeType="1" noTextEdit="1"/>
+          </p:cNvSpPr>
+          <p:nvPr>
+            <p:extLst>
+              <p:ext uri="{386F3935-93C4-4BCD-93E2-E3B085C9AB24}">
+                <p16:designElem xmlns:p16="http://schemas.microsoft.com/office/powerpoint/2015/main" val="1"/>
+              </p:ext>
+            </p:extLst>
+          </p:nvPr>
+        </p:nvSpPr>
+        <p:spPr>
+          <a:xfrm rot="6269068">
+            <a:off x="8717845" y="3339275"/>
+            <a:ext cx="2987899" cy="2987899"/>
+          </a:xfrm>
+          <a:prstGeom prst="arc">
+            <a:avLst>
+              <a:gd name="adj1" fmla="val 14441841"/>
+              <a:gd name="adj2" fmla="val 0"/>
+            </a:avLst>
+          </a:prstGeom>
+          <a:ln w="127000" cap="rnd">
+            <a:solidFill>
+              <a:schemeClr val="accent4"/>
+            </a:solidFill>
+            <a:prstDash val="dash"/>
+            <a:miter lim="800000"/>
+          </a:ln>
+        </p:spPr>
+        <p:style>
+          <a:lnRef idx="1">
+            <a:schemeClr val="accent1"/>
+          </a:lnRef>
+          <a:fillRef idx="0">
+            <a:schemeClr val="accent1"/>
+          </a:fillRef>
+          <a:effectRef idx="0">
+            <a:schemeClr val="accent1"/>
+          </a:effectRef>
+          <a:fontRef idx="minor">
+            <a:schemeClr val="tx1"/>
+          </a:fontRef>
+        </p:style>
+        <p:txBody>
+          <a:bodyPr rtlCol="0" anchor="ctr"/>
+          <a:lstStyle/>
+          <a:p>
+            <a:pPr marL="0" marR="0" lvl="0" indent="0" algn="ctr" defTabSz="914400" rtl="0" eaLnBrk="1" fontAlgn="auto" latinLnBrk="0" hangingPunct="1">
+              <a:lnSpc>
+                <a:spcPct val="100000"/>
+              </a:lnSpc>
+              <a:spcBef>
+                <a:spcPts val="0"/>
+              </a:spcBef>
+              <a:spcAft>
+                <a:spcPts val="0"/>
+              </a:spcAft>
+              <a:buClrTx/>
+              <a:buSzTx/>
+              <a:buFontTx/>
+              <a:buNone/>
+              <a:tabLst/>
+              <a:defRPr/>
+            </a:pPr>
+            <a:endParaRPr kumimoji="0" lang="en-US" sz="1800" b="0" i="0" u="none" strike="noStrike" kern="1200" cap="none" spc="0" normalizeH="0" baseline="0" noProof="0">
+              <a:ln>
+                <a:noFill/>
+              </a:ln>
+              <a:solidFill>
+                <a:srgbClr val="000000"/>
+              </a:solidFill>
+              <a:effectLst/>
+              <a:uLnTx/>
+              <a:uFillTx/>
+              <a:latin typeface="Calibri" panose="020F0502020204030204"/>
+              <a:ea typeface="+mn-ea"/>
+              <a:cs typeface="+mn-cs"/>
+            </a:endParaRPr>
+          </a:p>
+        </p:txBody>
+      </p:sp>
+      <p:pic>
+        <p:nvPicPr>
+          <p:cNvPr id="5" name="Content Placeholder 4" descr="A diagram of a diagram&#10;&#10;Description automatically generated">
+            <a:extLst>
+              <a:ext uri="{FF2B5EF4-FFF2-40B4-BE49-F238E27FC236}">
+                <a16:creationId xmlns:a16="http://schemas.microsoft.com/office/drawing/2014/main" id="{3F7D82C8-6050-D2F6-0B10-8AAD91C7AB9E}"/>
+              </a:ext>
+            </a:extLst>
+          </p:cNvPr>
+          <p:cNvPicPr>
+            <a:picLocks noGrp="1" noChangeAspect="1"/>
+          </p:cNvPicPr>
+          <p:nvPr>
+            <p:ph idx="1"/>
+          </p:nvPr>
+        </p:nvPicPr>
+        <p:blipFill>
+          <a:blip r:embed="rId2"/>
+          <a:stretch>
+            <a:fillRect/>
+          </a:stretch>
+        </p:blipFill>
+        <p:spPr>
+          <a:xfrm>
+            <a:off x="1040491" y="704504"/>
+            <a:ext cx="10111017" cy="2957472"/>
+          </a:xfrm>
+          <a:custGeom>
+            <a:avLst/>
+            <a:gdLst/>
+            <a:ahLst/>
+            <a:cxnLst/>
+            <a:rect l="l" t="t" r="r" b="b"/>
+            <a:pathLst>
+              <a:path w="10580201" h="2957472">
+                <a:moveTo>
+                  <a:pt x="88961" y="0"/>
+                </a:moveTo>
+                <a:lnTo>
+                  <a:pt x="10491240" y="0"/>
+                </a:lnTo>
+                <a:cubicBezTo>
+                  <a:pt x="10540372" y="0"/>
+                  <a:pt x="10580201" y="39829"/>
+                  <a:pt x="10580201" y="88961"/>
+                </a:cubicBezTo>
+                <a:lnTo>
+                  <a:pt x="10580201" y="2868511"/>
+                </a:lnTo>
+                <a:cubicBezTo>
+                  <a:pt x="10580201" y="2917643"/>
+                  <a:pt x="10540372" y="2957472"/>
+                  <a:pt x="10491240" y="2957472"/>
+                </a:cubicBezTo>
+                <a:lnTo>
+                  <a:pt x="88961" y="2957472"/>
+                </a:lnTo>
+                <a:cubicBezTo>
+                  <a:pt x="39829" y="2957472"/>
+                  <a:pt x="0" y="2917643"/>
+                  <a:pt x="0" y="2868511"/>
+                </a:cubicBezTo>
+                <a:lnTo>
+                  <a:pt x="0" y="88961"/>
+                </a:lnTo>
+                <a:cubicBezTo>
+                  <a:pt x="0" y="39829"/>
+                  <a:pt x="39829" y="0"/>
+                  <a:pt x="88961" y="0"/>
+                </a:cubicBezTo>
+                <a:close/>
+              </a:path>
+            </a:pathLst>
+          </a:custGeom>
+        </p:spPr>
+      </p:pic>
+      <p:sp>
+        <p:nvSpPr>
+          <p:cNvPr id="6" name="TextBox 5">
+            <a:extLst>
+              <a:ext uri="{FF2B5EF4-FFF2-40B4-BE49-F238E27FC236}">
+                <a16:creationId xmlns:a16="http://schemas.microsoft.com/office/drawing/2014/main" id="{FAB4C2FC-F8A2-0051-E72B-1BB81BD45ABE}"/>
+              </a:ext>
+            </a:extLst>
+          </p:cNvPr>
+          <p:cNvSpPr txBox="1"/>
+          <p:nvPr/>
+        </p:nvSpPr>
+        <p:spPr>
+          <a:xfrm>
+            <a:off x="4970835" y="3998019"/>
+            <a:ext cx="6382966" cy="2216512"/>
+          </a:xfrm>
+          <a:prstGeom prst="rect">
+            <a:avLst/>
+          </a:prstGeom>
+        </p:spPr>
+        <p:txBody>
+          <a:bodyPr vert="horz" lIns="91440" tIns="45720" rIns="91440" bIns="45720" rtlCol="0">
+            <a:normAutofit/>
+          </a:bodyPr>
+          <a:lstStyle/>
+          <a:p>
+            <a:pPr indent="-228600">
+              <a:lnSpc>
+                <a:spcPct val="90000"/>
+              </a:lnSpc>
+              <a:spcAft>
+                <a:spcPts val="600"/>
+              </a:spcAft>
+              <a:buFont typeface="Arial" panose="020B0604020202020204" pitchFamily="34" charset="0"/>
+              <a:buChar char="•"/>
+            </a:pPr>
+            <a:r>
+              <a:rPr lang="en-US" dirty="0"/>
+              <a:t>In many traditional monolithic organizations:</a:t>
+            </a:r>
+          </a:p>
+          <a:p>
+            <a:pPr lvl="1" indent="-228600">
+              <a:lnSpc>
+                <a:spcPct val="90000"/>
+              </a:lnSpc>
+              <a:spcAft>
+                <a:spcPts val="600"/>
+              </a:spcAft>
+              <a:buFont typeface="Arial" panose="020B0604020202020204" pitchFamily="34" charset="0"/>
+              <a:buChar char="•"/>
+            </a:pPr>
+            <a:r>
+              <a:rPr lang="en-US" dirty="0"/>
+              <a:t>Code is written quickly, and it’s hard to distinguish accountability</a:t>
+            </a:r>
+          </a:p>
+          <a:p>
+            <a:pPr lvl="1" indent="-228600">
+              <a:lnSpc>
+                <a:spcPct val="90000"/>
+              </a:lnSpc>
+              <a:spcAft>
+                <a:spcPts val="600"/>
+              </a:spcAft>
+              <a:buFont typeface="Arial" panose="020B0604020202020204" pitchFamily="34" charset="0"/>
+              <a:buChar char="•"/>
+            </a:pPr>
+            <a:r>
+              <a:rPr lang="en-US" dirty="0"/>
+              <a:t>Investigations can take several weeks</a:t>
+            </a:r>
+          </a:p>
+          <a:p>
+            <a:pPr lvl="1" indent="-228600">
+              <a:lnSpc>
+                <a:spcPct val="90000"/>
+              </a:lnSpc>
+              <a:spcAft>
+                <a:spcPts val="600"/>
+              </a:spcAft>
+              <a:buFont typeface="Arial" panose="020B0604020202020204" pitchFamily="34" charset="0"/>
+              <a:buChar char="•"/>
+            </a:pPr>
+            <a:r>
+              <a:rPr lang="en-US" dirty="0"/>
+              <a:t>A resolution causes many delays and results in poor customer outcomes. </a:t>
+            </a:r>
+          </a:p>
+          <a:p>
+            <a:pPr>
+              <a:lnSpc>
+                <a:spcPct val="90000"/>
+              </a:lnSpc>
+              <a:spcAft>
+                <a:spcPts val="600"/>
+              </a:spcAft>
+            </a:pPr>
+            <a:endParaRPr lang="en-US" dirty="0"/>
+          </a:p>
+        </p:txBody>
+      </p:sp>
+    </p:spTree>
+    <p:extLst>
+      <p:ext uri="{BB962C8B-B14F-4D97-AF65-F5344CB8AC3E}">
+        <p14:creationId xmlns:p14="http://schemas.microsoft.com/office/powerpoint/2010/main" val="3395244278"/>
+      </p:ext>
+    </p:extLst>
+  </p:cSld>
+  <p:clrMapOvr>
+    <a:masterClrMapping/>
+  </p:clrMapOvr>
+</p:sld>
+</file>
+
+<file path=ppt/slides/slide5.xml><?xml version="1.0" encoding="utf-8"?>
+<p:sld xmlns:a="http://schemas.openxmlformats.org/drawingml/2006/main" xmlns:r="http://schemas.openxmlformats.org/officeDocument/2006/relationships" xmlns:p="http://schemas.openxmlformats.org/presentationml/2006/main">
+  <p:cSld>
+    <p:bg>
+      <p:bgPr>
+        <a:solidFill>
+          <a:schemeClr val="bg1"/>
+        </a:solidFill>
+        <a:effectLst/>
+      </p:bgPr>
+    </p:bg>
+    <p:spTree>
+      <p:nvGrpSpPr>
+        <p:cNvPr id="1" name=""/>
+        <p:cNvGrpSpPr/>
+        <p:nvPr/>
+      </p:nvGrpSpPr>
+      <p:grpSpPr>
+        <a:xfrm>
+          <a:off x="0" y="0"/>
+          <a:ext cx="0" cy="0"/>
+          <a:chOff x="0" y="0"/>
+          <a:chExt cx="0" cy="0"/>
+        </a:xfrm>
+      </p:grpSpPr>
+      <p:sp useBgFill="1">
+        <p:nvSpPr>
+          <p:cNvPr id="12" name="Rectangle 11">
+            <a:extLst>
+              <a:ext uri="{FF2B5EF4-FFF2-40B4-BE49-F238E27FC236}">
+                <a16:creationId xmlns:a16="http://schemas.microsoft.com/office/drawing/2014/main" id="{5D7F64A8-D625-4F61-A290-B499BB62ACFF}"/>
+              </a:ext>
+              <a:ext uri="{C183D7F6-B498-43B3-948B-1728B52AA6E4}">
+                <adec:decorative xmlns:adec="http://schemas.microsoft.com/office/drawing/2017/decorative" val="1"/>
+              </a:ext>
+            </a:extLst>
+          </p:cNvPr>
+          <p:cNvSpPr>
+            <a:spLocks noGrp="1" noRot="1" noChangeAspect="1" noMove="1" noResize="1" noEditPoints="1" noAdjustHandles="1" noChangeArrowheads="1" noChangeShapeType="1" noTextEdit="1"/>
+          </p:cNvSpPr>
+          <p:nvPr>
+            <p:extLst>
+              <p:ext uri="{386F3935-93C4-4BCD-93E2-E3B085C9AB24}">
+                <p16:designElem xmlns:p16="http://schemas.microsoft.com/office/powerpoint/2015/main" val="1"/>
+              </p:ext>
+            </p:extLst>
+          </p:nvPr>
+        </p:nvSpPr>
+        <p:spPr>
+          <a:xfrm>
+            <a:off x="0" y="0"/>
+            <a:ext cx="12188952" cy="6858000"/>
+          </a:xfrm>
+          <a:prstGeom prst="rect">
+            <a:avLst/>
+          </a:prstGeom>
+          <a:ln>
+            <a:noFill/>
+          </a:ln>
+        </p:spPr>
+        <p:style>
+          <a:lnRef idx="2">
+            <a:schemeClr val="accent1">
+              <a:shade val="50000"/>
+            </a:schemeClr>
+          </a:lnRef>
+          <a:fillRef idx="1">
+            <a:schemeClr val="accent1"/>
+          </a:fillRef>
+          <a:effectRef idx="0">
+            <a:schemeClr val="accent1"/>
+          </a:effectRef>
+          <a:fontRef idx="minor">
+            <a:schemeClr val="lt1"/>
+          </a:fontRef>
+        </p:style>
+        <p:txBody>
+          <a:bodyPr rtlCol="0" anchor="ctr"/>
+          <a:lstStyle/>
+          <a:p>
+            <a:pPr algn="ctr"/>
+            <a:endParaRPr lang="en-US"/>
+          </a:p>
+        </p:txBody>
+      </p:sp>
+      <p:sp>
+        <p:nvSpPr>
+          <p:cNvPr id="2" name="Title 1">
+            <a:extLst>
+              <a:ext uri="{FF2B5EF4-FFF2-40B4-BE49-F238E27FC236}">
+                <a16:creationId xmlns:a16="http://schemas.microsoft.com/office/drawing/2014/main" id="{B043C449-99FC-CF13-D5B5-B7BCEDD08A37}"/>
+              </a:ext>
+            </a:extLst>
+          </p:cNvPr>
+          <p:cNvSpPr>
+            <a:spLocks noGrp="1"/>
+          </p:cNvSpPr>
+          <p:nvPr>
+            <p:ph type="title"/>
+          </p:nvPr>
+        </p:nvSpPr>
+        <p:spPr>
+          <a:xfrm>
+            <a:off x="2187363" y="1671569"/>
+            <a:ext cx="5801917" cy="2228760"/>
+          </a:xfrm>
+        </p:spPr>
+        <p:txBody>
+          <a:bodyPr anchor="b">
+            <a:normAutofit/>
+          </a:bodyPr>
+          <a:lstStyle/>
+          <a:p>
+            <a:r>
+              <a:rPr lang="en-US" sz="4000" dirty="0"/>
+              <a:t>The DevOps Ideal: Deployment in Minutes</a:t>
+            </a:r>
+          </a:p>
+        </p:txBody>
+      </p:sp>
+      <p:pic>
+        <p:nvPicPr>
+          <p:cNvPr id="7" name="Graphic 6" descr="Robot">
+            <a:extLst>
+              <a:ext uri="{FF2B5EF4-FFF2-40B4-BE49-F238E27FC236}">
+                <a16:creationId xmlns:a16="http://schemas.microsoft.com/office/drawing/2014/main" id="{49DFA94F-CF87-86ED-BCDA-F4EA318A95B0}"/>
+              </a:ext>
+            </a:extLst>
+          </p:cNvPr>
+          <p:cNvPicPr>
+            <a:picLocks noChangeAspect="1"/>
+          </p:cNvPicPr>
+          <p:nvPr/>
+        </p:nvPicPr>
+        <p:blipFill>
+          <a:blip r:embed="rId2">
+            <a:extLst>
+              <a:ext uri="{28A0092B-C50C-407E-A947-70E740481C1C}">
+                <a14:useLocalDpi xmlns:a14="http://schemas.microsoft.com/office/drawing/2010/main" val="0"/>
+              </a:ext>
+              <a:ext uri="{96DAC541-7B7A-43D3-8B79-37D633B846F1}">
+                <asvg:svgBlip xmlns:asvg="http://schemas.microsoft.com/office/drawing/2016/SVG/main" r:embed="rId3"/>
+              </a:ext>
+            </a:extLst>
+          </a:blip>
+          <a:stretch>
+            <a:fillRect/>
+          </a:stretch>
+        </p:blipFill>
+        <p:spPr>
+          <a:xfrm>
+            <a:off x="736948" y="2694018"/>
+            <a:ext cx="1198532" cy="1198532"/>
+          </a:xfrm>
+          <a:prstGeom prst="rect">
+            <a:avLst/>
+          </a:prstGeom>
+        </p:spPr>
+      </p:pic>
+      <p:sp>
+        <p:nvSpPr>
+          <p:cNvPr id="8" name="Content Placeholder 2">
+            <a:extLst>
+              <a:ext uri="{FF2B5EF4-FFF2-40B4-BE49-F238E27FC236}">
+                <a16:creationId xmlns:a16="http://schemas.microsoft.com/office/drawing/2014/main" id="{0E6B10F2-48F1-BCE2-E42C-E6C45B995452}"/>
+              </a:ext>
+            </a:extLst>
+          </p:cNvPr>
+          <p:cNvSpPr>
+            <a:spLocks noGrp="1"/>
+          </p:cNvSpPr>
+          <p:nvPr>
+            <p:ph idx="1"/>
+          </p:nvPr>
+        </p:nvSpPr>
+        <p:spPr>
+          <a:xfrm>
+            <a:off x="2187364" y="4072044"/>
+            <a:ext cx="5801917" cy="2057045"/>
+          </a:xfrm>
+        </p:spPr>
+        <p:txBody>
+          <a:bodyPr>
+            <a:normAutofit/>
+          </a:bodyPr>
+          <a:lstStyle/>
+          <a:p>
+            <a:r>
+              <a:rPr lang="en-US" sz="2000" dirty="0"/>
+              <a:t>The DevOps approach aims for taking minutes between writing code and deploying it</a:t>
+            </a:r>
+          </a:p>
+          <a:p>
+            <a:r>
+              <a:rPr lang="en-US" sz="2000" dirty="0"/>
+              <a:t>Uses automation, CI/CD pipelines, and cross-team collaboration</a:t>
+            </a:r>
+          </a:p>
+          <a:p>
+            <a:r>
+              <a:rPr lang="en-US" sz="2000" dirty="0"/>
+              <a:t>Enables faster, safer, smaller changes</a:t>
+            </a:r>
+          </a:p>
+          <a:p>
+            <a:endParaRPr lang="en-US" sz="2000" dirty="0"/>
+          </a:p>
+        </p:txBody>
+      </p:sp>
+      <p:pic>
+        <p:nvPicPr>
+          <p:cNvPr id="9" name="Graphic 8" descr="Robot">
+            <a:extLst>
+              <a:ext uri="{FF2B5EF4-FFF2-40B4-BE49-F238E27FC236}">
+                <a16:creationId xmlns:a16="http://schemas.microsoft.com/office/drawing/2014/main" id="{2639F9A7-E44F-4314-A0F9-DEBB73787A9C}"/>
+              </a:ext>
+              <a:ext uri="{C183D7F6-B498-43B3-948B-1728B52AA6E4}">
+                <adec:decorative xmlns:adec="http://schemas.microsoft.com/office/drawing/2017/decorative" val="1"/>
+              </a:ext>
+            </a:extLst>
+          </p:cNvPr>
+          <p:cNvPicPr>
+            <a:picLocks noGrp="1" noRot="1" noChangeAspect="1" noMove="1" noResize="1" noEditPoints="1" noAdjustHandles="1" noChangeArrowheads="1" noChangeShapeType="1" noCrop="1"/>
+          </p:cNvPicPr>
+          <p:nvPr>
+            <p:extLst>
+              <p:ext uri="{386F3935-93C4-4BCD-93E2-E3B085C9AB24}">
+                <p16:designElem xmlns:p16="http://schemas.microsoft.com/office/powerpoint/2015/main" val="1"/>
+              </p:ext>
+            </p:extLst>
+          </p:nvPr>
+        </p:nvPicPr>
+        <p:blipFill>
+          <a:blip r:embed="rId2">
+            <a:alphaModFix amt="15000"/>
+            <a:extLst>
+              <a:ext uri="{28A0092B-C50C-407E-A947-70E740481C1C}">
+                <a14:useLocalDpi xmlns:a14="http://schemas.microsoft.com/office/drawing/2010/main" val="0"/>
+              </a:ext>
+              <a:ext uri="{96DAC541-7B7A-43D3-8B79-37D633B846F1}">
+                <asvg:svgBlip xmlns:asvg="http://schemas.microsoft.com/office/drawing/2016/SVG/main" r:embed="rId3"/>
+              </a:ext>
+            </a:extLst>
+          </a:blip>
+          <a:stretch>
+            <a:fillRect/>
+          </a:stretch>
+        </p:blipFill>
+        <p:spPr>
+          <a:xfrm>
+            <a:off x="6641431" y="816337"/>
+            <a:ext cx="5225327" cy="5225327"/>
+          </a:xfrm>
+          <a:prstGeom prst="rect">
+            <a:avLst/>
+          </a:prstGeom>
+        </p:spPr>
+      </p:pic>
+    </p:spTree>
+    <p:extLst>
+      <p:ext uri="{BB962C8B-B14F-4D97-AF65-F5344CB8AC3E}">
+        <p14:creationId xmlns:p14="http://schemas.microsoft.com/office/powerpoint/2010/main" val="1902301114"/>
+      </p:ext>
+    </p:extLst>
+  </p:cSld>
+  <p:clrMapOvr>
+    <a:masterClrMapping/>
+  </p:clrMapOvr>
+</p:sld>
+</file>
+
+<file path=ppt/slides/slide6.xml><?xml version="1.0" encoding="utf-8"?>
+<p:sld xmlns:a="http://schemas.openxmlformats.org/drawingml/2006/main" xmlns:r="http://schemas.openxmlformats.org/officeDocument/2006/relationships" xmlns:p="http://schemas.openxmlformats.org/presentationml/2006/main">
+  <p:cSld>
+    <p:bg>
+      <p:bgPr>
+        <a:solidFill>
+          <a:schemeClr val="bg1"/>
+        </a:solidFill>
+        <a:effectLst/>
+      </p:bgPr>
+    </p:bg>
+    <p:spTree>
+      <p:nvGrpSpPr>
+        <p:cNvPr id="1" name=""/>
+        <p:cNvGrpSpPr/>
+        <p:nvPr/>
+      </p:nvGrpSpPr>
+      <p:grpSpPr>
+        <a:xfrm>
+          <a:off x="0" y="0"/>
+          <a:ext cx="0" cy="0"/>
+          <a:chOff x="0" y="0"/>
+          <a:chExt cx="0" cy="0"/>
+        </a:xfrm>
+      </p:grpSpPr>
+      <p:pic>
+        <p:nvPicPr>
+          <p:cNvPr id="5" name="Content Placeholder 4" descr="A diagram of a software development process&#10;&#10;Description automatically generated">
+            <a:extLst>
+              <a:ext uri="{FF2B5EF4-FFF2-40B4-BE49-F238E27FC236}">
+                <a16:creationId xmlns:a16="http://schemas.microsoft.com/office/drawing/2014/main" id="{7C4B3831-7905-FD25-294C-05D2420F50CB}"/>
+              </a:ext>
+            </a:extLst>
+          </p:cNvPr>
+          <p:cNvPicPr>
+            <a:picLocks noGrp="1" noChangeAspect="1"/>
+          </p:cNvPicPr>
+          <p:nvPr>
+            <p:ph idx="1"/>
+          </p:nvPr>
+        </p:nvPicPr>
+        <p:blipFill>
+          <a:blip r:embed="rId2"/>
+          <a:srcRect l="1333"/>
+          <a:stretch/>
+        </p:blipFill>
+        <p:spPr>
+          <a:xfrm>
+            <a:off x="0" y="-936692"/>
+            <a:ext cx="12191980" cy="6857990"/>
+          </a:xfrm>
+          <a:prstGeom prst="rect">
+            <a:avLst/>
+          </a:prstGeom>
+        </p:spPr>
+      </p:pic>
+      <p:sp>
+        <p:nvSpPr>
+          <p:cNvPr id="10" name="Rectangle 9">
+            <a:extLst>
+              <a:ext uri="{FF2B5EF4-FFF2-40B4-BE49-F238E27FC236}">
+                <a16:creationId xmlns:a16="http://schemas.microsoft.com/office/drawing/2014/main" id="{37C89E4B-3C9F-44B9-8B86-D9E3D112D8EC}"/>
+              </a:ext>
+              <a:ext uri="{C183D7F6-B498-43B3-948B-1728B52AA6E4}">
+                <adec:decorative xmlns:adec="http://schemas.microsoft.com/office/drawing/2017/decorative" val="1"/>
+              </a:ext>
+            </a:extLst>
+          </p:cNvPr>
+          <p:cNvSpPr>
+            <a:spLocks noGrp="1" noRot="1" noChangeAspect="1" noMove="1" noResize="1" noEditPoints="1" noAdjustHandles="1" noChangeArrowheads="1" noChangeShapeType="1" noTextEdit="1"/>
+          </p:cNvSpPr>
+          <p:nvPr>
+            <p:extLst>
+              <p:ext uri="{386F3935-93C4-4BCD-93E2-E3B085C9AB24}">
+                <p16:designElem xmlns:p16="http://schemas.microsoft.com/office/powerpoint/2015/main" val="1"/>
+              </p:ext>
+            </p:extLst>
+          </p:nvPr>
+        </p:nvSpPr>
+        <p:spPr>
+          <a:xfrm>
+            <a:off x="0" y="5320142"/>
+            <a:ext cx="12192000" cy="736551"/>
+          </a:xfrm>
+          <a:prstGeom prst="rect">
+            <a:avLst/>
+          </a:prstGeom>
+          <a:solidFill>
+            <a:schemeClr val="bg1">
+              <a:alpha val="93000"/>
+            </a:schemeClr>
+          </a:solidFill>
+          <a:ln>
+            <a:noFill/>
+          </a:ln>
+        </p:spPr>
+        <p:style>
+          <a:lnRef idx="2">
+            <a:schemeClr val="accent1">
+              <a:shade val="50000"/>
+            </a:schemeClr>
+          </a:lnRef>
+          <a:fillRef idx="1">
+            <a:schemeClr val="accent1"/>
+          </a:fillRef>
+          <a:effectRef idx="0">
+            <a:schemeClr val="accent1"/>
+          </a:effectRef>
+          <a:fontRef idx="minor">
+            <a:schemeClr val="lt1"/>
+          </a:fontRef>
+        </p:style>
+        <p:txBody>
+          <a:bodyPr rtlCol="0" anchor="ctr"/>
+          <a:lstStyle/>
+          <a:p>
+            <a:pPr algn="ctr"/>
+            <a:endParaRPr lang="en-US"/>
+          </a:p>
+        </p:txBody>
+      </p:sp>
+      <p:sp>
+        <p:nvSpPr>
+          <p:cNvPr id="2" name="Title 1">
+            <a:extLst>
+              <a:ext uri="{FF2B5EF4-FFF2-40B4-BE49-F238E27FC236}">
+                <a16:creationId xmlns:a16="http://schemas.microsoft.com/office/drawing/2014/main" id="{BB6E8F01-D7B4-6524-DE2A-3867461277F3}"/>
+              </a:ext>
+            </a:extLst>
+          </p:cNvPr>
+          <p:cNvSpPr>
+            <a:spLocks noGrp="1"/>
+          </p:cNvSpPr>
+          <p:nvPr>
+            <p:ph type="title"/>
+          </p:nvPr>
+        </p:nvSpPr>
+        <p:spPr>
+          <a:xfrm>
+            <a:off x="523875" y="5317240"/>
+            <a:ext cx="11210925" cy="744836"/>
+          </a:xfrm>
+        </p:spPr>
+        <p:txBody>
+          <a:bodyPr vert="horz" lIns="91440" tIns="45720" rIns="91440" bIns="45720" rtlCol="0" anchor="ctr">
+            <a:normAutofit/>
+          </a:bodyPr>
+          <a:lstStyle/>
+          <a:p>
+            <a:pPr algn="ctr"/>
+            <a:r>
+              <a:rPr lang="en-US" sz="3600" dirty="0">
+                <a:solidFill>
+                  <a:schemeClr val="tx1">
+                    <a:lumMod val="85000"/>
+                    <a:lumOff val="15000"/>
+                  </a:schemeClr>
+                </a:solidFill>
+              </a:rPr>
+              <a:t>DevOps Deployment</a:t>
+            </a:r>
+          </a:p>
+        </p:txBody>
+      </p:sp>
+      <p:cxnSp>
+        <p:nvCxnSpPr>
+          <p:cNvPr id="12" name="Straight Connector 11">
+            <a:extLst>
+              <a:ext uri="{FF2B5EF4-FFF2-40B4-BE49-F238E27FC236}">
+                <a16:creationId xmlns:a16="http://schemas.microsoft.com/office/drawing/2014/main" id="{AA2EAA10-076F-46BD-8F0F-B9A2FB77A85C}"/>
+              </a:ext>
+              <a:ext uri="{C183D7F6-B498-43B3-948B-1728B52AA6E4}">
+                <adec:decorative xmlns:adec="http://schemas.microsoft.com/office/drawing/2017/decorative" val="1"/>
+              </a:ext>
+            </a:extLst>
+          </p:cNvPr>
+          <p:cNvCxnSpPr>
+            <a:cxnSpLocks noGrp="1" noRot="1" noChangeAspect="1" noMove="1" noResize="1" noEditPoints="1" noAdjustHandles="1" noChangeArrowheads="1" noChangeShapeType="1"/>
+          </p:cNvCxnSpPr>
+          <p:nvPr>
+            <p:extLst>
+              <p:ext uri="{386F3935-93C4-4BCD-93E2-E3B085C9AB24}">
+                <p16:designElem xmlns:p16="http://schemas.microsoft.com/office/powerpoint/2015/main" val="1"/>
+              </p:ext>
+            </p:extLst>
+          </p:nvPr>
+        </p:nvCxnSpPr>
+        <p:spPr>
+          <a:xfrm>
+            <a:off x="0" y="5241983"/>
+            <a:ext cx="12192000" cy="0"/>
+          </a:xfrm>
+          <a:prstGeom prst="line">
+            <a:avLst/>
+          </a:prstGeom>
+          <a:ln w="41275">
+            <a:solidFill>
+              <a:schemeClr val="bg1">
+                <a:alpha val="90000"/>
+              </a:schemeClr>
+            </a:solidFill>
+          </a:ln>
+        </p:spPr>
+        <p:style>
+          <a:lnRef idx="1">
+            <a:schemeClr val="accent1"/>
+          </a:lnRef>
+          <a:fillRef idx="0">
+            <a:schemeClr val="accent1"/>
+          </a:fillRef>
+          <a:effectRef idx="0">
+            <a:schemeClr val="accent1"/>
+          </a:effectRef>
+          <a:fontRef idx="minor">
+            <a:schemeClr val="tx1"/>
+          </a:fontRef>
+        </p:style>
+      </p:cxnSp>
+      <p:cxnSp>
+        <p:nvCxnSpPr>
+          <p:cNvPr id="14" name="Straight Connector 13">
+            <a:extLst>
+              <a:ext uri="{FF2B5EF4-FFF2-40B4-BE49-F238E27FC236}">
+                <a16:creationId xmlns:a16="http://schemas.microsoft.com/office/drawing/2014/main" id="{D891E407-403B-4764-86C9-33A56D3BCAA3}"/>
+              </a:ext>
+              <a:ext uri="{C183D7F6-B498-43B3-948B-1728B52AA6E4}">
+                <adec:decorative xmlns:adec="http://schemas.microsoft.com/office/drawing/2017/decorative" val="1"/>
+              </a:ext>
+            </a:extLst>
+          </p:cNvPr>
+          <p:cNvCxnSpPr>
+            <a:cxnSpLocks noGrp="1" noRot="1" noChangeAspect="1" noMove="1" noResize="1" noEditPoints="1" noAdjustHandles="1" noChangeArrowheads="1" noChangeShapeType="1"/>
+          </p:cNvCxnSpPr>
+          <p:nvPr>
+            <p:extLst>
+              <p:ext uri="{386F3935-93C4-4BCD-93E2-E3B085C9AB24}">
+                <p16:designElem xmlns:p16="http://schemas.microsoft.com/office/powerpoint/2015/main" val="1"/>
+              </p:ext>
+            </p:extLst>
+          </p:nvPr>
+        </p:nvCxnSpPr>
+        <p:spPr>
+          <a:xfrm>
+            <a:off x="0" y="6134852"/>
+            <a:ext cx="12192000" cy="0"/>
+          </a:xfrm>
+          <a:prstGeom prst="line">
+            <a:avLst/>
+          </a:prstGeom>
+          <a:ln w="41275">
+            <a:solidFill>
+              <a:schemeClr val="bg1">
+                <a:alpha val="90000"/>
+              </a:schemeClr>
+            </a:solidFill>
+          </a:ln>
+        </p:spPr>
+        <p:style>
+          <a:lnRef idx="1">
+            <a:schemeClr val="accent1"/>
+          </a:lnRef>
+          <a:fillRef idx="0">
+            <a:schemeClr val="accent1"/>
+          </a:fillRef>
+          <a:effectRef idx="0">
+            <a:schemeClr val="accent1"/>
+          </a:effectRef>
+          <a:fontRef idx="minor">
+            <a:schemeClr val="tx1"/>
+          </a:fontRef>
+        </p:style>
+      </p:cxnSp>
+    </p:spTree>
+    <p:extLst>
+      <p:ext uri="{BB962C8B-B14F-4D97-AF65-F5344CB8AC3E}">
+        <p14:creationId xmlns:p14="http://schemas.microsoft.com/office/powerpoint/2010/main" val="4173949207"/>
+      </p:ext>
+    </p:extLst>
+  </p:cSld>
+  <p:clrMapOvr>
+    <a:masterClrMapping/>
+  </p:clrMapOvr>
+</p:sld>
+</file>
+
+<file path=ppt/slides/slide7.xml><?xml version="1.0" encoding="utf-8"?>
+<p:sld xmlns:a="http://schemas.openxmlformats.org/drawingml/2006/main" xmlns:r="http://schemas.openxmlformats.org/officeDocument/2006/relationships" xmlns:p="http://schemas.openxmlformats.org/presentationml/2006/main">
+  <p:cSld>
+    <p:spTree>
+      <p:nvGrpSpPr>
+        <p:cNvPr id="1" name=""/>
+        <p:cNvGrpSpPr/>
+        <p:nvPr/>
+      </p:nvGrpSpPr>
+      <p:grpSpPr>
+        <a:xfrm>
+          <a:off x="0" y="0"/>
+          <a:ext cx="0" cy="0"/>
+          <a:chOff x="0" y="0"/>
+          <a:chExt cx="0" cy="0"/>
+        </a:xfrm>
+      </p:grpSpPr>
+      <p:sp>
+        <p:nvSpPr>
+          <p:cNvPr id="2" name="Title 1">
+            <a:extLst>
+              <a:ext uri="{FF2B5EF4-FFF2-40B4-BE49-F238E27FC236}">
+                <a16:creationId xmlns:a16="http://schemas.microsoft.com/office/drawing/2014/main" id="{920D5051-2A88-3542-4BBC-7206B12F36A5}"/>
+              </a:ext>
+            </a:extLst>
+          </p:cNvPr>
+          <p:cNvSpPr>
+            <a:spLocks noGrp="1"/>
+          </p:cNvSpPr>
+          <p:nvPr>
+            <p:ph type="title"/>
           </p:nvPr>
         </p:nvSpPr>
         <p:spPr/>
@@ -3342,16 +8601,75 @@
           <a:bodyPr/>
           <a:lstStyle/>
           <a:p>
-            <a:endParaRPr lang="en-US"/>
+            <a:r>
+              <a:rPr lang="en-US" dirty="0"/>
+              <a:t>Key Ideas</a:t>
+            </a:r>
           </a:p>
         </p:txBody>
       </p:sp>
+      <p:graphicFrame>
+        <p:nvGraphicFramePr>
+          <p:cNvPr id="5" name="Content Placeholder 2">
+            <a:extLst>
+              <a:ext uri="{FF2B5EF4-FFF2-40B4-BE49-F238E27FC236}">
+                <a16:creationId xmlns:a16="http://schemas.microsoft.com/office/drawing/2014/main" id="{36928742-F4FE-8F89-53A9-97080764D8B1}"/>
+              </a:ext>
+            </a:extLst>
+          </p:cNvPr>
+          <p:cNvGraphicFramePr>
+            <a:graphicFrameLocks noGrp="1"/>
+          </p:cNvGraphicFramePr>
+          <p:nvPr>
+            <p:ph idx="1"/>
+          </p:nvPr>
+        </p:nvGraphicFramePr>
+        <p:xfrm>
+          <a:off x="838200" y="1825625"/>
+          <a:ext cx="10515600" cy="4351338"/>
+        </p:xfrm>
+        <a:graphic>
+          <a:graphicData uri="http://schemas.openxmlformats.org/drawingml/2006/diagram">
+            <dgm:relIds xmlns:dgm="http://schemas.openxmlformats.org/drawingml/2006/diagram" xmlns:r="http://schemas.openxmlformats.org/officeDocument/2006/relationships" r:dm="rId2" r:lo="rId3" r:qs="rId4" r:cs="rId5"/>
+          </a:graphicData>
+        </a:graphic>
+      </p:graphicFrame>
+    </p:spTree>
+    <p:extLst>
+      <p:ext uri="{BB962C8B-B14F-4D97-AF65-F5344CB8AC3E}">
+        <p14:creationId xmlns:p14="http://schemas.microsoft.com/office/powerpoint/2010/main" val="145637847"/>
+      </p:ext>
+    </p:extLst>
+  </p:cSld>
+  <p:clrMapOvr>
+    <a:masterClrMapping/>
+  </p:clrMapOvr>
+</p:sld>
+</file>
+
+<file path=ppt/slides/slide8.xml><?xml version="1.0" encoding="utf-8"?>
+<p:sld xmlns:a="http://schemas.openxmlformats.org/drawingml/2006/main" xmlns:r="http://schemas.openxmlformats.org/officeDocument/2006/relationships" xmlns:p="http://schemas.openxmlformats.org/presentationml/2006/main">
+  <p:cSld>
+    <p:spTree>
+      <p:nvGrpSpPr>
+        <p:cNvPr id="1" name=""/>
+        <p:cNvGrpSpPr/>
+        <p:nvPr/>
+      </p:nvGrpSpPr>
+      <p:grpSpPr>
+        <a:xfrm>
+          <a:off x="0" y="0"/>
+          <a:ext cx="0" cy="0"/>
+          <a:chOff x="0" y="0"/>
+          <a:chExt cx="0" cy="0"/>
+        </a:xfrm>
+      </p:grpSpPr>
       <p:sp>
         <p:nvSpPr>
-          <p:cNvPr id="3" name="Subtitle 2">
-            <a:extLst>
-              <a:ext uri="{FF2B5EF4-FFF2-40B4-BE49-F238E27FC236}">
-                <a16:creationId xmlns:a16="http://schemas.microsoft.com/office/drawing/2014/main" id="{A5D84224-D1D6-4E0E-4D26-ACE504663647}"/>
+          <p:cNvPr id="2" name="Title 1">
+            <a:extLst>
+              <a:ext uri="{FF2B5EF4-FFF2-40B4-BE49-F238E27FC236}">
+                <a16:creationId xmlns:a16="http://schemas.microsoft.com/office/drawing/2014/main" id="{76B523DB-59F2-8F26-5F94-B6DF98779AEE}"/>
               </a:ext>
             </a:extLst>
           </p:cNvPr>
@@ -3359,7 +8677,7 @@
             <a:spLocks noGrp="1"/>
           </p:cNvSpPr>
           <p:nvPr>
-            <p:ph type="subTitle" idx="1"/>
+            <p:ph type="title"/>
           </p:nvPr>
         </p:nvSpPr>
         <p:spPr/>
@@ -3367,14 +8685,100 @@
           <a:bodyPr/>
           <a:lstStyle/>
           <a:p>
-            <a:endParaRPr lang="en-US"/>
+            <a:r>
+              <a:rPr lang="en-US" dirty="0"/>
+              <a:t>References</a:t>
+            </a:r>
+          </a:p>
+        </p:txBody>
+      </p:sp>
+      <p:sp>
+        <p:nvSpPr>
+          <p:cNvPr id="3" name="Content Placeholder 2">
+            <a:extLst>
+              <a:ext uri="{FF2B5EF4-FFF2-40B4-BE49-F238E27FC236}">
+                <a16:creationId xmlns:a16="http://schemas.microsoft.com/office/drawing/2014/main" id="{1836E658-76AC-F72C-11BB-050D9CC6DDCC}"/>
+              </a:ext>
+            </a:extLst>
+          </p:cNvPr>
+          <p:cNvSpPr>
+            <a:spLocks noGrp="1"/>
+          </p:cNvSpPr>
+          <p:nvPr>
+            <p:ph idx="1"/>
+          </p:nvPr>
+        </p:nvSpPr>
+        <p:spPr/>
+        <p:txBody>
+          <a:bodyPr/>
+          <a:lstStyle/>
+          <a:p>
+            <a:pPr marL="0" indent="0">
+              <a:buNone/>
+            </a:pPr>
+            <a:r>
+              <a:rPr lang="en-US" dirty="0"/>
+              <a:t>Kim, G., Humble, J., </a:t>
+            </a:r>
+            <a:r>
+              <a:rPr lang="en-US" dirty="0" err="1"/>
+              <a:t>Debois</a:t>
+            </a:r>
+            <a:r>
+              <a:rPr lang="en-US" dirty="0"/>
+              <a:t>, P., &amp; Willis, J. (2016). </a:t>
+            </a:r>
+            <a:r>
+              <a:rPr lang="en-US" i="1" dirty="0"/>
+              <a:t>The DevOps handbook: How to create world-class agility, reliability, &amp; security in technology organizations</a:t>
+            </a:r>
+            <a:r>
+              <a:rPr lang="en-US" dirty="0"/>
+              <a:t>. IT Revolution Press.</a:t>
+            </a:r>
+          </a:p>
+          <a:p>
+            <a:pPr marL="0" indent="0">
+              <a:buNone/>
+            </a:pPr>
+            <a:r>
+              <a:rPr lang="en-US" dirty="0" err="1"/>
+              <a:t>Onyekwelu</a:t>
+            </a:r>
+            <a:r>
+              <a:rPr lang="en-US" dirty="0"/>
+              <a:t>, P. (2023, September 3). </a:t>
+            </a:r>
+            <a:r>
+              <a:rPr lang="en-US" i="1" dirty="0"/>
+              <a:t>DevOps vs Traditional: Key differences in software development and delivery</a:t>
+            </a:r>
+            <a:r>
+              <a:rPr lang="en-US" dirty="0"/>
+              <a:t>. </a:t>
+            </a:r>
+            <a:r>
+              <a:rPr lang="en-US" dirty="0" err="1"/>
+              <a:t>Dev.to</a:t>
+            </a:r>
+            <a:r>
+              <a:rPr lang="en-US" dirty="0"/>
+              <a:t>. </a:t>
+            </a:r>
+            <a:r>
+              <a:rPr lang="en-US" dirty="0">
+                <a:hlinkClick r:id="rId2"/>
+              </a:rPr>
+              <a:t>https://dev.to/princemaxi/devops-vs-traditional-key-differences-in-software-development-and-delivery-2j0g</a:t>
+            </a:r>
+            <a:endParaRPr lang="en-US" dirty="0"/>
           </a:p>
         </p:txBody>
       </p:sp>
     </p:spTree>
     <p:extLst>
       <p:ext uri="{BB962C8B-B14F-4D97-AF65-F5344CB8AC3E}">
-        <p14:creationId xmlns:p14="http://schemas.microsoft.com/office/powerpoint/2010/main" val="3131292791"/>
+        <p14:creationId xmlns:p14="http://schemas.microsoft.com/office/powerpoint/2010/main" val="2966289033"/>
       </p:ext>
     </p:extLst>
   </p:cSld>
